--- a/JSP_ppt/ServletJSP/01장_자바와 웹.pptx
+++ b/JSP_ppt/ServletJSP/01장_자바와 웹.pptx
@@ -186,6 +186,22 @@
       </a:defRPr>
     </a:lvl9pPr>
   </p:defaultTextStyle>
+  <p:extLst>
+    <p:ext uri="{EFAFB233-063F-42B5-8137-9DF3F51BA10A}">
+      <p15:sldGuideLst xmlns:p15="http://schemas.microsoft.com/office/powerpoint/2012/main">
+        <p15:guide id="1" orient="horz" pos="2160">
+          <p15:clr>
+            <a:srgbClr val="A4A3A4"/>
+          </p15:clr>
+        </p15:guide>
+        <p15:guide id="2" pos="2880">
+          <p15:clr>
+            <a:srgbClr val="A4A3A4"/>
+          </p15:clr>
+        </p15:guide>
+      </p15:sldGuideLst>
+    </p:ext>
+  </p:extLst>
 </p:presentation>
 </file>
 
@@ -298,7 +314,7 @@
               <a:pPr>
                 <a:defRPr/>
               </a:pPr>
-              <a:t>2017-04-25</a:t>
+              <a:t>2021-05-07</a:t>
             </a:fld>
             <a:endParaRPr lang="ko-KR" altLang="en-US"/>
           </a:p>
@@ -407,6 +423,316 @@
   <p:clrMap bg1="lt1" tx1="dk1" bg2="lt2" tx2="dk2" accent1="accent1" accent2="accent2" accent3="accent3" accent4="accent4" accent5="accent5" accent6="accent6" hlink="hlink" folHlink="folHlink"/>
   <p:hf sldNum="0" ftr="0" dt="0"/>
 </p:handoutMaster>
+</file>
+
+<file path=ppt/ink/ink1.xml><?xml version="1.0" encoding="utf-8"?>
+<inkml:ink xmlns:inkml="http://www.w3.org/2003/InkML">
+  <inkml:definitions>
+    <inkml:context xml:id="ctx0">
+      <inkml:inkSource xml:id="inkSrc0">
+        <inkml:traceFormat>
+          <inkml:channel name="X" type="integer" max="1920" units="cm"/>
+          <inkml:channel name="Y" type="integer" max="1080" units="cm"/>
+          <inkml:channel name="T" type="integer" max="2.14748E9" units="dev"/>
+        </inkml:traceFormat>
+        <inkml:channelProperties>
+          <inkml:channelProperty channel="X" name="resolution" value="36.43264" units="1/cm"/>
+          <inkml:channelProperty channel="Y" name="resolution" value="36.48649" units="1/cm"/>
+          <inkml:channelProperty channel="T" name="resolution" value="1" units="1/dev"/>
+        </inkml:channelProperties>
+      </inkml:inkSource>
+      <inkml:timestamp xml:id="ts0" timeString="2021-05-07T01:13:24.230"/>
+    </inkml:context>
+    <inkml:brush xml:id="br0">
+      <inkml:brushProperty name="width" value="0.08819" units="cm"/>
+      <inkml:brushProperty name="height" value="0.35278" units="cm"/>
+      <inkml:brushProperty name="color" value="#FFFF00"/>
+      <inkml:brushProperty name="tip" value="rectangle"/>
+      <inkml:brushProperty name="rasterOp" value="maskPen"/>
+    </inkml:brush>
+  </inkml:definitions>
+  <inkml:trace contextRef="#ctx0" brushRef="#br0">3351 14041 0,'36'0'62,"34"0"-62,36 0 16,70-18-16,318 18 16,18 0-1,70 0 1,159 53 15,-71-18-15,-123 0-1,-18 36 1,-123-18 0,-106 0-1,-177-36-15,1 19 16,-89-36 0,0 17 15</inkml:trace>
+</inkml:ink>
+</file>
+
+<file path=ppt/ink/ink10.xml><?xml version="1.0" encoding="utf-8"?>
+<inkml:ink xmlns:inkml="http://www.w3.org/2003/InkML">
+  <inkml:definitions>
+    <inkml:context xml:id="ctx0">
+      <inkml:inkSource xml:id="inkSrc0">
+        <inkml:traceFormat>
+          <inkml:channel name="X" type="integer" max="1920" units="cm"/>
+          <inkml:channel name="Y" type="integer" max="1080" units="cm"/>
+          <inkml:channel name="T" type="integer" max="2.14748E9" units="dev"/>
+        </inkml:traceFormat>
+        <inkml:channelProperties>
+          <inkml:channelProperty channel="X" name="resolution" value="36.43264" units="1/cm"/>
+          <inkml:channelProperty channel="Y" name="resolution" value="36.48649" units="1/cm"/>
+          <inkml:channelProperty channel="T" name="resolution" value="1" units="1/dev"/>
+        </inkml:channelProperties>
+      </inkml:inkSource>
+      <inkml:timestamp xml:id="ts0" timeString="2021-05-07T01:15:27.037"/>
+    </inkml:context>
+    <inkml:brush xml:id="br0">
+      <inkml:brushProperty name="width" value="0.08819" units="cm"/>
+      <inkml:brushProperty name="height" value="0.35278" units="cm"/>
+      <inkml:brushProperty name="color" value="#FFFF00"/>
+      <inkml:brushProperty name="tip" value="rectangle"/>
+      <inkml:brushProperty name="rasterOp" value="maskPen"/>
+    </inkml:brush>
+  </inkml:definitions>
+  <inkml:trace contextRef="#ctx0" brushRef="#br0">4110 11430 0,'18'0'62,"52"0"-62,18-18 16,36 18-16,176 0 16,105 0-1,19 0 1,-54 0 15,36 36-15,-53-1-1,-89 0 1,-105-17 0,-106-18-1,-36 0-15,19 0 16,-1 0-1,18 0 1,17 0 0,19 0-1,16 0 1,-16 0 0,16 0-1,-16 0 1,-19 0 15</inkml:trace>
+</inkml:ink>
+</file>
+
+<file path=ppt/ink/ink2.xml><?xml version="1.0" encoding="utf-8"?>
+<inkml:ink xmlns:inkml="http://www.w3.org/2003/InkML">
+  <inkml:definitions>
+    <inkml:context xml:id="ctx0">
+      <inkml:inkSource xml:id="inkSrc0">
+        <inkml:traceFormat>
+          <inkml:channel name="X" type="integer" max="1920" units="cm"/>
+          <inkml:channel name="Y" type="integer" max="1080" units="cm"/>
+          <inkml:channel name="T" type="integer" max="2.14748E9" units="dev"/>
+        </inkml:traceFormat>
+        <inkml:channelProperties>
+          <inkml:channelProperty channel="X" name="resolution" value="36.43264" units="1/cm"/>
+          <inkml:channelProperty channel="Y" name="resolution" value="36.48649" units="1/cm"/>
+          <inkml:channelProperty channel="T" name="resolution" value="1" units="1/dev"/>
+        </inkml:channelProperties>
+      </inkml:inkSource>
+      <inkml:timestamp xml:id="ts0" timeString="2021-05-07T01:13:28.397"/>
+    </inkml:context>
+    <inkml:brush xml:id="br0">
+      <inkml:brushProperty name="width" value="0.08819" units="cm"/>
+      <inkml:brushProperty name="height" value="0.35278" units="cm"/>
+      <inkml:brushProperty name="color" value="#FFFF00"/>
+      <inkml:brushProperty name="tip" value="rectangle"/>
+      <inkml:brushProperty name="rasterOp" value="maskPen"/>
+    </inkml:brush>
+  </inkml:definitions>
+  <inkml:trace contextRef="#ctx0" brushRef="#br0">2540 8802 0,'18'0'47,"52"17"-32,36 1-15,53-18 16,335 18 0,-212-1-1,106-17-15,529 0 16,283 0-1,-195 0 1,-35 36 0,-35 17-1,-282-36 1,-177 18 0,-53-35-1,-105 0 1,-71 0-1,158 18 17,-281-18-32,140 18 31,-122-1-15,-37-17-1,-16 0 1,16 0-1,1 0 1,-53 0 0,-35 0-1,-1 0 48,19 0-63,-1 0 15,0 0-15,18 0 16,0 0 0,-18 0 15,-17 0 16,0 0-32,88-35 1,105 35 0,-87 0-16,87 0 15,-122 0 1,157-18 0,-104 18-1,-37 0 1,-16-17-1,-72 17 126,1-18-141,0 18 16,34-17-1,90-1 1,-37 18 0,-34 0-1,17-18 1,18 1-1,0 17 1,-18 0 0</inkml:trace>
+</inkml:ink>
+</file>
+
+<file path=ppt/ink/ink3.xml><?xml version="1.0" encoding="utf-8"?>
+<inkml:ink xmlns:inkml="http://www.w3.org/2003/InkML">
+  <inkml:definitions>
+    <inkml:context xml:id="ctx0">
+      <inkml:inkSource xml:id="inkSrc0">
+        <inkml:traceFormat>
+          <inkml:channel name="X" type="integer" max="1920" units="cm"/>
+          <inkml:channel name="Y" type="integer" max="1080" units="cm"/>
+          <inkml:channel name="T" type="integer" max="2.14748E9" units="dev"/>
+        </inkml:traceFormat>
+        <inkml:channelProperties>
+          <inkml:channelProperty channel="X" name="resolution" value="36.43264" units="1/cm"/>
+          <inkml:channelProperty channel="Y" name="resolution" value="36.48649" units="1/cm"/>
+          <inkml:channelProperty channel="T" name="resolution" value="1" units="1/dev"/>
+        </inkml:channelProperties>
+      </inkml:inkSource>
+      <inkml:timestamp xml:id="ts0" timeString="2021-05-07T01:13:32.102"/>
+    </inkml:context>
+    <inkml:brush xml:id="br0">
+      <inkml:brushProperty name="width" value="0.08819" units="cm"/>
+      <inkml:brushProperty name="height" value="0.35278" units="cm"/>
+      <inkml:brushProperty name="color" value="#FFFF00"/>
+      <inkml:brushProperty name="tip" value="rectangle"/>
+      <inkml:brushProperty name="rasterOp" value="maskPen"/>
+    </inkml:brush>
+  </inkml:definitions>
+  <inkml:trace contextRef="#ctx0" brushRef="#br0">1570 4004 0,'35'0'31,"36"-18"-15,35 1-16,193-36 15,72-18 1,70-17 0,229 35 15,212 0-15,53 18-1,17 35 1,-87 0-1,-477 0-15,353 35 16,-18 53 0,-335-52-1,-177-1 1</inkml:trace>
+</inkml:ink>
+</file>
+
+<file path=ppt/ink/ink4.xml><?xml version="1.0" encoding="utf-8"?>
+<inkml:ink xmlns:inkml="http://www.w3.org/2003/InkML">
+  <inkml:definitions>
+    <inkml:context xml:id="ctx0">
+      <inkml:inkSource xml:id="inkSrc0">
+        <inkml:traceFormat>
+          <inkml:channel name="X" type="integer" max="1920" units="cm"/>
+          <inkml:channel name="Y" type="integer" max="1080" units="cm"/>
+          <inkml:channel name="T" type="integer" max="2.14748E9" units="dev"/>
+        </inkml:traceFormat>
+        <inkml:channelProperties>
+          <inkml:channelProperty channel="X" name="resolution" value="36.43264" units="1/cm"/>
+          <inkml:channelProperty channel="Y" name="resolution" value="36.48649" units="1/cm"/>
+          <inkml:channelProperty channel="T" name="resolution" value="1" units="1/dev"/>
+        </inkml:channelProperties>
+      </inkml:inkSource>
+      <inkml:timestamp xml:id="ts0" timeString="2021-05-07T01:13:41.846"/>
+    </inkml:context>
+    <inkml:brush xml:id="br0">
+      <inkml:brushProperty name="width" value="0.08819" units="cm"/>
+      <inkml:brushProperty name="height" value="0.35278" units="cm"/>
+      <inkml:brushProperty name="color" value="#FFFF00"/>
+      <inkml:brushProperty name="tip" value="rectangle"/>
+      <inkml:brushProperty name="rasterOp" value="maskPen"/>
+    </inkml:brush>
+  </inkml:definitions>
+  <inkml:trace contextRef="#ctx0" brushRef="#br0">2522 7355 0,'36'0'532,"-19"-17"-517,19 17 1,-19 0-16,36 0 15,-18 0 1,1 0 0,-19 0 15,1 0-31,0 0 16,-1 0-1,1 0 1,17 0-1,-17 0 1,-1 0 0,19 0-1,-1 0 1,0 0 0,1 0-1,-19 0 1,18 0-1,-17 0 1,35 0 15,-18 0-15,-17 0 0,17 0-1,-17 0 1,-1 0-1,1 0 1,17 0 0,-17 0-1,17 0 1,-17 0 0,17 0-1,-17 0 1,17 0-16,0 0 15,1 0 1,-1 0 0,0 0-1,18 0 17,0 0-17,-18 0 1,18 0-1,-35 0 1,17 0 0,-17 0-1,17 0 1,18 0 0,0 0-1,-18 0 1,36 0-1,-18 0 1,0 0 0,0 0 15,-1 0-15,-16 17-1,34-17 1,-34 0-1,16 18 1,19-18 0,-18 0-1,18 0 1,-1 0 0,1 18-1,-1-18 1,1 0-1,-18 0 1,35 0 15,-18 0-15,36 0 0,-53 0-1,0 0 1,0 0-1,18 17 1,17-17 0,0 0-1,18 0 1,-18 0 0,-17 18-1,17-18 1,0 0-1,-18 0 1,1 0 0,52 0 15,-52 0-15,17 0-1,18 0 1,-18 0-1,-17 18 1,17-18 0,-17 17-1,-19 1 1,-34-18 0</inkml:trace>
+</inkml:ink>
+</file>
+
+<file path=ppt/ink/ink5.xml><?xml version="1.0" encoding="utf-8"?>
+<inkml:ink xmlns:inkml="http://www.w3.org/2003/InkML">
+  <inkml:definitions>
+    <inkml:context xml:id="ctx0">
+      <inkml:inkSource xml:id="inkSrc0">
+        <inkml:traceFormat>
+          <inkml:channel name="X" type="integer" max="1920" units="cm"/>
+          <inkml:channel name="Y" type="integer" max="1080" units="cm"/>
+          <inkml:channel name="T" type="integer" max="2.14748E9" units="dev"/>
+        </inkml:traceFormat>
+        <inkml:channelProperties>
+          <inkml:channelProperty channel="X" name="resolution" value="36.43264" units="1/cm"/>
+          <inkml:channelProperty channel="Y" name="resolution" value="36.48649" units="1/cm"/>
+          <inkml:channelProperty channel="T" name="resolution" value="1" units="1/dev"/>
+        </inkml:channelProperties>
+      </inkml:inkSource>
+      <inkml:timestamp xml:id="ts0" timeString="2021-05-07T01:13:50.278"/>
+    </inkml:context>
+    <inkml:brush xml:id="br0">
+      <inkml:brushProperty name="width" value="0.08819" units="cm"/>
+      <inkml:brushProperty name="height" value="0.35278" units="cm"/>
+      <inkml:brushProperty name="color" value="#FFFF00"/>
+      <inkml:brushProperty name="tip" value="rectangle"/>
+      <inkml:brushProperty name="rasterOp" value="maskPen"/>
+    </inkml:brush>
+  </inkml:definitions>
+  <inkml:trace contextRef="#ctx0" brushRef="#br0">11483 11818 0,'0'0'0,"88"0"31,36 0-15,70 0-1,0 0 1,70 0-1,-140 0 1,-18 0 0,-36-18-1,-17 18 1,-18 0 0,-17 0-1,0 0 1,-1 0-1,1 0 1,-1 0 0,19 0-1,-1 0 17</inkml:trace>
+</inkml:ink>
+</file>
+
+<file path=ppt/ink/ink6.xml><?xml version="1.0" encoding="utf-8"?>
+<inkml:ink xmlns:inkml="http://www.w3.org/2003/InkML">
+  <inkml:definitions>
+    <inkml:context xml:id="ctx0">
+      <inkml:inkSource xml:id="inkSrc0">
+        <inkml:traceFormat>
+          <inkml:channel name="X" type="integer" max="1920" units="cm"/>
+          <inkml:channel name="Y" type="integer" max="1080" units="cm"/>
+          <inkml:channel name="T" type="integer" max="2.14748E9" units="dev"/>
+        </inkml:traceFormat>
+        <inkml:channelProperties>
+          <inkml:channelProperty channel="X" name="resolution" value="36.43264" units="1/cm"/>
+          <inkml:channelProperty channel="Y" name="resolution" value="36.48649" units="1/cm"/>
+          <inkml:channelProperty channel="T" name="resolution" value="1" units="1/dev"/>
+        </inkml:channelProperties>
+      </inkml:inkSource>
+      <inkml:timestamp xml:id="ts0" timeString="2021-05-07T01:14:02.862"/>
+    </inkml:context>
+    <inkml:brush xml:id="br0">
+      <inkml:brushProperty name="width" value="0.05292" units="cm"/>
+      <inkml:brushProperty name="height" value="0.05292" units="cm"/>
+      <inkml:brushProperty name="color" value="#FF0000"/>
+    </inkml:brush>
+  </inkml:definitions>
+  <inkml:trace contextRef="#ctx0" brushRef="#br0">11024 11659 0,'-17'0'15,"-1"0"1,-17-17 0,-1 17-1,-16-36 1,-1 1-1,17 0 1,-17-18 0,18 0-1,-18-35 1,18 53-16,0-36 16,-1-17-1,36 17 1,0 1-1,0-19 1,36 19 0,-1-18 15,18 35-15,0 0-1,-18 0 1,0 35-1,1 1 1,-36-1 0</inkml:trace>
+  <inkml:trace contextRef="#ctx0" brushRef="#br0" timeOffset="871.76">10724 10425 0,'18'0'62,"0"0"-46,35 0-1,0 0 1,-18 0 0,0 0-1,-17 17 63,-18 1-62,0 0 0,0-1-1,0 1 1,0 17 0,0 0-1,0-17 1,0 0-1</inkml:trace>
+  <inkml:trace contextRef="#ctx0" brushRef="#br0" timeOffset="1984.56">11959 8978 0,'0'-17'47,"35"17"-31,-17 0 0,53 0-1,-18 0-15,35 0 16,71-18-1,-71 18 1,-71 0 0,1 0 15,-36 0-15,1 18-1</inkml:trace>
+  <inkml:trace contextRef="#ctx0" brushRef="#br0" timeOffset="2496.06">12330 8996 0,'-18'17'32,"18"1"-17,-35 53 1,-1 17-1,1-18 1,0 1 0,35-53-1</inkml:trace>
+  <inkml:trace contextRef="#ctx0" brushRef="#br0" timeOffset="2839.13">12206 9208 0,'35'0'16,"-17"0"-1,0 0 1,-1 35-1,-17-18 1,36 1 0</inkml:trace>
+  <inkml:trace contextRef="#ctx0" brushRef="#br0" timeOffset="3240.42">12312 9208 0,'0'-18'0,"18"18"16,35-18-1,17 18 1,-17 0 0,-18 0-1,-17 0 1,0 0 0</inkml:trace>
+  <inkml:trace contextRef="#ctx0" brushRef="#br0" timeOffset="3601.51">12612 8961 0,'0'17'32,"0"1"-17,0 52 1,0 19-1,0-36 1,0-18-16,0-18 31,0 1-15,0 0 0,-18-18-1</inkml:trace>
+  <inkml:trace contextRef="#ctx0" brushRef="#br0" timeOffset="4303.85">12188 9402 0,'0'17'15,"0"1"1,0-1 0,0 1-1,18 17 1,0-17 0,-1-18-1,1 0 32,0 0-31,-1 0-1,1 0 1,0 0 0,52 0-1,1 0 1,52 0-1,-52-18 1,-36 18 0,-17 0-1</inkml:trace>
+  <inkml:trace contextRef="#ctx0" brushRef="#br0" timeOffset="4983.83">12823 8943 0,'0'18'16,"0"-1"0,0 54 15,0-18-16</inkml:trace>
+  <inkml:trace contextRef="#ctx0" brushRef="#br0" timeOffset="5951.66">12823 8943 0,'0'-18'0,"18"18"31,0 0-15,-1 0 0,1 0-1,17 0 1,18 0 0,-17 0-1,-19 0 1,1 0 93,-18 18-78,0 0-31,0 17 16,0-18-16,0 36 16,0-17 15,0-19-15,0 1 46,-18 0-46,1-18-1,-1 0-15,18 17 32,-18-17-32,1 0 31,17 18-16,-18-18 1,0 0 0,1 0-1,-1 0 1,0 0 46,1 0-46,-1 0 0,0 0 15</inkml:trace>
+  <inkml:trace contextRef="#ctx0" brushRef="#br0" timeOffset="6512.13">12753 9296 0,'35'0'62,"-17"0"-46,17-18-16,0 18 15,54-18 1,16 18 0,19 0-1,-71 0 1</inkml:trace>
+  <inkml:trace contextRef="#ctx0" brushRef="#br0" timeOffset="6896.22">13123 9278 0,'0'18'47,"0"-1"-32,-17-17-15,17 18 16,0 17 0,0-17 15,0 0-15,0-1-1,0 1 16</inkml:trace>
+  <inkml:trace contextRef="#ctx0" brushRef="#br0" timeOffset="7935.38">12876 9419 0,'0'18'62,"0"-1"-46,0 1 15,18 0 157,-18-1-173,18-17 32,-1 0 94,1 0-126,17 0 1,1 0 0,52 0-1,-53-17-15,71-1 16,-36 18-1,-34 0 1</inkml:trace>
+</inkml:ink>
+</file>
+
+<file path=ppt/ink/ink7.xml><?xml version="1.0" encoding="utf-8"?>
+<inkml:ink xmlns:inkml="http://www.w3.org/2003/InkML">
+  <inkml:definitions>
+    <inkml:context xml:id="ctx0">
+      <inkml:inkSource xml:id="inkSrc0">
+        <inkml:traceFormat>
+          <inkml:channel name="X" type="integer" max="1920" units="cm"/>
+          <inkml:channel name="Y" type="integer" max="1080" units="cm"/>
+          <inkml:channel name="T" type="integer" max="2.14748E9" units="dev"/>
+        </inkml:traceFormat>
+        <inkml:channelProperties>
+          <inkml:channelProperty channel="X" name="resolution" value="36.43264" units="1/cm"/>
+          <inkml:channelProperty channel="Y" name="resolution" value="36.48649" units="1/cm"/>
+          <inkml:channelProperty channel="T" name="resolution" value="1" units="1/dev"/>
+        </inkml:channelProperties>
+      </inkml:inkSource>
+      <inkml:timestamp xml:id="ts0" timeString="2021-05-07T01:14:27.430"/>
+    </inkml:context>
+    <inkml:brush xml:id="br0">
+      <inkml:brushProperty name="width" value="0.08819" units="cm"/>
+      <inkml:brushProperty name="height" value="0.35278" units="cm"/>
+      <inkml:brushProperty name="color" value="#FFFF00"/>
+      <inkml:brushProperty name="tip" value="rectangle"/>
+      <inkml:brushProperty name="rasterOp" value="maskPen"/>
+    </inkml:brush>
+  </inkml:definitions>
+  <inkml:trace contextRef="#ctx0" brushRef="#br0">12347 10848 0,'0'-18'63,"18"18"-48,0-17 1,-1 17-1,18 0-15,54-18 16,-1 18 15,0-18-15,18 18 0,-18 0-1,0 0 1,-52 0-1,-1 0-15,-18 0 16,19 0 0,-1 0-1,-17 0 1,-1 0 0,19 0-1,-1 0 1,-18 0 234,1 0-235,0 0 1,-1 0 0,1 0-1</inkml:trace>
+</inkml:ink>
+</file>
+
+<file path=ppt/ink/ink8.xml><?xml version="1.0" encoding="utf-8"?>
+<inkml:ink xmlns:inkml="http://www.w3.org/2003/InkML">
+  <inkml:definitions>
+    <inkml:context xml:id="ctx0">
+      <inkml:inkSource xml:id="inkSrc0">
+        <inkml:traceFormat>
+          <inkml:channel name="X" type="integer" max="1920" units="cm"/>
+          <inkml:channel name="Y" type="integer" max="1080" units="cm"/>
+          <inkml:channel name="T" type="integer" max="2.14748E9" units="dev"/>
+        </inkml:traceFormat>
+        <inkml:channelProperties>
+          <inkml:channelProperty channel="X" name="resolution" value="36.43264" units="1/cm"/>
+          <inkml:channelProperty channel="Y" name="resolution" value="36.48649" units="1/cm"/>
+          <inkml:channelProperty channel="T" name="resolution" value="1" units="1/dev"/>
+        </inkml:channelProperties>
+      </inkml:inkSource>
+      <inkml:timestamp xml:id="ts0" timeString="2021-05-07T01:14:28.325"/>
+    </inkml:context>
+    <inkml:brush xml:id="br0">
+      <inkml:brushProperty name="width" value="0.08819" units="cm"/>
+      <inkml:brushProperty name="height" value="0.35278" units="cm"/>
+      <inkml:brushProperty name="color" value="#FFFF00"/>
+      <inkml:brushProperty name="tip" value="rectangle"/>
+      <inkml:brushProperty name="rasterOp" value="maskPen"/>
+    </inkml:brush>
+  </inkml:definitions>
+  <inkml:trace contextRef="#ctx0" brushRef="#br0">12647 11871 0,'0'0'0,"35"0"16,1 0-16,34 0 31,-35 0-31,54-18 16,-36 1-1,0 17 1</inkml:trace>
+</inkml:ink>
+</file>
+
+<file path=ppt/ink/ink9.xml><?xml version="1.0" encoding="utf-8"?>
+<inkml:ink xmlns:inkml="http://www.w3.org/2003/InkML">
+  <inkml:definitions>
+    <inkml:context xml:id="ctx0">
+      <inkml:inkSource xml:id="inkSrc0">
+        <inkml:traceFormat>
+          <inkml:channel name="X" type="integer" max="1920" units="cm"/>
+          <inkml:channel name="Y" type="integer" max="1080" units="cm"/>
+          <inkml:channel name="T" type="integer" max="2.14748E9" units="dev"/>
+        </inkml:traceFormat>
+        <inkml:channelProperties>
+          <inkml:channelProperty channel="X" name="resolution" value="36.43264" units="1/cm"/>
+          <inkml:channelProperty channel="Y" name="resolution" value="36.48649" units="1/cm"/>
+          <inkml:channelProperty channel="T" name="resolution" value="1" units="1/dev"/>
+        </inkml:channelProperties>
+      </inkml:inkSource>
+      <inkml:timestamp xml:id="ts0" timeString="2021-05-07T01:14:29.254"/>
+    </inkml:context>
+    <inkml:brush xml:id="br0">
+      <inkml:brushProperty name="width" value="0.08819" units="cm"/>
+      <inkml:brushProperty name="height" value="0.35278" units="cm"/>
+      <inkml:brushProperty name="color" value="#FFFF00"/>
+      <inkml:brushProperty name="tip" value="rectangle"/>
+      <inkml:brushProperty name="rasterOp" value="maskPen"/>
+    </inkml:brush>
+  </inkml:definitions>
+  <inkml:trace contextRef="#ctx0" brushRef="#br0">12612 13758 0,'35'0'0,"-17"0"16,52 0 0,1 0-1,17 0 1,0 0-1,0 0 1,-35 0 15,-17 0-31</inkml:trace>
+</inkml:ink>
 </file>
 
 <file path=ppt/notesMasters/notesMaster1.xml><?xml version="1.0" encoding="utf-8"?>
@@ -518,7 +844,7 @@
               <a:pPr>
                 <a:defRPr/>
               </a:pPr>
-              <a:t>2017-04-25</a:t>
+              <a:t>2021-05-07</a:t>
             </a:fld>
             <a:endParaRPr lang="ko-KR" altLang="en-US"/>
           </a:p>
@@ -554,7 +880,7 @@
           <a:lstStyle/>
           <a:p>
             <a:pPr lvl="0"/>
-            <a:endParaRPr lang="ko-KR" altLang="en-US" noProof="0" smtClean="0"/>
+            <a:endParaRPr lang="ko-KR" altLang="en-US" noProof="0"/>
           </a:p>
         </p:txBody>
       </p:sp>
@@ -583,35 +909,35 @@
           <a:p>
             <a:pPr lvl="0"/>
             <a:r>
-              <a:rPr lang="ko-KR" altLang="en-US" noProof="0" smtClean="0"/>
+              <a:rPr lang="ko-KR" altLang="en-US" noProof="0"/>
               <a:t>마스터 텍스트 스타일을 편집합니다</a:t>
             </a:r>
           </a:p>
           <a:p>
             <a:pPr lvl="1"/>
             <a:r>
-              <a:rPr lang="ko-KR" altLang="en-US" noProof="0" smtClean="0"/>
+              <a:rPr lang="ko-KR" altLang="en-US" noProof="0"/>
               <a:t>둘째 수준</a:t>
             </a:r>
           </a:p>
           <a:p>
             <a:pPr lvl="2"/>
             <a:r>
-              <a:rPr lang="ko-KR" altLang="en-US" noProof="0" smtClean="0"/>
+              <a:rPr lang="ko-KR" altLang="en-US" noProof="0"/>
               <a:t>셋째 수준</a:t>
             </a:r>
           </a:p>
           <a:p>
             <a:pPr lvl="3"/>
             <a:r>
-              <a:rPr lang="ko-KR" altLang="en-US" noProof="0" smtClean="0"/>
+              <a:rPr lang="ko-KR" altLang="en-US" noProof="0"/>
               <a:t>넷째 수준</a:t>
             </a:r>
           </a:p>
           <a:p>
             <a:pPr lvl="4"/>
             <a:r>
-              <a:rPr lang="ko-KR" altLang="en-US" noProof="0" smtClean="0"/>
+              <a:rPr lang="ko-KR" altLang="en-US" noProof="0"/>
               <a:t>다섯째 수준</a:t>
             </a:r>
           </a:p>
@@ -937,7 +1263,7 @@
                 <a:spcPct val="0"/>
               </a:spcBef>
             </a:pPr>
-            <a:endParaRPr lang="ko-KR" altLang="en-US" smtClean="0"/>
+            <a:endParaRPr lang="ko-KR" altLang="en-US"/>
           </a:p>
         </p:txBody>
       </p:sp>
@@ -1095,7 +1421,7 @@
                 <a:spcPct val="0"/>
               </a:spcAft>
             </a:pPr>
-            <a:endParaRPr kumimoji="0" lang="ko-KR" altLang="en-US" smtClean="0">
+            <a:endParaRPr kumimoji="0" lang="ko-KR" altLang="en-US">
               <a:latin typeface="맑은 고딕" pitchFamily="50" charset="-127"/>
               <a:ea typeface="맑은 고딕" pitchFamily="50" charset="-127"/>
             </a:endParaRPr>
@@ -1198,7 +1524,7 @@
           </a:lstStyle>
           <a:p>
             <a:r>
-              <a:rPr lang="ko-KR" altLang="en-US" smtClean="0"/>
+              <a:rPr lang="ko-KR" altLang="en-US"/>
               <a:t>마스터 제목 스타일 편집</a:t>
             </a:r>
             <a:endParaRPr lang="en-US"/>
@@ -1259,7 +1585,7 @@
           </a:lstStyle>
           <a:p>
             <a:r>
-              <a:rPr lang="ko-KR" altLang="en-US" smtClean="0"/>
+              <a:rPr lang="ko-KR" altLang="en-US"/>
               <a:t>마스터 부제목 스타일 편집</a:t>
             </a:r>
             <a:endParaRPr lang="en-US"/>
@@ -1293,7 +1619,7 @@
               <a:pPr>
                 <a:defRPr/>
               </a:pPr>
-              <a:t>2017-04-25</a:t>
+              <a:t>2021-05-07</a:t>
             </a:fld>
             <a:endParaRPr lang="ko-KR" altLang="en-US"/>
           </a:p>
@@ -1404,7 +1730,7 @@
           <a:lstStyle/>
           <a:p>
             <a:r>
-              <a:rPr lang="ko-KR" altLang="en-US" smtClean="0"/>
+              <a:rPr lang="ko-KR" altLang="en-US"/>
               <a:t>마스터 제목 스타일 편집</a:t>
             </a:r>
             <a:endParaRPr lang="en-US"/>
@@ -1428,35 +1754,35 @@
           <a:p>
             <a:pPr lvl="0"/>
             <a:r>
-              <a:rPr lang="ko-KR" altLang="en-US" smtClean="0"/>
+              <a:rPr lang="ko-KR" altLang="en-US"/>
               <a:t>마스터 텍스트 스타일을 편집합니다</a:t>
             </a:r>
           </a:p>
           <a:p>
             <a:pPr lvl="1"/>
             <a:r>
-              <a:rPr lang="ko-KR" altLang="en-US" smtClean="0"/>
+              <a:rPr lang="ko-KR" altLang="en-US"/>
               <a:t>둘째 수준</a:t>
             </a:r>
           </a:p>
           <a:p>
             <a:pPr lvl="2"/>
             <a:r>
-              <a:rPr lang="ko-KR" altLang="en-US" smtClean="0"/>
+              <a:rPr lang="ko-KR" altLang="en-US"/>
               <a:t>셋째 수준</a:t>
             </a:r>
           </a:p>
           <a:p>
             <a:pPr lvl="3"/>
             <a:r>
-              <a:rPr lang="ko-KR" altLang="en-US" smtClean="0"/>
+              <a:rPr lang="ko-KR" altLang="en-US"/>
               <a:t>넷째 수준</a:t>
             </a:r>
           </a:p>
           <a:p>
             <a:pPr lvl="4"/>
             <a:r>
-              <a:rPr lang="ko-KR" altLang="en-US" smtClean="0"/>
+              <a:rPr lang="ko-KR" altLang="en-US"/>
               <a:t>다섯째 수준</a:t>
             </a:r>
             <a:endParaRPr lang="en-US"/>
@@ -1490,7 +1816,7 @@
               <a:pPr>
                 <a:defRPr/>
               </a:pPr>
-              <a:t>2017-04-25</a:t>
+              <a:t>2021-05-07</a:t>
             </a:fld>
             <a:endParaRPr lang="ko-KR" altLang="en-US"/>
           </a:p>
@@ -1606,7 +1932,7 @@
           <a:lstStyle/>
           <a:p>
             <a:r>
-              <a:rPr lang="ko-KR" altLang="en-US" smtClean="0"/>
+              <a:rPr lang="ko-KR" altLang="en-US"/>
               <a:t>마스터 제목 스타일 편집</a:t>
             </a:r>
             <a:endParaRPr lang="en-US"/>
@@ -1635,35 +1961,35 @@
           <a:p>
             <a:pPr lvl="0"/>
             <a:r>
-              <a:rPr lang="ko-KR" altLang="en-US" smtClean="0"/>
+              <a:rPr lang="ko-KR" altLang="en-US"/>
               <a:t>마스터 텍스트 스타일을 편집합니다</a:t>
             </a:r>
           </a:p>
           <a:p>
             <a:pPr lvl="1"/>
             <a:r>
-              <a:rPr lang="ko-KR" altLang="en-US" smtClean="0"/>
+              <a:rPr lang="ko-KR" altLang="en-US"/>
               <a:t>둘째 수준</a:t>
             </a:r>
           </a:p>
           <a:p>
             <a:pPr lvl="2"/>
             <a:r>
-              <a:rPr lang="ko-KR" altLang="en-US" smtClean="0"/>
+              <a:rPr lang="ko-KR" altLang="en-US"/>
               <a:t>셋째 수준</a:t>
             </a:r>
           </a:p>
           <a:p>
             <a:pPr lvl="3"/>
             <a:r>
-              <a:rPr lang="ko-KR" altLang="en-US" smtClean="0"/>
+              <a:rPr lang="ko-KR" altLang="en-US"/>
               <a:t>넷째 수준</a:t>
             </a:r>
           </a:p>
           <a:p>
             <a:pPr lvl="4"/>
             <a:r>
-              <a:rPr lang="ko-KR" altLang="en-US" smtClean="0"/>
+              <a:rPr lang="ko-KR" altLang="en-US"/>
               <a:t>다섯째 수준</a:t>
             </a:r>
             <a:endParaRPr lang="en-US"/>
@@ -1697,7 +2023,7 @@
               <a:pPr>
                 <a:defRPr/>
               </a:pPr>
-              <a:t>2017-04-25</a:t>
+              <a:t>2021-05-07</a:t>
             </a:fld>
             <a:endParaRPr lang="ko-KR" altLang="en-US"/>
           </a:p>
@@ -1808,7 +2134,7 @@
           <a:lstStyle/>
           <a:p>
             <a:r>
-              <a:rPr lang="ko-KR" altLang="en-US" smtClean="0"/>
+              <a:rPr lang="ko-KR" altLang="en-US"/>
               <a:t>마스터 제목 스타일 편집</a:t>
             </a:r>
             <a:endParaRPr lang="en-US"/>
@@ -1832,35 +2158,35 @@
           <a:p>
             <a:pPr lvl="0"/>
             <a:r>
-              <a:rPr lang="ko-KR" altLang="en-US" smtClean="0"/>
+              <a:rPr lang="ko-KR" altLang="en-US"/>
               <a:t>마스터 텍스트 스타일을 편집합니다</a:t>
             </a:r>
           </a:p>
           <a:p>
             <a:pPr lvl="1"/>
             <a:r>
-              <a:rPr lang="ko-KR" altLang="en-US" smtClean="0"/>
+              <a:rPr lang="ko-KR" altLang="en-US"/>
               <a:t>둘째 수준</a:t>
             </a:r>
           </a:p>
           <a:p>
             <a:pPr lvl="2"/>
             <a:r>
-              <a:rPr lang="ko-KR" altLang="en-US" smtClean="0"/>
+              <a:rPr lang="ko-KR" altLang="en-US"/>
               <a:t>셋째 수준</a:t>
             </a:r>
           </a:p>
           <a:p>
             <a:pPr lvl="3"/>
             <a:r>
-              <a:rPr lang="ko-KR" altLang="en-US" smtClean="0"/>
+              <a:rPr lang="ko-KR" altLang="en-US"/>
               <a:t>넷째 수준</a:t>
             </a:r>
           </a:p>
           <a:p>
             <a:pPr lvl="4"/>
             <a:r>
-              <a:rPr lang="ko-KR" altLang="en-US" smtClean="0"/>
+              <a:rPr lang="ko-KR" altLang="en-US"/>
               <a:t>다섯째 수준</a:t>
             </a:r>
             <a:endParaRPr lang="en-US"/>
@@ -1894,7 +2220,7 @@
               <a:pPr>
                 <a:defRPr/>
               </a:pPr>
-              <a:t>2017-04-25</a:t>
+              <a:t>2021-05-07</a:t>
             </a:fld>
             <a:endParaRPr lang="ko-KR" altLang="en-US"/>
           </a:p>
@@ -2057,7 +2383,7 @@
           </a:lstStyle>
           <a:p>
             <a:r>
-              <a:rPr lang="ko-KR" altLang="en-US" smtClean="0"/>
+              <a:rPr lang="ko-KR" altLang="en-US"/>
               <a:t>마스터 제목 스타일 편집</a:t>
             </a:r>
             <a:endParaRPr lang="en-US"/>
@@ -2135,7 +2461,7 @@
           <a:p>
             <a:pPr lvl="0"/>
             <a:r>
-              <a:rPr lang="ko-KR" altLang="en-US" smtClean="0"/>
+              <a:rPr lang="ko-KR" altLang="en-US"/>
               <a:t>마스터 텍스트 스타일을 편집합니다</a:t>
             </a:r>
           </a:p>
@@ -2168,7 +2494,7 @@
               <a:pPr>
                 <a:defRPr/>
               </a:pPr>
-              <a:t>2017-04-25</a:t>
+              <a:t>2021-05-07</a:t>
             </a:fld>
             <a:endParaRPr lang="ko-KR" altLang="en-US"/>
           </a:p>
@@ -2284,7 +2610,7 @@
           <a:lstStyle/>
           <a:p>
             <a:r>
-              <a:rPr lang="ko-KR" altLang="en-US" smtClean="0"/>
+              <a:rPr lang="ko-KR" altLang="en-US"/>
               <a:t>마스터 제목 스타일 편집</a:t>
             </a:r>
             <a:endParaRPr lang="en-US"/>
@@ -2329,35 +2655,35 @@
           <a:p>
             <a:pPr lvl="0"/>
             <a:r>
-              <a:rPr lang="ko-KR" altLang="en-US" smtClean="0"/>
+              <a:rPr lang="ko-KR" altLang="en-US"/>
               <a:t>마스터 텍스트 스타일을 편집합니다</a:t>
             </a:r>
           </a:p>
           <a:p>
             <a:pPr lvl="1"/>
             <a:r>
-              <a:rPr lang="ko-KR" altLang="en-US" smtClean="0"/>
+              <a:rPr lang="ko-KR" altLang="en-US"/>
               <a:t>둘째 수준</a:t>
             </a:r>
           </a:p>
           <a:p>
             <a:pPr lvl="2"/>
             <a:r>
-              <a:rPr lang="ko-KR" altLang="en-US" smtClean="0"/>
+              <a:rPr lang="ko-KR" altLang="en-US"/>
               <a:t>셋째 수준</a:t>
             </a:r>
           </a:p>
           <a:p>
             <a:pPr lvl="3"/>
             <a:r>
-              <a:rPr lang="ko-KR" altLang="en-US" smtClean="0"/>
+              <a:rPr lang="ko-KR" altLang="en-US"/>
               <a:t>넷째 수준</a:t>
             </a:r>
           </a:p>
           <a:p>
             <a:pPr lvl="4"/>
             <a:r>
-              <a:rPr lang="ko-KR" altLang="en-US" smtClean="0"/>
+              <a:rPr lang="ko-KR" altLang="en-US"/>
               <a:t>다섯째 수준</a:t>
             </a:r>
             <a:endParaRPr lang="en-US"/>
@@ -2402,35 +2728,35 @@
           <a:p>
             <a:pPr lvl="0"/>
             <a:r>
-              <a:rPr lang="ko-KR" altLang="en-US" smtClean="0"/>
+              <a:rPr lang="ko-KR" altLang="en-US"/>
               <a:t>마스터 텍스트 스타일을 편집합니다</a:t>
             </a:r>
           </a:p>
           <a:p>
             <a:pPr lvl="1"/>
             <a:r>
-              <a:rPr lang="ko-KR" altLang="en-US" smtClean="0"/>
+              <a:rPr lang="ko-KR" altLang="en-US"/>
               <a:t>둘째 수준</a:t>
             </a:r>
           </a:p>
           <a:p>
             <a:pPr lvl="2"/>
             <a:r>
-              <a:rPr lang="ko-KR" altLang="en-US" smtClean="0"/>
+              <a:rPr lang="ko-KR" altLang="en-US"/>
               <a:t>셋째 수준</a:t>
             </a:r>
           </a:p>
           <a:p>
             <a:pPr lvl="3"/>
             <a:r>
-              <a:rPr lang="ko-KR" altLang="en-US" smtClean="0"/>
+              <a:rPr lang="ko-KR" altLang="en-US"/>
               <a:t>넷째 수준</a:t>
             </a:r>
           </a:p>
           <a:p>
             <a:pPr lvl="4"/>
             <a:r>
-              <a:rPr lang="ko-KR" altLang="en-US" smtClean="0"/>
+              <a:rPr lang="ko-KR" altLang="en-US"/>
               <a:t>다섯째 수준</a:t>
             </a:r>
             <a:endParaRPr lang="en-US"/>
@@ -2464,7 +2790,7 @@
               <a:pPr>
                 <a:defRPr/>
               </a:pPr>
-              <a:t>2017-04-25</a:t>
+              <a:t>2021-05-07</a:t>
             </a:fld>
             <a:endParaRPr lang="ko-KR" altLang="en-US"/>
           </a:p>
@@ -2584,7 +2910,7 @@
           </a:lstStyle>
           <a:p>
             <a:r>
-              <a:rPr lang="ko-KR" altLang="en-US" smtClean="0"/>
+              <a:rPr lang="ko-KR" altLang="en-US"/>
               <a:t>마스터 제목 스타일 편집</a:t>
             </a:r>
             <a:endParaRPr lang="en-US"/>
@@ -2641,7 +2967,7 @@
           <a:p>
             <a:pPr lvl="0"/>
             <a:r>
-              <a:rPr lang="ko-KR" altLang="en-US" smtClean="0"/>
+              <a:rPr lang="ko-KR" altLang="en-US"/>
               <a:t>마스터 텍스트 스타일을 편집합니다</a:t>
             </a:r>
           </a:p>
@@ -2695,7 +3021,7 @@
           <a:p>
             <a:pPr lvl="0"/>
             <a:r>
-              <a:rPr lang="ko-KR" altLang="en-US" smtClean="0"/>
+              <a:rPr lang="ko-KR" altLang="en-US"/>
               <a:t>마스터 텍스트 스타일을 편집합니다</a:t>
             </a:r>
           </a:p>
@@ -2739,35 +3065,35 @@
           <a:p>
             <a:pPr lvl="0"/>
             <a:r>
-              <a:rPr lang="ko-KR" altLang="en-US" smtClean="0"/>
+              <a:rPr lang="ko-KR" altLang="en-US"/>
               <a:t>마스터 텍스트 스타일을 편집합니다</a:t>
             </a:r>
           </a:p>
           <a:p>
             <a:pPr lvl="1"/>
             <a:r>
-              <a:rPr lang="ko-KR" altLang="en-US" smtClean="0"/>
+              <a:rPr lang="ko-KR" altLang="en-US"/>
               <a:t>둘째 수준</a:t>
             </a:r>
           </a:p>
           <a:p>
             <a:pPr lvl="2"/>
             <a:r>
-              <a:rPr lang="ko-KR" altLang="en-US" smtClean="0"/>
+              <a:rPr lang="ko-KR" altLang="en-US"/>
               <a:t>셋째 수준</a:t>
             </a:r>
           </a:p>
           <a:p>
             <a:pPr lvl="3"/>
             <a:r>
-              <a:rPr lang="ko-KR" altLang="en-US" smtClean="0"/>
+              <a:rPr lang="ko-KR" altLang="en-US"/>
               <a:t>넷째 수준</a:t>
             </a:r>
           </a:p>
           <a:p>
             <a:pPr lvl="4"/>
             <a:r>
-              <a:rPr lang="ko-KR" altLang="en-US" smtClean="0"/>
+              <a:rPr lang="ko-KR" altLang="en-US"/>
               <a:t>다섯째 수준</a:t>
             </a:r>
             <a:endParaRPr lang="en-US"/>
@@ -2812,35 +3138,35 @@
           <a:p>
             <a:pPr lvl="0"/>
             <a:r>
-              <a:rPr lang="ko-KR" altLang="en-US" smtClean="0"/>
+              <a:rPr lang="ko-KR" altLang="en-US"/>
               <a:t>마스터 텍스트 스타일을 편집합니다</a:t>
             </a:r>
           </a:p>
           <a:p>
             <a:pPr lvl="1"/>
             <a:r>
-              <a:rPr lang="ko-KR" altLang="en-US" smtClean="0"/>
+              <a:rPr lang="ko-KR" altLang="en-US"/>
               <a:t>둘째 수준</a:t>
             </a:r>
           </a:p>
           <a:p>
             <a:pPr lvl="2"/>
             <a:r>
-              <a:rPr lang="ko-KR" altLang="en-US" smtClean="0"/>
+              <a:rPr lang="ko-KR" altLang="en-US"/>
               <a:t>셋째 수준</a:t>
             </a:r>
           </a:p>
           <a:p>
             <a:pPr lvl="3"/>
             <a:r>
-              <a:rPr lang="ko-KR" altLang="en-US" smtClean="0"/>
+              <a:rPr lang="ko-KR" altLang="en-US"/>
               <a:t>넷째 수준</a:t>
             </a:r>
           </a:p>
           <a:p>
             <a:pPr lvl="4"/>
             <a:r>
-              <a:rPr lang="ko-KR" altLang="en-US" smtClean="0"/>
+              <a:rPr lang="ko-KR" altLang="en-US"/>
               <a:t>다섯째 수준</a:t>
             </a:r>
             <a:endParaRPr lang="en-US"/>
@@ -2874,7 +3200,7 @@
               <a:pPr>
                 <a:defRPr/>
               </a:pPr>
-              <a:t>2017-04-25</a:t>
+              <a:t>2021-05-07</a:t>
             </a:fld>
             <a:endParaRPr lang="ko-KR" altLang="en-US"/>
           </a:p>
@@ -3022,7 +3348,7 @@
           </a:lstStyle>
           <a:p>
             <a:r>
-              <a:rPr lang="ko-KR" altLang="en-US" smtClean="0"/>
+              <a:rPr lang="ko-KR" altLang="en-US"/>
               <a:t>마스터 제목 스타일 편집</a:t>
             </a:r>
             <a:endParaRPr lang="en-US"/>
@@ -3056,7 +3382,7 @@
               <a:pPr>
                 <a:defRPr/>
               </a:pPr>
-              <a:t>2017-04-25</a:t>
+              <a:t>2021-05-07</a:t>
             </a:fld>
             <a:endParaRPr lang="ko-KR" altLang="en-US"/>
           </a:p>
@@ -3178,7 +3504,7 @@
               <a:pPr>
                 <a:defRPr/>
               </a:pPr>
-              <a:t>2017-04-25</a:t>
+              <a:t>2021-05-07</a:t>
             </a:fld>
             <a:endParaRPr lang="ko-KR" altLang="en-US"/>
           </a:p>
@@ -3315,7 +3641,7 @@
           </a:lstStyle>
           <a:p>
             <a:r>
-              <a:rPr lang="ko-KR" altLang="en-US" smtClean="0"/>
+              <a:rPr lang="ko-KR" altLang="en-US"/>
               <a:t>마스터 제목 스타일 편집</a:t>
             </a:r>
             <a:endParaRPr lang="en-US"/>
@@ -3365,7 +3691,7 @@
           <a:p>
             <a:pPr lvl="0"/>
             <a:r>
-              <a:rPr lang="ko-KR" altLang="en-US" smtClean="0"/>
+              <a:rPr lang="ko-KR" altLang="en-US"/>
               <a:t>마스터 텍스트 스타일을 편집합니다</a:t>
             </a:r>
           </a:p>
@@ -3409,35 +3735,35 @@
           <a:p>
             <a:pPr lvl="0"/>
             <a:r>
-              <a:rPr lang="ko-KR" altLang="en-US" smtClean="0"/>
+              <a:rPr lang="ko-KR" altLang="en-US"/>
               <a:t>마스터 텍스트 스타일을 편집합니다</a:t>
             </a:r>
           </a:p>
           <a:p>
             <a:pPr lvl="1"/>
             <a:r>
-              <a:rPr lang="ko-KR" altLang="en-US" smtClean="0"/>
+              <a:rPr lang="ko-KR" altLang="en-US"/>
               <a:t>둘째 수준</a:t>
             </a:r>
           </a:p>
           <a:p>
             <a:pPr lvl="2"/>
             <a:r>
-              <a:rPr lang="ko-KR" altLang="en-US" smtClean="0"/>
+              <a:rPr lang="ko-KR" altLang="en-US"/>
               <a:t>셋째 수준</a:t>
             </a:r>
           </a:p>
           <a:p>
             <a:pPr lvl="3"/>
             <a:r>
-              <a:rPr lang="ko-KR" altLang="en-US" smtClean="0"/>
+              <a:rPr lang="ko-KR" altLang="en-US"/>
               <a:t>넷째 수준</a:t>
             </a:r>
           </a:p>
           <a:p>
             <a:pPr lvl="4"/>
             <a:r>
-              <a:rPr lang="ko-KR" altLang="en-US" smtClean="0"/>
+              <a:rPr lang="ko-KR" altLang="en-US"/>
               <a:t>다섯째 수준</a:t>
             </a:r>
             <a:endParaRPr lang="en-US"/>
@@ -3471,7 +3797,7 @@
               <a:pPr>
                 <a:defRPr/>
               </a:pPr>
-              <a:t>2017-04-25</a:t>
+              <a:t>2021-05-07</a:t>
             </a:fld>
             <a:endParaRPr lang="ko-KR" altLang="en-US"/>
           </a:p>
@@ -3988,7 +4314,7 @@
           </a:lstStyle>
           <a:p>
             <a:r>
-              <a:rPr lang="ko-KR" altLang="en-US" smtClean="0"/>
+              <a:rPr lang="ko-KR" altLang="en-US"/>
               <a:t>마스터 제목 스타일 편집</a:t>
             </a:r>
             <a:endParaRPr lang="en-US"/>
@@ -4038,7 +4364,7 @@
           <a:p>
             <a:pPr lvl="0"/>
             <a:r>
-              <a:rPr lang="ko-KR" altLang="en-US" smtClean="0"/>
+              <a:rPr lang="ko-KR" altLang="en-US"/>
               <a:t>마스터 텍스트 스타일을 편집합니다</a:t>
             </a:r>
           </a:p>
@@ -4086,7 +4412,7 @@
           <a:p>
             <a:pPr lvl="0"/>
             <a:r>
-              <a:rPr lang="ko-KR" altLang="en-US" noProof="0" smtClean="0"/>
+              <a:rPr lang="ko-KR" altLang="en-US" noProof="0"/>
               <a:t>그림을 추가하려면 아이콘을 클릭하십시오</a:t>
             </a:r>
             <a:endParaRPr lang="en-US" noProof="0" dirty="0"/>
@@ -4120,7 +4446,7 @@
               <a:pPr>
                 <a:defRPr/>
               </a:pPr>
-              <a:t>2017-04-25</a:t>
+              <a:t>2021-05-07</a:t>
             </a:fld>
             <a:endParaRPr lang="ko-KR" altLang="en-US"/>
           </a:p>
@@ -4541,10 +4867,10 @@
           <a:p>
             <a:pPr lvl="0"/>
             <a:r>
-              <a:rPr lang="ko-KR" altLang="en-US" smtClean="0"/>
+              <a:rPr lang="ko-KR" altLang="en-US"/>
               <a:t>마스터 제목 스타일 편집</a:t>
             </a:r>
-            <a:endParaRPr lang="en-US" smtClean="0"/>
+            <a:endParaRPr lang="en-US"/>
           </a:p>
         </p:txBody>
       </p:sp>
@@ -4600,38 +4926,38 @@
           <a:p>
             <a:pPr lvl="0"/>
             <a:r>
-              <a:rPr lang="ko-KR" altLang="en-US" smtClean="0"/>
+              <a:rPr lang="ko-KR" altLang="en-US"/>
               <a:t>마스터 텍스트 스타일을 편집합니다</a:t>
             </a:r>
           </a:p>
           <a:p>
             <a:pPr lvl="1"/>
             <a:r>
-              <a:rPr lang="ko-KR" altLang="en-US" smtClean="0"/>
+              <a:rPr lang="ko-KR" altLang="en-US"/>
               <a:t>둘째 수준</a:t>
             </a:r>
           </a:p>
           <a:p>
             <a:pPr lvl="2"/>
             <a:r>
-              <a:rPr lang="ko-KR" altLang="en-US" smtClean="0"/>
+              <a:rPr lang="ko-KR" altLang="en-US"/>
               <a:t>셋째 수준</a:t>
             </a:r>
           </a:p>
           <a:p>
             <a:pPr lvl="3"/>
             <a:r>
-              <a:rPr lang="ko-KR" altLang="en-US" smtClean="0"/>
+              <a:rPr lang="ko-KR" altLang="en-US"/>
               <a:t>넷째 수준</a:t>
             </a:r>
           </a:p>
           <a:p>
             <a:pPr lvl="4"/>
             <a:r>
-              <a:rPr lang="ko-KR" altLang="en-US" smtClean="0"/>
+              <a:rPr lang="ko-KR" altLang="en-US"/>
               <a:t>다섯째 수준</a:t>
             </a:r>
-            <a:endParaRPr lang="en-US" smtClean="0"/>
+            <a:endParaRPr lang="en-US"/>
           </a:p>
         </p:txBody>
       </p:sp>
@@ -4684,7 +5010,7 @@
               <a:pPr>
                 <a:defRPr/>
               </a:pPr>
-              <a:t>2017-04-25</a:t>
+              <a:t>2021-05-07</a:t>
             </a:fld>
             <a:endParaRPr lang="ko-KR" altLang="en-US"/>
           </a:p>
@@ -5497,9 +5823,7 @@
             <p:ph type="ctrTitle"/>
           </p:nvPr>
         </p:nvSpPr>
-        <p:spPr>
-          <a:extLst/>
-        </p:spPr>
+        <p:spPr/>
         <p:txBody>
           <a:bodyPr/>
           <a:lstStyle/>
@@ -5511,7 +5835,7 @@
               <a:defRPr/>
             </a:pPr>
             <a:r>
-              <a:rPr lang="en-US" altLang="ko-KR" dirty="0" smtClean="0"/>
+              <a:rPr lang="en-US" altLang="ko-KR" dirty="0"/>
               <a:t>Servlet &amp; JSP</a:t>
             </a:r>
             <a:endParaRPr lang="ko-KR" altLang="en-US" dirty="0"/>
@@ -5540,15 +5864,15 @@
           <a:p>
             <a:pPr marR="0" eaLnBrk="1" hangingPunct="1"/>
             <a:r>
-              <a:rPr lang="ko-KR" altLang="en-US" dirty="0" smtClean="0"/>
+              <a:rPr lang="ko-KR" altLang="en-US" dirty="0"/>
               <a:t>웹 프로그래밍</a:t>
             </a:r>
-            <a:endParaRPr lang="en-US" altLang="ko-KR" dirty="0" smtClean="0"/>
+            <a:endParaRPr lang="en-US" altLang="ko-KR" dirty="0"/>
           </a:p>
           <a:p>
             <a:pPr marR="0" eaLnBrk="1" hangingPunct="1"/>
             <a:r>
-              <a:rPr lang="ko-KR" altLang="en-US" sz="2000" dirty="0" smtClean="0"/>
+              <a:rPr lang="ko-KR" altLang="en-US" sz="2000" dirty="0"/>
               <a:t>나의 첫 번째 웹 프로그래밍 스파링 파트너</a:t>
             </a:r>
           </a:p>
@@ -5559,13 +5883,6 @@
   <p:clrMapOvr>
     <a:masterClrMapping/>
   </p:clrMapOvr>
-  <p:timing>
-    <p:tnLst>
-      <p:par>
-        <p:cTn id="1" dur="indefinite" restart="never" nodeType="tmRoot"/>
-      </p:par>
-    </p:tnLst>
-  </p:timing>
 </p:sld>
 </file>
 
@@ -5608,7 +5925,7 @@
           <a:p>
             <a:pPr eaLnBrk="1" hangingPunct="1"/>
             <a:r>
-              <a:rPr lang="ko-KR" altLang="en-US" dirty="0" smtClean="0"/>
+              <a:rPr lang="ko-KR" altLang="en-US" dirty="0"/>
               <a:t>웹 애플리케이션 서버</a:t>
             </a:r>
           </a:p>
@@ -5636,134 +5953,130 @@
           <a:p>
             <a:pPr eaLnBrk="1" hangingPunct="1"/>
             <a:r>
-              <a:rPr lang="ko-KR" altLang="en-US" dirty="0" smtClean="0"/>
+              <a:rPr lang="ko-KR" altLang="en-US" dirty="0"/>
               <a:t>웹 서버에서 요청된 다양한 종류의 문서를 실행하기 위한 서버</a:t>
             </a:r>
-            <a:endParaRPr lang="en-US" altLang="ko-KR" dirty="0" smtClean="0"/>
+            <a:endParaRPr lang="en-US" altLang="ko-KR" dirty="0"/>
           </a:p>
           <a:p>
             <a:pPr eaLnBrk="1" hangingPunct="1"/>
             <a:r>
-              <a:rPr lang="ko-KR" altLang="en-US" dirty="0" smtClean="0"/>
+              <a:rPr lang="ko-KR" altLang="en-US" dirty="0"/>
               <a:t>웹 서버의 기능을 분리해서 처리할 목적으로 사용</a:t>
             </a:r>
-            <a:endParaRPr lang="en-US" altLang="ko-KR" dirty="0" smtClean="0"/>
+            <a:endParaRPr lang="en-US" altLang="ko-KR" dirty="0"/>
           </a:p>
           <a:p>
             <a:pPr eaLnBrk="1" hangingPunct="1"/>
             <a:r>
-              <a:rPr lang="en-US" altLang="ko-KR" dirty="0" smtClean="0"/>
-              <a:t>WAS (</a:t>
-            </a:r>
-            <a:r>
-              <a:rPr lang="en-US" altLang="ko-KR" dirty="0" smtClean="0"/>
-              <a:t>Web Application Server) : </a:t>
-            </a:r>
-            <a:r>
-              <a:rPr lang="ko-KR" altLang="en-US" dirty="0" smtClean="0"/>
+              <a:rPr lang="en-US" altLang="ko-KR" dirty="0"/>
+              <a:t>WAS (Web Application Server) : </a:t>
+            </a:r>
+            <a:r>
+              <a:rPr lang="ko-KR" altLang="en-US" dirty="0"/>
               <a:t>웹 서버의 모든 기능을 담당</a:t>
             </a:r>
-            <a:endParaRPr lang="en-US" altLang="ko-KR" dirty="0" smtClean="0"/>
+            <a:endParaRPr lang="en-US" altLang="ko-KR" dirty="0"/>
           </a:p>
           <a:p>
             <a:pPr eaLnBrk="1" hangingPunct="1"/>
             <a:r>
-              <a:rPr lang="en-US" altLang="ko-KR" dirty="0" smtClean="0"/>
+              <a:rPr lang="en-US" altLang="ko-KR" dirty="0"/>
               <a:t>WAS </a:t>
             </a:r>
             <a:r>
-              <a:rPr lang="ko-KR" altLang="en-US" dirty="0" smtClean="0"/>
+              <a:rPr lang="ko-KR" altLang="en-US" dirty="0"/>
               <a:t>종류</a:t>
             </a:r>
-            <a:endParaRPr lang="en-US" altLang="ko-KR" dirty="0" smtClean="0"/>
+            <a:endParaRPr lang="en-US" altLang="ko-KR" dirty="0"/>
           </a:p>
           <a:p>
             <a:pPr lvl="1" eaLnBrk="1" hangingPunct="1"/>
             <a:r>
-              <a:rPr lang="ko-KR" altLang="en-US" dirty="0" err="1" smtClean="0"/>
+              <a:rPr lang="ko-KR" altLang="en-US" dirty="0" err="1"/>
               <a:t>웹로직</a:t>
             </a:r>
             <a:r>
-              <a:rPr lang="en-US" altLang="ko-KR" dirty="0" smtClean="0"/>
+              <a:rPr lang="en-US" altLang="ko-KR" dirty="0"/>
               <a:t>(</a:t>
             </a:r>
             <a:r>
-              <a:rPr lang="en-US" altLang="ko-KR" dirty="0" err="1" smtClean="0"/>
+              <a:rPr lang="en-US" altLang="ko-KR" dirty="0" err="1"/>
               <a:t>WebLogic</a:t>
             </a:r>
             <a:r>
-              <a:rPr lang="en-US" altLang="ko-KR" dirty="0" smtClean="0"/>
+              <a:rPr lang="en-US" altLang="ko-KR" dirty="0"/>
               <a:t>)</a:t>
             </a:r>
           </a:p>
           <a:p>
             <a:pPr lvl="1" eaLnBrk="1" hangingPunct="1"/>
             <a:r>
-              <a:rPr lang="ko-KR" altLang="en-US" dirty="0" err="1" smtClean="0"/>
+              <a:rPr lang="ko-KR" altLang="en-US" dirty="0" err="1"/>
               <a:t>웹스피어</a:t>
             </a:r>
             <a:r>
-              <a:rPr lang="en-US" altLang="ko-KR" dirty="0" smtClean="0"/>
+              <a:rPr lang="en-US" altLang="ko-KR" dirty="0"/>
               <a:t>(</a:t>
             </a:r>
             <a:r>
-              <a:rPr lang="en-US" altLang="ko-KR" dirty="0" err="1" smtClean="0"/>
+              <a:rPr lang="en-US" altLang="ko-KR" dirty="0" err="1"/>
               <a:t>WebSphere</a:t>
             </a:r>
             <a:r>
-              <a:rPr lang="en-US" altLang="ko-KR" dirty="0" smtClean="0"/>
+              <a:rPr lang="en-US" altLang="ko-KR" dirty="0"/>
               <a:t>)</a:t>
             </a:r>
           </a:p>
           <a:p>
             <a:pPr lvl="1" eaLnBrk="1" hangingPunct="1"/>
             <a:r>
-              <a:rPr lang="ko-KR" altLang="en-US" dirty="0" smtClean="0"/>
+              <a:rPr lang="ko-KR" altLang="en-US" dirty="0"/>
               <a:t>제우스</a:t>
             </a:r>
             <a:r>
-              <a:rPr lang="en-US" altLang="ko-KR" dirty="0" smtClean="0"/>
+              <a:rPr lang="en-US" altLang="ko-KR" dirty="0"/>
               <a:t>(</a:t>
             </a:r>
             <a:r>
-              <a:rPr lang="en-US" altLang="ko-KR" dirty="0" err="1" smtClean="0"/>
+              <a:rPr lang="en-US" altLang="ko-KR" dirty="0" err="1"/>
               <a:t>Jeus</a:t>
             </a:r>
             <a:r>
-              <a:rPr lang="en-US" altLang="ko-KR" dirty="0" smtClean="0"/>
+              <a:rPr lang="en-US" altLang="ko-KR" dirty="0"/>
               <a:t>)</a:t>
             </a:r>
           </a:p>
           <a:p>
             <a:pPr lvl="1" eaLnBrk="1" hangingPunct="1"/>
             <a:r>
-              <a:rPr lang="ko-KR" altLang="en-US" dirty="0" smtClean="0"/>
+              <a:rPr lang="ko-KR" altLang="en-US" dirty="0"/>
               <a:t>제이보스</a:t>
             </a:r>
             <a:r>
-              <a:rPr lang="en-US" altLang="ko-KR" dirty="0" smtClean="0"/>
+              <a:rPr lang="en-US" altLang="ko-KR" dirty="0"/>
               <a:t>(</a:t>
             </a:r>
             <a:r>
-              <a:rPr lang="en-US" altLang="ko-KR" dirty="0" err="1" smtClean="0"/>
+              <a:rPr lang="en-US" altLang="ko-KR" dirty="0" err="1"/>
               <a:t>JBoss</a:t>
             </a:r>
             <a:r>
-              <a:rPr lang="en-US" altLang="ko-KR" dirty="0" smtClean="0"/>
+              <a:rPr lang="en-US" altLang="ko-KR" dirty="0"/>
               <a:t>)</a:t>
             </a:r>
           </a:p>
           <a:p>
             <a:pPr lvl="1" eaLnBrk="1" hangingPunct="1"/>
             <a:r>
-              <a:rPr lang="ko-KR" altLang="en-US" dirty="0" err="1" smtClean="0"/>
+              <a:rPr lang="ko-KR" altLang="en-US" dirty="0" err="1"/>
               <a:t>톰캣</a:t>
             </a:r>
             <a:r>
-              <a:rPr lang="en-US" altLang="ko-KR" dirty="0" smtClean="0"/>
+              <a:rPr lang="en-US" altLang="ko-KR" dirty="0"/>
               <a:t>(Tomcat)</a:t>
             </a:r>
-            <a:endParaRPr lang="ko-KR" altLang="en-US" dirty="0" smtClean="0"/>
+            <a:endParaRPr lang="ko-KR" altLang="en-US" dirty="0"/>
           </a:p>
         </p:txBody>
       </p:sp>
@@ -5827,30 +6140,25 @@
               <a:defRPr/>
             </a:pPr>
             <a:r>
-              <a:rPr lang="en-US" altLang="ko-KR" sz="2000" dirty="0" smtClean="0"/>
+              <a:rPr lang="en-US" altLang="ko-KR" sz="2000" dirty="0"/>
               <a:t>1.3 </a:t>
             </a:r>
             <a:r>
-              <a:rPr lang="ko-KR" altLang="en-US" sz="2000" dirty="0" smtClean="0"/>
-              <a:t>웹 프로그래밍의 </a:t>
-            </a:r>
-            <a:r>
-              <a:rPr lang="ko-KR" altLang="en-US" sz="2000" dirty="0" smtClean="0"/>
-              <a:t>이해 </a:t>
-            </a:r>
-            <a:r>
-              <a:rPr lang="en-US" altLang="ko-KR" sz="2000" dirty="0" smtClean="0"/>
+              <a:rPr lang="ko-KR" altLang="en-US" sz="2000" dirty="0"/>
+              <a:t>웹 프로그래밍의 이해 </a:t>
+            </a:r>
+            <a:r>
+              <a:rPr lang="en-US" altLang="ko-KR" sz="2000" dirty="0"/>
               <a:t>– </a:t>
             </a:r>
             <a:r>
-              <a:rPr lang="ko-KR" altLang="en-US" sz="2000" dirty="0" err="1" smtClean="0"/>
+              <a:rPr lang="ko-KR" altLang="en-US" sz="2000" dirty="0" err="1"/>
               <a:t>웹서버와</a:t>
             </a:r>
             <a:r>
-              <a:rPr lang="ko-KR" altLang="en-US" sz="2000" dirty="0" smtClean="0"/>
+              <a:rPr lang="ko-KR" altLang="en-US" sz="2000" dirty="0"/>
               <a:t> 웹 애플리케이션 서버</a:t>
             </a:r>
-            <a:endParaRPr lang="ko-KR" altLang="en-US" sz="2000" dirty="0"/>
           </a:p>
         </p:txBody>
       </p:sp>
@@ -5888,13 +6196,6 @@
   <p:clrMapOvr>
     <a:masterClrMapping/>
   </p:clrMapOvr>
-  <p:timing>
-    <p:tnLst>
-      <p:par>
-        <p:cTn id="1" dur="indefinite" restart="never" nodeType="tmRoot"/>
-      </p:par>
-    </p:tnLst>
-  </p:timing>
 </p:sld>
 </file>
 
@@ -5932,7 +6233,7 @@
           <a:p>
             <a:pPr eaLnBrk="1" hangingPunct="1"/>
             <a:r>
-              <a:rPr lang="ko-KR" altLang="en-US" smtClean="0"/>
+              <a:rPr lang="ko-KR" altLang="en-US"/>
               <a:t>컨테이너</a:t>
             </a:r>
           </a:p>
@@ -5959,75 +6260,75 @@
               <a:t> </a:t>
             </a:r>
             <a:r>
-              <a:rPr lang="ko-KR" altLang="en-US" dirty="0" err="1" smtClean="0"/>
+              <a:rPr lang="ko-KR" altLang="en-US" dirty="0" err="1"/>
               <a:t>서블릿과</a:t>
             </a:r>
             <a:r>
-              <a:rPr lang="ko-KR" altLang="en-US" dirty="0" smtClean="0"/>
+              <a:rPr lang="ko-KR" altLang="en-US" dirty="0"/>
               <a:t> </a:t>
             </a:r>
             <a:r>
-              <a:rPr lang="en-US" altLang="ko-KR" dirty="0" smtClean="0"/>
+              <a:rPr lang="en-US" altLang="ko-KR" dirty="0"/>
               <a:t>JSP </a:t>
             </a:r>
             <a:r>
-              <a:rPr lang="ko-KR" altLang="en-US" dirty="0" smtClean="0"/>
+              <a:rPr lang="ko-KR" altLang="en-US" dirty="0"/>
               <a:t>처럼 동적 </a:t>
             </a:r>
             <a:r>
-              <a:rPr lang="ko-KR" altLang="en-US" dirty="0" err="1" smtClean="0"/>
+              <a:rPr lang="ko-KR" altLang="en-US" dirty="0" err="1"/>
               <a:t>콘텐츠를</a:t>
             </a:r>
             <a:r>
-              <a:rPr lang="ko-KR" altLang="en-US" dirty="0" smtClean="0"/>
+              <a:rPr lang="ko-KR" altLang="en-US" dirty="0"/>
               <a:t> 처리하는 프로그램</a:t>
             </a:r>
-            <a:endParaRPr lang="en-US" altLang="ko-KR" dirty="0" smtClean="0"/>
+            <a:endParaRPr lang="en-US" altLang="ko-KR" dirty="0"/>
           </a:p>
           <a:p>
             <a:pPr eaLnBrk="1" hangingPunct="1"/>
             <a:r>
-              <a:rPr lang="ko-KR" altLang="en-US" dirty="0" smtClean="0"/>
+              <a:rPr lang="ko-KR" altLang="en-US" dirty="0"/>
               <a:t>동적 </a:t>
             </a:r>
             <a:r>
-              <a:rPr lang="ko-KR" altLang="en-US" dirty="0" err="1" smtClean="0"/>
+              <a:rPr lang="ko-KR" altLang="en-US" dirty="0" err="1"/>
               <a:t>콘텐츠의</a:t>
             </a:r>
             <a:r>
-              <a:rPr lang="ko-KR" altLang="en-US" dirty="0" smtClean="0"/>
+              <a:rPr lang="ko-KR" altLang="en-US" dirty="0"/>
               <a:t> 저장소 역할</a:t>
             </a:r>
-            <a:endParaRPr lang="en-US" altLang="ko-KR" dirty="0" smtClean="0"/>
+            <a:endParaRPr lang="en-US" altLang="ko-KR" dirty="0"/>
           </a:p>
           <a:p>
             <a:pPr eaLnBrk="1" hangingPunct="1"/>
             <a:r>
-              <a:rPr lang="ko-KR" altLang="en-US" dirty="0" smtClean="0"/>
+              <a:rPr lang="ko-KR" altLang="en-US" dirty="0"/>
               <a:t>메모리 로딩</a:t>
             </a:r>
             <a:r>
-              <a:rPr lang="en-US" altLang="ko-KR" dirty="0" smtClean="0"/>
+              <a:rPr lang="en-US" altLang="ko-KR" dirty="0"/>
               <a:t>, </a:t>
             </a:r>
             <a:r>
-              <a:rPr lang="ko-KR" altLang="en-US" dirty="0" smtClean="0"/>
+              <a:rPr lang="ko-KR" altLang="en-US" dirty="0"/>
               <a:t>객체 생성 및 </a:t>
             </a:r>
             <a:r>
-              <a:rPr lang="ko-KR" altLang="en-US" dirty="0" err="1" smtClean="0"/>
+              <a:rPr lang="ko-KR" altLang="en-US" dirty="0" err="1"/>
               <a:t>초기화등</a:t>
             </a:r>
             <a:r>
-              <a:rPr lang="ko-KR" altLang="en-US" dirty="0" smtClean="0"/>
+              <a:rPr lang="ko-KR" altLang="en-US" dirty="0"/>
               <a:t> 생명주기 관리</a:t>
             </a:r>
-            <a:endParaRPr lang="en-US" altLang="ko-KR" dirty="0" smtClean="0"/>
+            <a:endParaRPr lang="en-US" altLang="ko-KR" dirty="0"/>
           </a:p>
           <a:p>
             <a:pPr eaLnBrk="1" hangingPunct="1"/>
             <a:r>
-              <a:rPr lang="ko-KR" altLang="en-US" dirty="0" smtClean="0"/>
+              <a:rPr lang="ko-KR" altLang="en-US" dirty="0"/>
               <a:t>변환 기능 수행</a:t>
             </a:r>
             <a:endParaRPr lang="en-US" altLang="ko-KR" dirty="0"/>
@@ -6035,42 +6336,38 @@
           <a:p>
             <a:pPr eaLnBrk="1" hangingPunct="1"/>
             <a:r>
-              <a:rPr lang="ko-KR" altLang="en-US" dirty="0" smtClean="0"/>
+              <a:rPr lang="ko-KR" altLang="en-US" dirty="0"/>
               <a:t>컨테이너 종류</a:t>
             </a:r>
-            <a:endParaRPr lang="en-US" altLang="ko-KR" dirty="0" smtClean="0"/>
+            <a:endParaRPr lang="en-US" altLang="ko-KR" dirty="0"/>
           </a:p>
           <a:p>
             <a:pPr lvl="1" eaLnBrk="1" hangingPunct="1"/>
             <a:r>
-              <a:rPr lang="ko-KR" altLang="en-US" dirty="0" err="1" smtClean="0"/>
+              <a:rPr lang="ko-KR" altLang="en-US" dirty="0" err="1"/>
               <a:t>서블릿</a:t>
             </a:r>
             <a:r>
-              <a:rPr lang="ko-KR" altLang="en-US" dirty="0" smtClean="0"/>
-              <a:t> </a:t>
-            </a:r>
-            <a:r>
-              <a:rPr lang="ko-KR" altLang="en-US" dirty="0" smtClean="0"/>
+              <a:rPr lang="ko-KR" altLang="en-US" dirty="0"/>
+              <a:t> 컨테이너</a:t>
+            </a:r>
+            <a:endParaRPr lang="en-US" altLang="ko-KR" dirty="0"/>
+          </a:p>
+          <a:p>
+            <a:pPr lvl="1" eaLnBrk="1" hangingPunct="1"/>
+            <a:r>
+              <a:rPr lang="en-US" altLang="ko-KR" dirty="0"/>
+              <a:t>JSP </a:t>
+            </a:r>
+            <a:r>
+              <a:rPr lang="ko-KR" altLang="en-US" dirty="0"/>
               <a:t>컨테이너</a:t>
             </a:r>
-            <a:endParaRPr lang="en-US" altLang="ko-KR" dirty="0" smtClean="0"/>
-          </a:p>
-          <a:p>
-            <a:pPr lvl="1" eaLnBrk="1" hangingPunct="1"/>
-            <a:r>
-              <a:rPr lang="en-US" altLang="ko-KR" dirty="0" smtClean="0"/>
-              <a:t>JSP </a:t>
-            </a:r>
-            <a:r>
-              <a:rPr lang="ko-KR" altLang="en-US" dirty="0" smtClean="0"/>
-              <a:t>컨테이너</a:t>
-            </a:r>
-            <a:endParaRPr lang="en-US" altLang="ko-KR" dirty="0" smtClean="0"/>
+            <a:endParaRPr lang="en-US" altLang="ko-KR" dirty="0"/>
           </a:p>
           <a:p>
             <a:pPr eaLnBrk="1" hangingPunct="1"/>
-            <a:endParaRPr lang="ko-KR" altLang="en-US" dirty="0" smtClean="0"/>
+            <a:endParaRPr lang="ko-KR" altLang="en-US" dirty="0"/>
           </a:p>
         </p:txBody>
       </p:sp>
@@ -6134,14 +6431,13 @@
               <a:defRPr/>
             </a:pPr>
             <a:r>
-              <a:rPr lang="en-US" altLang="ko-KR" sz="2000" dirty="0" smtClean="0"/>
+              <a:rPr lang="en-US" altLang="ko-KR" sz="2000" dirty="0"/>
               <a:t>1.3 </a:t>
             </a:r>
             <a:r>
-              <a:rPr lang="ko-KR" altLang="en-US" sz="2000" dirty="0" smtClean="0"/>
+              <a:rPr lang="ko-KR" altLang="en-US" sz="2000" dirty="0"/>
               <a:t>웹 프로그래밍의 이해</a:t>
             </a:r>
-            <a:endParaRPr lang="ko-KR" altLang="en-US" sz="2000" dirty="0"/>
           </a:p>
         </p:txBody>
       </p:sp>
@@ -6174,18 +6470,247 @@
           </a:p>
         </p:txBody>
       </p:sp>
+      <p:sp>
+        <p:nvSpPr>
+          <p:cNvPr id="2" name="TextBox 1">
+            <a:extLst>
+              <a:ext uri="{FF2B5EF4-FFF2-40B4-BE49-F238E27FC236}">
+                <a16:creationId xmlns:a16="http://schemas.microsoft.com/office/drawing/2014/main" id="{48E37AFB-773B-49CC-8D0B-F7AC25945DFB}"/>
+              </a:ext>
+            </a:extLst>
+          </p:cNvPr>
+          <p:cNvSpPr txBox="1"/>
+          <p:nvPr/>
+        </p:nvSpPr>
+        <p:spPr>
+          <a:xfrm>
+            <a:off x="3419872" y="980728"/>
+            <a:ext cx="184731" cy="369332"/>
+          </a:xfrm>
+          <a:prstGeom prst="rect">
+            <a:avLst/>
+          </a:prstGeom>
+          <a:noFill/>
+        </p:spPr>
+        <p:txBody>
+          <a:bodyPr wrap="none" rtlCol="0">
+            <a:spAutoFit/>
+          </a:bodyPr>
+          <a:lstStyle/>
+          <a:p>
+            <a:endParaRPr lang="ko-KR" altLang="en-US" dirty="0"/>
+          </a:p>
+        </p:txBody>
+      </p:sp>
+      <mc:AlternateContent xmlns:mc="http://schemas.openxmlformats.org/markup-compatibility/2006">
+        <mc:Choice xmlns:p14="http://schemas.microsoft.com/office/powerpoint/2010/main" Requires="p14">
+          <p:contentPart p14:bwMode="auto" r:id="rId2">
+            <p14:nvContentPartPr>
+              <p14:cNvPr id="3" name="잉크 2">
+                <a:extLst>
+                  <a:ext uri="{FF2B5EF4-FFF2-40B4-BE49-F238E27FC236}">
+                    <a16:creationId xmlns:a16="http://schemas.microsoft.com/office/drawing/2014/main" id="{672DC9A3-6D1E-4B1A-92F4-78FCD1B1F899}"/>
+                  </a:ext>
+                </a:extLst>
+              </p14:cNvPr>
+              <p14:cNvContentPartPr/>
+              <p14:nvPr/>
+            </p14:nvContentPartPr>
+            <p14:xfrm>
+              <a:off x="1206360" y="5048280"/>
+              <a:ext cx="1975320" cy="133560"/>
+            </p14:xfrm>
+          </p:contentPart>
+        </mc:Choice>
+        <mc:Fallback>
+          <p:pic>
+            <p:nvPicPr>
+              <p:cNvPr id="3" name="잉크 2">
+                <a:extLst>
+                  <a:ext uri="{FF2B5EF4-FFF2-40B4-BE49-F238E27FC236}">
+                    <a16:creationId xmlns:a16="http://schemas.microsoft.com/office/drawing/2014/main" id="{672DC9A3-6D1E-4B1A-92F4-78FCD1B1F899}"/>
+                  </a:ext>
+                </a:extLst>
+              </p:cNvPr>
+              <p:cNvPicPr/>
+              <p:nvPr/>
+            </p:nvPicPr>
+            <p:blipFill>
+              <a:blip r:embed="rId3"/>
+              <a:stretch>
+                <a:fillRect/>
+              </a:stretch>
+            </p:blipFill>
+            <p:spPr>
+              <a:xfrm>
+                <a:off x="1190520" y="4984920"/>
+                <a:ext cx="2006640" cy="260280"/>
+              </a:xfrm>
+              <a:prstGeom prst="rect">
+                <a:avLst/>
+              </a:prstGeom>
+            </p:spPr>
+          </p:pic>
+        </mc:Fallback>
+      </mc:AlternateContent>
+      <mc:AlternateContent xmlns:mc="http://schemas.openxmlformats.org/markup-compatibility/2006">
+        <mc:Choice xmlns:p14="http://schemas.microsoft.com/office/powerpoint/2010/main" Requires="p14">
+          <p:contentPart p14:bwMode="auto" r:id="rId4">
+            <p14:nvContentPartPr>
+              <p14:cNvPr id="6" name="잉크 5">
+                <a:extLst>
+                  <a:ext uri="{FF2B5EF4-FFF2-40B4-BE49-F238E27FC236}">
+                    <a16:creationId xmlns:a16="http://schemas.microsoft.com/office/drawing/2014/main" id="{9A334DD4-10ED-4C39-8399-EB13C5D5BC36}"/>
+                  </a:ext>
+                </a:extLst>
+              </p14:cNvPr>
+              <p14:cNvContentPartPr/>
+              <p14:nvPr/>
+            </p14:nvContentPartPr>
+            <p14:xfrm>
+              <a:off x="914400" y="3168720"/>
+              <a:ext cx="4502520" cy="95400"/>
+            </p14:xfrm>
+          </p:contentPart>
+        </mc:Choice>
+        <mc:Fallback>
+          <p:pic>
+            <p:nvPicPr>
+              <p:cNvPr id="6" name="잉크 5">
+                <a:extLst>
+                  <a:ext uri="{FF2B5EF4-FFF2-40B4-BE49-F238E27FC236}">
+                    <a16:creationId xmlns:a16="http://schemas.microsoft.com/office/drawing/2014/main" id="{9A334DD4-10ED-4C39-8399-EB13C5D5BC36}"/>
+                  </a:ext>
+                </a:extLst>
+              </p:cNvPr>
+              <p:cNvPicPr/>
+              <p:nvPr/>
+            </p:nvPicPr>
+            <p:blipFill>
+              <a:blip r:embed="rId5"/>
+              <a:stretch>
+                <a:fillRect/>
+              </a:stretch>
+            </p:blipFill>
+            <p:spPr>
+              <a:xfrm>
+                <a:off x="898560" y="3105360"/>
+                <a:ext cx="4533840" cy="222120"/>
+              </a:xfrm>
+              <a:prstGeom prst="rect">
+                <a:avLst/>
+              </a:prstGeom>
+            </p:spPr>
+          </p:pic>
+        </mc:Fallback>
+      </mc:AlternateContent>
+      <mc:AlternateContent xmlns:mc="http://schemas.openxmlformats.org/markup-compatibility/2006">
+        <mc:Choice xmlns:p14="http://schemas.microsoft.com/office/powerpoint/2010/main" Requires="p14">
+          <p:contentPart p14:bwMode="auto" r:id="rId6">
+            <p14:nvContentPartPr>
+              <p14:cNvPr id="7" name="잉크 6">
+                <a:extLst>
+                  <a:ext uri="{FF2B5EF4-FFF2-40B4-BE49-F238E27FC236}">
+                    <a16:creationId xmlns:a16="http://schemas.microsoft.com/office/drawing/2014/main" id="{66D2F8C7-E0ED-4623-ABF1-96566DE683CC}"/>
+                  </a:ext>
+                </a:extLst>
+              </p14:cNvPr>
+              <p14:cNvContentPartPr/>
+              <p14:nvPr/>
+            </p14:nvContentPartPr>
+            <p14:xfrm>
+              <a:off x="565200" y="1301760"/>
+              <a:ext cx="2908440" cy="140040"/>
+            </p14:xfrm>
+          </p:contentPart>
+        </mc:Choice>
+        <mc:Fallback>
+          <p:pic>
+            <p:nvPicPr>
+              <p:cNvPr id="7" name="잉크 6">
+                <a:extLst>
+                  <a:ext uri="{FF2B5EF4-FFF2-40B4-BE49-F238E27FC236}">
+                    <a16:creationId xmlns:a16="http://schemas.microsoft.com/office/drawing/2014/main" id="{66D2F8C7-E0ED-4623-ABF1-96566DE683CC}"/>
+                  </a:ext>
+                </a:extLst>
+              </p:cNvPr>
+              <p:cNvPicPr/>
+              <p:nvPr/>
+            </p:nvPicPr>
+            <p:blipFill>
+              <a:blip r:embed="rId7"/>
+              <a:stretch>
+                <a:fillRect/>
+              </a:stretch>
+            </p:blipFill>
+            <p:spPr>
+              <a:xfrm>
+                <a:off x="549360" y="1238400"/>
+                <a:ext cx="2939760" cy="266760"/>
+              </a:xfrm>
+              <a:prstGeom prst="rect">
+                <a:avLst/>
+              </a:prstGeom>
+            </p:spPr>
+          </p:pic>
+        </mc:Fallback>
+      </mc:AlternateContent>
+      <mc:AlternateContent xmlns:mc="http://schemas.openxmlformats.org/markup-compatibility/2006">
+        <mc:Choice xmlns:p14="http://schemas.microsoft.com/office/powerpoint/2010/main" Requires="p14">
+          <p:contentPart p14:bwMode="auto" r:id="rId8">
+            <p14:nvContentPartPr>
+              <p14:cNvPr id="8" name="잉크 7">
+                <a:extLst>
+                  <a:ext uri="{FF2B5EF4-FFF2-40B4-BE49-F238E27FC236}">
+                    <a16:creationId xmlns:a16="http://schemas.microsoft.com/office/drawing/2014/main" id="{24E0617F-999E-46B6-A5DB-11B696758BB6}"/>
+                  </a:ext>
+                </a:extLst>
+              </p14:cNvPr>
+              <p14:cNvContentPartPr/>
+              <p14:nvPr/>
+            </p14:nvContentPartPr>
+            <p14:xfrm>
+              <a:off x="907920" y="2641680"/>
+              <a:ext cx="1657800" cy="51120"/>
+            </p14:xfrm>
+          </p:contentPart>
+        </mc:Choice>
+        <mc:Fallback>
+          <p:pic>
+            <p:nvPicPr>
+              <p:cNvPr id="8" name="잉크 7">
+                <a:extLst>
+                  <a:ext uri="{FF2B5EF4-FFF2-40B4-BE49-F238E27FC236}">
+                    <a16:creationId xmlns:a16="http://schemas.microsoft.com/office/drawing/2014/main" id="{24E0617F-999E-46B6-A5DB-11B696758BB6}"/>
+                  </a:ext>
+                </a:extLst>
+              </p:cNvPr>
+              <p:cNvPicPr/>
+              <p:nvPr/>
+            </p:nvPicPr>
+            <p:blipFill>
+              <a:blip r:embed="rId9"/>
+              <a:stretch>
+                <a:fillRect/>
+              </a:stretch>
+            </p:blipFill>
+            <p:spPr>
+              <a:xfrm>
+                <a:off x="892080" y="2578320"/>
+                <a:ext cx="1689120" cy="177840"/>
+              </a:xfrm>
+              <a:prstGeom prst="rect">
+                <a:avLst/>
+              </a:prstGeom>
+            </p:spPr>
+          </p:pic>
+        </mc:Fallback>
+      </mc:AlternateContent>
     </p:spTree>
   </p:cSld>
   <p:clrMapOvr>
     <a:masterClrMapping/>
   </p:clrMapOvr>
-  <p:timing>
-    <p:tnLst>
-      <p:par>
-        <p:cTn id="1" dur="indefinite" restart="never" nodeType="tmRoot"/>
-      </p:par>
-    </p:tnLst>
-  </p:timing>
 </p:sld>
 </file>
 
@@ -6223,11 +6748,11 @@
           <a:p>
             <a:pPr eaLnBrk="1" hangingPunct="1"/>
             <a:r>
-              <a:rPr lang="en-US" altLang="ko-KR" smtClean="0"/>
+              <a:rPr lang="en-US" altLang="ko-KR"/>
               <a:t>1.4 HTTP </a:t>
             </a:r>
             <a:r>
-              <a:rPr lang="ko-KR" altLang="en-US" smtClean="0"/>
+              <a:rPr lang="ko-KR" altLang="en-US"/>
               <a:t>프로토콜의 이해</a:t>
             </a:r>
           </a:p>
@@ -6250,25 +6775,25 @@
           <a:p>
             <a:pPr eaLnBrk="1" hangingPunct="1"/>
             <a:r>
-              <a:rPr lang="en-US" altLang="ko-KR" smtClean="0"/>
+              <a:rPr lang="en-US" altLang="ko-KR"/>
               <a:t>HTTP(</a:t>
             </a:r>
             <a:r>
-              <a:rPr lang="ko-KR" altLang="ko-KR" smtClean="0"/>
+              <a:rPr lang="ko-KR" altLang="ko-KR"/>
               <a:t>Hyper Text Transfer Protocol</a:t>
             </a:r>
             <a:r>
-              <a:rPr lang="en-US" altLang="ko-KR" smtClean="0"/>
+              <a:rPr lang="en-US" altLang="ko-KR"/>
               <a:t>)</a:t>
             </a:r>
             <a:br>
-              <a:rPr lang="en-US" altLang="ko-KR" smtClean="0"/>
+              <a:rPr lang="en-US" altLang="ko-KR"/>
             </a:br>
             <a:r>
-              <a:rPr lang="ko-KR" altLang="ko-KR" smtClean="0"/>
+              <a:rPr lang="ko-KR" altLang="ko-KR"/>
               <a:t>웹 브라우저와 웹 서버 간에 통신하는 프로토콜</a:t>
             </a:r>
-            <a:endParaRPr lang="ko-KR" altLang="en-US" smtClean="0"/>
+            <a:endParaRPr lang="ko-KR" altLang="en-US"/>
           </a:p>
         </p:txBody>
       </p:sp>
@@ -6365,18 +6890,113 @@
           </a:p>
         </p:txBody>
       </p:sp>
+      <mc:AlternateContent xmlns:mc="http://schemas.openxmlformats.org/markup-compatibility/2006">
+        <mc:Choice xmlns:p14="http://schemas.microsoft.com/office/powerpoint/2010/main" Requires="p14">
+          <p:contentPart p14:bwMode="auto" r:id="rId3">
+            <p14:nvContentPartPr>
+              <p14:cNvPr id="2" name="잉크 1">
+                <a:extLst>
+                  <a:ext uri="{FF2B5EF4-FFF2-40B4-BE49-F238E27FC236}">
+                    <a16:creationId xmlns:a16="http://schemas.microsoft.com/office/drawing/2014/main" id="{F20A8B9F-CCC7-42D8-B85D-ACB4D273BA6F}"/>
+                  </a:ext>
+                </a:extLst>
+              </p14:cNvPr>
+              <p14:cNvContentPartPr/>
+              <p14:nvPr/>
+            </p14:nvContentPartPr>
+            <p14:xfrm>
+              <a:off x="4133880" y="4248000"/>
+              <a:ext cx="508320" cy="6840"/>
+            </p14:xfrm>
+          </p:contentPart>
+        </mc:Choice>
+        <mc:Fallback>
+          <p:pic>
+            <p:nvPicPr>
+              <p:cNvPr id="2" name="잉크 1">
+                <a:extLst>
+                  <a:ext uri="{FF2B5EF4-FFF2-40B4-BE49-F238E27FC236}">
+                    <a16:creationId xmlns:a16="http://schemas.microsoft.com/office/drawing/2014/main" id="{F20A8B9F-CCC7-42D8-B85D-ACB4D273BA6F}"/>
+                  </a:ext>
+                </a:extLst>
+              </p:cNvPr>
+              <p:cNvPicPr/>
+              <p:nvPr/>
+            </p:nvPicPr>
+            <p:blipFill>
+              <a:blip r:embed="rId4"/>
+              <a:stretch>
+                <a:fillRect/>
+              </a:stretch>
+            </p:blipFill>
+            <p:spPr>
+              <a:xfrm>
+                <a:off x="4118040" y="4184640"/>
+                <a:ext cx="539640" cy="133560"/>
+              </a:xfrm>
+              <a:prstGeom prst="rect">
+                <a:avLst/>
+              </a:prstGeom>
+            </p:spPr>
+          </p:pic>
+        </mc:Fallback>
+      </mc:AlternateContent>
+      <mc:AlternateContent xmlns:mc="http://schemas.openxmlformats.org/markup-compatibility/2006">
+        <mc:Choice xmlns:p14="http://schemas.microsoft.com/office/powerpoint/2010/main" Requires="p14">
+          <p:contentPart p14:bwMode="auto" r:id="rId5">
+            <p14:nvContentPartPr>
+              <p14:cNvPr id="3" name="잉크 2">
+                <a:extLst>
+                  <a:ext uri="{FF2B5EF4-FFF2-40B4-BE49-F238E27FC236}">
+                    <a16:creationId xmlns:a16="http://schemas.microsoft.com/office/drawing/2014/main" id="{A9EED2DC-2329-4B4B-A5E4-AA05F8519FBB}"/>
+                  </a:ext>
+                </a:extLst>
+              </p14:cNvPr>
+              <p14:cNvContentPartPr/>
+              <p14:nvPr/>
+            </p14:nvContentPartPr>
+            <p14:xfrm>
+              <a:off x="3790800" y="3213000"/>
+              <a:ext cx="1016640" cy="984600"/>
+            </p14:xfrm>
+          </p:contentPart>
+        </mc:Choice>
+        <mc:Fallback>
+          <p:pic>
+            <p:nvPicPr>
+              <p:cNvPr id="3" name="잉크 2">
+                <a:extLst>
+                  <a:ext uri="{FF2B5EF4-FFF2-40B4-BE49-F238E27FC236}">
+                    <a16:creationId xmlns:a16="http://schemas.microsoft.com/office/drawing/2014/main" id="{A9EED2DC-2329-4B4B-A5E4-AA05F8519FBB}"/>
+                  </a:ext>
+                </a:extLst>
+              </p:cNvPr>
+              <p:cNvPicPr/>
+              <p:nvPr/>
+            </p:nvPicPr>
+            <p:blipFill>
+              <a:blip r:embed="rId6"/>
+              <a:stretch>
+                <a:fillRect/>
+              </a:stretch>
+            </p:blipFill>
+            <p:spPr>
+              <a:xfrm>
+                <a:off x="3781440" y="3203640"/>
+                <a:ext cx="1035360" cy="1003320"/>
+              </a:xfrm>
+              <a:prstGeom prst="rect">
+                <a:avLst/>
+              </a:prstGeom>
+            </p:spPr>
+          </p:pic>
+        </mc:Fallback>
+      </mc:AlternateContent>
     </p:spTree>
   </p:cSld>
   <p:clrMapOvr>
     <a:masterClrMapping/>
   </p:clrMapOvr>
-  <p:timing>
-    <p:tnLst>
-      <p:par>
-        <p:cTn id="1" dur="indefinite" restart="never" nodeType="tmRoot"/>
-      </p:par>
-    </p:tnLst>
-  </p:timing>
 </p:sld>
 </file>
 
@@ -6414,11 +7034,11 @@
           <a:p>
             <a:pPr eaLnBrk="1" hangingPunct="1"/>
             <a:r>
-              <a:rPr lang="en-US" altLang="ko-KR" smtClean="0"/>
+              <a:rPr lang="en-US" altLang="ko-KR"/>
               <a:t>HTTP </a:t>
             </a:r>
             <a:r>
-              <a:rPr lang="ko-KR" altLang="en-US" smtClean="0"/>
+              <a:rPr lang="ko-KR" altLang="en-US"/>
               <a:t>프로토콜 특징</a:t>
             </a:r>
           </a:p>
@@ -6441,94 +7061,77 @@
           <a:p>
             <a:pPr eaLnBrk="1" hangingPunct="1"/>
             <a:r>
-              <a:rPr lang="ko-KR" altLang="en-US" dirty="0" err="1" smtClean="0"/>
+              <a:rPr lang="ko-KR" altLang="en-US" dirty="0" err="1"/>
               <a:t>무연결</a:t>
             </a:r>
             <a:r>
-              <a:rPr lang="en-US" altLang="ko-KR" dirty="0" smtClean="0"/>
-              <a:t>(Connectionless</a:t>
-            </a:r>
-            <a:r>
-              <a:rPr lang="en-US" altLang="ko-KR" dirty="0" smtClean="0"/>
-              <a:t>)</a:t>
+              <a:rPr lang="en-US" altLang="ko-KR" dirty="0"/>
+              <a:t>(Connectionless)</a:t>
             </a:r>
             <a:br>
-              <a:rPr lang="en-US" altLang="ko-KR" dirty="0" smtClean="0"/>
+              <a:rPr lang="en-US" altLang="ko-KR" dirty="0"/>
             </a:br>
             <a:r>
-              <a:rPr lang="ko-KR" altLang="en-US" dirty="0" smtClean="0"/>
+              <a:rPr lang="ko-KR" altLang="en-US" dirty="0"/>
               <a:t>통신시 연결을 유지하지 않고 데이터를 주고받음</a:t>
             </a:r>
-            <a:endParaRPr lang="en-US" altLang="ko-KR" dirty="0" smtClean="0"/>
+            <a:endParaRPr lang="en-US" altLang="ko-KR" dirty="0"/>
           </a:p>
           <a:p>
             <a:pPr eaLnBrk="1" hangingPunct="1"/>
             <a:r>
-              <a:rPr lang="ko-KR" altLang="en-US" dirty="0" err="1" smtClean="0"/>
+              <a:rPr lang="ko-KR" altLang="en-US" dirty="0" err="1"/>
               <a:t>무상태</a:t>
             </a:r>
             <a:r>
-              <a:rPr lang="en-US" altLang="ko-KR" dirty="0" smtClean="0"/>
-              <a:t>(Stateless</a:t>
-            </a:r>
-            <a:r>
-              <a:rPr lang="en-US" altLang="ko-KR" dirty="0" smtClean="0"/>
-              <a:t>)</a:t>
+              <a:rPr lang="en-US" altLang="ko-KR" dirty="0"/>
+              <a:t>(Stateless)</a:t>
             </a:r>
             <a:br>
-              <a:rPr lang="en-US" altLang="ko-KR" dirty="0" smtClean="0"/>
+              <a:rPr lang="en-US" altLang="ko-KR" dirty="0"/>
             </a:br>
             <a:r>
-              <a:rPr lang="ko-KR" altLang="en-US" dirty="0" smtClean="0"/>
+              <a:rPr lang="ko-KR" altLang="en-US" dirty="0"/>
               <a:t>요청마다 독립적인 트랜잭션으로 취급하여 이전 연결에서 했던 작업을 그대로 사용할 수 없음</a:t>
             </a:r>
-            <a:endParaRPr lang="en-US" altLang="ko-KR" dirty="0" smtClean="0"/>
+            <a:endParaRPr lang="en-US" altLang="ko-KR" dirty="0"/>
           </a:p>
           <a:p>
             <a:pPr eaLnBrk="1" hangingPunct="1"/>
             <a:r>
-              <a:rPr lang="ko-KR" altLang="en-US" dirty="0" smtClean="0"/>
+              <a:rPr lang="ko-KR" altLang="en-US" dirty="0"/>
               <a:t>요청 정보</a:t>
             </a:r>
             <a:r>
-              <a:rPr lang="en-US" altLang="ko-KR" dirty="0" smtClean="0"/>
-              <a:t>(Request</a:t>
-            </a:r>
-            <a:r>
-              <a:rPr lang="en-US" altLang="ko-KR" dirty="0" smtClean="0"/>
-              <a:t>)</a:t>
+              <a:rPr lang="en-US" altLang="ko-KR" dirty="0"/>
+              <a:t>(Request)</a:t>
             </a:r>
             <a:br>
-              <a:rPr lang="en-US" altLang="ko-KR" dirty="0" smtClean="0"/>
+              <a:rPr lang="en-US" altLang="ko-KR" dirty="0"/>
             </a:br>
             <a:r>
-              <a:rPr lang="ko-KR" altLang="en-US" dirty="0" smtClean="0"/>
+              <a:rPr lang="ko-KR" altLang="en-US" dirty="0"/>
               <a:t>서비스를 요청한 클라이언트에 관한 정보</a:t>
             </a:r>
-            <a:endParaRPr lang="en-US" altLang="ko-KR" dirty="0" smtClean="0"/>
+            <a:endParaRPr lang="en-US" altLang="ko-KR" dirty="0"/>
           </a:p>
           <a:p>
             <a:pPr eaLnBrk="1" hangingPunct="1"/>
             <a:r>
-              <a:rPr lang="ko-KR" altLang="en-US" dirty="0" smtClean="0"/>
+              <a:rPr lang="ko-KR" altLang="en-US" dirty="0"/>
               <a:t>응답 정보</a:t>
             </a:r>
             <a:r>
-              <a:rPr lang="en-US" altLang="ko-KR" dirty="0" smtClean="0"/>
-              <a:t>(Response</a:t>
-            </a:r>
-            <a:r>
-              <a:rPr lang="en-US" altLang="ko-KR" dirty="0" smtClean="0"/>
-              <a:t>)</a:t>
+              <a:rPr lang="en-US" altLang="ko-KR" dirty="0"/>
+              <a:t>(Response)</a:t>
             </a:r>
             <a:br>
-              <a:rPr lang="en-US" altLang="ko-KR" dirty="0" smtClean="0"/>
+              <a:rPr lang="en-US" altLang="ko-KR" dirty="0"/>
             </a:br>
             <a:r>
-              <a:rPr lang="ko-KR" altLang="en-US" dirty="0" smtClean="0"/>
+              <a:rPr lang="ko-KR" altLang="en-US" dirty="0"/>
               <a:t>서비스 응답을 처리하는 정보</a:t>
             </a:r>
-            <a:endParaRPr lang="ko-KR" altLang="en-US" dirty="0" smtClean="0"/>
           </a:p>
         </p:txBody>
       </p:sp>
@@ -6592,14 +7195,13 @@
               <a:defRPr/>
             </a:pPr>
             <a:r>
-              <a:rPr lang="en-US" altLang="ko-KR" sz="2000" dirty="0" smtClean="0"/>
+              <a:rPr lang="en-US" altLang="ko-KR" sz="2000" dirty="0"/>
               <a:t>1.4 HTTP </a:t>
             </a:r>
             <a:r>
-              <a:rPr lang="ko-KR" altLang="en-US" sz="2000" dirty="0" smtClean="0"/>
+              <a:rPr lang="ko-KR" altLang="en-US" sz="2000" dirty="0"/>
               <a:t>프로토콜의 이해</a:t>
             </a:r>
-            <a:endParaRPr lang="ko-KR" altLang="en-US" sz="2000" dirty="0"/>
           </a:p>
         </p:txBody>
       </p:sp>
@@ -6637,13 +7239,6 @@
   <p:clrMapOvr>
     <a:masterClrMapping/>
   </p:clrMapOvr>
-  <p:timing>
-    <p:tnLst>
-      <p:par>
-        <p:cTn id="1" dur="indefinite" restart="never" nodeType="tmRoot"/>
-      </p:par>
-    </p:tnLst>
-  </p:timing>
 </p:sld>
 </file>
 
@@ -6681,11 +7276,11 @@
           <a:p>
             <a:pPr eaLnBrk="1" hangingPunct="1"/>
             <a:r>
-              <a:rPr lang="en-US" altLang="ko-KR" smtClean="0"/>
+              <a:rPr lang="en-US" altLang="ko-KR"/>
               <a:t>HTTP </a:t>
             </a:r>
             <a:r>
-              <a:rPr lang="ko-KR" altLang="en-US" smtClean="0"/>
+              <a:rPr lang="ko-KR" altLang="en-US"/>
               <a:t>요청정보</a:t>
             </a:r>
           </a:p>
@@ -6707,33 +7302,32 @@
           <a:lstStyle/>
           <a:p>
             <a:r>
-              <a:rPr lang="ko-KR" altLang="en-US" dirty="0" smtClean="0"/>
+              <a:rPr lang="ko-KR" altLang="en-US" dirty="0"/>
               <a:t>웹 클라이언트의 서비스 </a:t>
             </a:r>
             <a:r>
-              <a:rPr lang="ko-KR" altLang="en-US" dirty="0" err="1" smtClean="0"/>
+              <a:rPr lang="ko-KR" altLang="en-US" dirty="0" err="1"/>
               <a:t>요청시</a:t>
             </a:r>
             <a:r>
-              <a:rPr lang="ko-KR" altLang="en-US" dirty="0" smtClean="0"/>
+              <a:rPr lang="ko-KR" altLang="en-US" dirty="0"/>
               <a:t> </a:t>
             </a:r>
             <a:r>
-              <a:rPr lang="en-US" altLang="ko-KR" dirty="0" smtClean="0"/>
+              <a:rPr lang="en-US" altLang="ko-KR" dirty="0"/>
               <a:t>HTTP  </a:t>
             </a:r>
             <a:r>
-              <a:rPr lang="ko-KR" altLang="en-US" dirty="0" smtClean="0"/>
+              <a:rPr lang="ko-KR" altLang="en-US" dirty="0"/>
               <a:t>프로토콜에 의해 자동 생성하여 웹 서버에 전달됨</a:t>
             </a:r>
-            <a:endParaRPr lang="en-US" altLang="ko-KR" dirty="0" smtClean="0"/>
-          </a:p>
-          <a:p>
-            <a:r>
-              <a:rPr lang="ko-KR" altLang="en-US" dirty="0" smtClean="0"/>
+            <a:endParaRPr lang="en-US" altLang="ko-KR" dirty="0"/>
+          </a:p>
+          <a:p>
+            <a:r>
+              <a:rPr lang="ko-KR" altLang="en-US" dirty="0"/>
               <a:t>요청정보의 구조</a:t>
             </a:r>
-            <a:endParaRPr lang="ko-KR" altLang="en-US" dirty="0"/>
           </a:p>
         </p:txBody>
       </p:sp>
@@ -6890,33 +7484,174 @@
               <a:defRPr/>
             </a:pPr>
             <a:r>
-              <a:rPr lang="en-US" altLang="ko-KR" sz="2000" dirty="0" smtClean="0"/>
+              <a:rPr lang="en-US" altLang="ko-KR" sz="2000" dirty="0"/>
               <a:t>1.4 HTTP </a:t>
             </a:r>
             <a:r>
-              <a:rPr lang="ko-KR" altLang="en-US" sz="2000" dirty="0" smtClean="0"/>
-              <a:t>프로토콜의 </a:t>
-            </a:r>
-            <a:r>
-              <a:rPr lang="ko-KR" altLang="en-US" sz="2000" dirty="0" smtClean="0"/>
-              <a:t>이해</a:t>
-            </a:r>
-            <a:endParaRPr lang="ko-KR" altLang="en-US" sz="2000" dirty="0"/>
-          </a:p>
-        </p:txBody>
-      </p:sp>
+              <a:rPr lang="ko-KR" altLang="en-US" sz="2000" dirty="0"/>
+              <a:t>프로토콜의 이해</a:t>
+            </a:r>
+          </a:p>
+        </p:txBody>
+      </p:sp>
+      <mc:AlternateContent xmlns:mc="http://schemas.openxmlformats.org/markup-compatibility/2006">
+        <mc:Choice xmlns:p14="http://schemas.microsoft.com/office/powerpoint/2010/main" Requires="p14">
+          <p:contentPart p14:bwMode="auto" r:id="rId3">
+            <p14:nvContentPartPr>
+              <p14:cNvPr id="3" name="잉크 2">
+                <a:extLst>
+                  <a:ext uri="{FF2B5EF4-FFF2-40B4-BE49-F238E27FC236}">
+                    <a16:creationId xmlns:a16="http://schemas.microsoft.com/office/drawing/2014/main" id="{C30D5973-4FCB-4884-86A1-7911C48B10A2}"/>
+                  </a:ext>
+                </a:extLst>
+              </p14:cNvPr>
+              <p14:cNvContentPartPr/>
+              <p14:nvPr/>
+            </p14:nvContentPartPr>
+            <p14:xfrm>
+              <a:off x="4444920" y="3879720"/>
+              <a:ext cx="356040" cy="25920"/>
+            </p14:xfrm>
+          </p:contentPart>
+        </mc:Choice>
+        <mc:Fallback>
+          <p:pic>
+            <p:nvPicPr>
+              <p:cNvPr id="3" name="잉크 2">
+                <a:extLst>
+                  <a:ext uri="{FF2B5EF4-FFF2-40B4-BE49-F238E27FC236}">
+                    <a16:creationId xmlns:a16="http://schemas.microsoft.com/office/drawing/2014/main" id="{C30D5973-4FCB-4884-86A1-7911C48B10A2}"/>
+                  </a:ext>
+                </a:extLst>
+              </p:cNvPr>
+              <p:cNvPicPr/>
+              <p:nvPr/>
+            </p:nvPicPr>
+            <p:blipFill>
+              <a:blip r:embed="rId4"/>
+              <a:stretch>
+                <a:fillRect/>
+              </a:stretch>
+            </p:blipFill>
+            <p:spPr>
+              <a:xfrm>
+                <a:off x="4429080" y="3816360"/>
+                <a:ext cx="387360" cy="152640"/>
+              </a:xfrm>
+              <a:prstGeom prst="rect">
+                <a:avLst/>
+              </a:prstGeom>
+            </p:spPr>
+          </p:pic>
+        </mc:Fallback>
+      </mc:AlternateContent>
+      <mc:AlternateContent xmlns:mc="http://schemas.openxmlformats.org/markup-compatibility/2006">
+        <mc:Choice xmlns:p14="http://schemas.microsoft.com/office/powerpoint/2010/main" Requires="p14">
+          <p:contentPart p14:bwMode="auto" r:id="rId5">
+            <p14:nvContentPartPr>
+              <p14:cNvPr id="5" name="잉크 4">
+                <a:extLst>
+                  <a:ext uri="{FF2B5EF4-FFF2-40B4-BE49-F238E27FC236}">
+                    <a16:creationId xmlns:a16="http://schemas.microsoft.com/office/drawing/2014/main" id="{75BAA0AE-C94E-4AE5-8F2D-1C5510ED1718}"/>
+                  </a:ext>
+                </a:extLst>
+              </p14:cNvPr>
+              <p14:cNvContentPartPr/>
+              <p14:nvPr/>
+            </p14:nvContentPartPr>
+            <p14:xfrm>
+              <a:off x="4552920" y="4260960"/>
+              <a:ext cx="133920" cy="12960"/>
+            </p14:xfrm>
+          </p:contentPart>
+        </mc:Choice>
+        <mc:Fallback>
+          <p:pic>
+            <p:nvPicPr>
+              <p:cNvPr id="5" name="잉크 4">
+                <a:extLst>
+                  <a:ext uri="{FF2B5EF4-FFF2-40B4-BE49-F238E27FC236}">
+                    <a16:creationId xmlns:a16="http://schemas.microsoft.com/office/drawing/2014/main" id="{75BAA0AE-C94E-4AE5-8F2D-1C5510ED1718}"/>
+                  </a:ext>
+                </a:extLst>
+              </p:cNvPr>
+              <p:cNvPicPr/>
+              <p:nvPr/>
+            </p:nvPicPr>
+            <p:blipFill>
+              <a:blip r:embed="rId6"/>
+              <a:stretch>
+                <a:fillRect/>
+              </a:stretch>
+            </p:blipFill>
+            <p:spPr>
+              <a:xfrm>
+                <a:off x="4537080" y="4197600"/>
+                <a:ext cx="165240" cy="139680"/>
+              </a:xfrm>
+              <a:prstGeom prst="rect">
+                <a:avLst/>
+              </a:prstGeom>
+            </p:spPr>
+          </p:pic>
+        </mc:Fallback>
+      </mc:AlternateContent>
+      <mc:AlternateContent xmlns:mc="http://schemas.openxmlformats.org/markup-compatibility/2006">
+        <mc:Choice xmlns:p14="http://schemas.microsoft.com/office/powerpoint/2010/main" Requires="p14">
+          <p:contentPart p14:bwMode="auto" r:id="rId7">
+            <p14:nvContentPartPr>
+              <p14:cNvPr id="7" name="잉크 6">
+                <a:extLst>
+                  <a:ext uri="{FF2B5EF4-FFF2-40B4-BE49-F238E27FC236}">
+                    <a16:creationId xmlns:a16="http://schemas.microsoft.com/office/drawing/2014/main" id="{5BFAB62E-1B65-4AC5-A5B1-06A490934F33}"/>
+                  </a:ext>
+                </a:extLst>
+              </p14:cNvPr>
+              <p14:cNvContentPartPr/>
+              <p14:nvPr/>
+            </p14:nvContentPartPr>
+            <p14:xfrm>
+              <a:off x="4540320" y="4952880"/>
+              <a:ext cx="197280" cy="360"/>
+            </p14:xfrm>
+          </p:contentPart>
+        </mc:Choice>
+        <mc:Fallback>
+          <p:pic>
+            <p:nvPicPr>
+              <p:cNvPr id="7" name="잉크 6">
+                <a:extLst>
+                  <a:ext uri="{FF2B5EF4-FFF2-40B4-BE49-F238E27FC236}">
+                    <a16:creationId xmlns:a16="http://schemas.microsoft.com/office/drawing/2014/main" id="{5BFAB62E-1B65-4AC5-A5B1-06A490934F33}"/>
+                  </a:ext>
+                </a:extLst>
+              </p:cNvPr>
+              <p:cNvPicPr/>
+              <p:nvPr/>
+            </p:nvPicPr>
+            <p:blipFill>
+              <a:blip r:embed="rId8"/>
+              <a:stretch>
+                <a:fillRect/>
+              </a:stretch>
+            </p:blipFill>
+            <p:spPr>
+              <a:xfrm>
+                <a:off x="4524480" y="4889520"/>
+                <a:ext cx="228600" cy="127080"/>
+              </a:xfrm>
+              <a:prstGeom prst="rect">
+                <a:avLst/>
+              </a:prstGeom>
+            </p:spPr>
+          </p:pic>
+        </mc:Fallback>
+      </mc:AlternateContent>
     </p:spTree>
   </p:cSld>
   <p:clrMapOvr>
     <a:masterClrMapping/>
   </p:clrMapOvr>
-  <p:timing>
-    <p:tnLst>
-      <p:par>
-        <p:cTn id="1" dur="indefinite" restart="never" nodeType="tmRoot"/>
-      </p:par>
-    </p:tnLst>
-  </p:timing>
 </p:sld>
 </file>
 
@@ -6959,11 +7694,11 @@
           <a:p>
             <a:pPr eaLnBrk="1" hangingPunct="1"/>
             <a:r>
-              <a:rPr lang="en-US" altLang="ko-KR" dirty="0" smtClean="0"/>
+              <a:rPr lang="en-US" altLang="ko-KR" dirty="0"/>
               <a:t>HTTP </a:t>
             </a:r>
             <a:r>
-              <a:rPr lang="ko-KR" altLang="en-US" dirty="0" smtClean="0"/>
+              <a:rPr lang="ko-KR" altLang="en-US" dirty="0"/>
               <a:t>요청방식</a:t>
             </a:r>
           </a:p>
@@ -6986,81 +7721,80 @@
           <a:p>
             <a:pPr eaLnBrk="1" hangingPunct="1"/>
             <a:r>
-              <a:rPr lang="ko-KR" altLang="en-US" dirty="0" smtClean="0"/>
+              <a:rPr lang="ko-KR" altLang="en-US" dirty="0"/>
               <a:t>웹 클라이언트가 </a:t>
             </a:r>
             <a:r>
-              <a:rPr lang="ko-KR" altLang="en-US" dirty="0" err="1" smtClean="0"/>
+              <a:rPr lang="ko-KR" altLang="en-US" dirty="0" err="1"/>
               <a:t>웹서버에</a:t>
             </a:r>
             <a:r>
-              <a:rPr lang="ko-KR" altLang="en-US" dirty="0" smtClean="0"/>
+              <a:rPr lang="ko-KR" altLang="en-US" dirty="0"/>
               <a:t> 요청하는 서비스 처리 방식</a:t>
             </a:r>
-            <a:endParaRPr lang="en-US" altLang="ko-KR" dirty="0" smtClean="0"/>
+            <a:endParaRPr lang="en-US" altLang="ko-KR" dirty="0"/>
           </a:p>
           <a:p>
             <a:pPr eaLnBrk="1" hangingPunct="1"/>
             <a:r>
-              <a:rPr lang="ko-KR" altLang="en-US" dirty="0" smtClean="0"/>
+              <a:rPr lang="ko-KR" altLang="en-US" dirty="0"/>
               <a:t>요청방식 종류</a:t>
             </a:r>
-            <a:endParaRPr lang="en-US" altLang="ko-KR" dirty="0" smtClean="0"/>
+            <a:endParaRPr lang="en-US" altLang="ko-KR" dirty="0"/>
           </a:p>
           <a:p>
             <a:pPr lvl="1" eaLnBrk="1" hangingPunct="1"/>
             <a:r>
-              <a:rPr lang="en-US" altLang="ko-KR" dirty="0" smtClean="0"/>
+              <a:rPr lang="en-US" altLang="ko-KR" dirty="0"/>
               <a:t>GET</a:t>
             </a:r>
-            <a:endParaRPr lang="en-US" altLang="ko-KR" dirty="0" smtClean="0"/>
           </a:p>
           <a:p>
             <a:pPr lvl="1" eaLnBrk="1" hangingPunct="1"/>
             <a:r>
-              <a:rPr lang="en-US" altLang="ko-KR" dirty="0" smtClean="0"/>
+              <a:rPr lang="en-US" altLang="ko-KR" dirty="0"/>
               <a:t>POST</a:t>
             </a:r>
           </a:p>
           <a:p>
             <a:pPr lvl="1" eaLnBrk="1" hangingPunct="1"/>
             <a:r>
-              <a:rPr lang="en-US" altLang="ko-KR" dirty="0" smtClean="0"/>
+              <a:rPr lang="en-US" altLang="ko-KR" dirty="0"/>
               <a:t>PUT</a:t>
             </a:r>
           </a:p>
           <a:p>
             <a:pPr lvl="1" eaLnBrk="1" hangingPunct="1"/>
             <a:r>
-              <a:rPr lang="en-US" altLang="ko-KR" dirty="0" smtClean="0"/>
+              <a:rPr lang="en-US" altLang="ko-KR" dirty="0"/>
               <a:t>DELETE</a:t>
             </a:r>
           </a:p>
           <a:p>
             <a:pPr lvl="1" eaLnBrk="1" hangingPunct="1"/>
             <a:r>
-              <a:rPr lang="en-US" altLang="ko-KR" dirty="0" smtClean="0"/>
+              <a:rPr lang="en-US" altLang="ko-KR" dirty="0"/>
               <a:t>OPTIONS</a:t>
             </a:r>
           </a:p>
           <a:p>
             <a:pPr lvl="1" eaLnBrk="1" hangingPunct="1"/>
             <a:r>
-              <a:rPr lang="en-US" altLang="ko-KR" dirty="0" smtClean="0"/>
+              <a:rPr lang="en-US" altLang="ko-KR" dirty="0"/>
               <a:t>HEAD</a:t>
             </a:r>
           </a:p>
           <a:p>
             <a:pPr lvl="1" eaLnBrk="1" hangingPunct="1"/>
             <a:r>
-              <a:rPr lang="en-US" altLang="ko-KR" dirty="0" smtClean="0"/>
+              <a:rPr lang="en-US" altLang="ko-KR" dirty="0"/>
               <a:t>TRACE</a:t>
             </a:r>
           </a:p>
           <a:p>
             <a:pPr lvl="1" eaLnBrk="1" hangingPunct="1"/>
             <a:r>
-              <a:rPr lang="en-US" altLang="ko-KR" dirty="0" smtClean="0"/>
+              <a:rPr lang="en-US" altLang="ko-KR" dirty="0"/>
               <a:t>CONNECT</a:t>
             </a:r>
           </a:p>
@@ -7126,14 +7860,13 @@
               <a:defRPr/>
             </a:pPr>
             <a:r>
-              <a:rPr lang="en-US" altLang="ko-KR" sz="2000" dirty="0" smtClean="0"/>
+              <a:rPr lang="en-US" altLang="ko-KR" sz="2000" dirty="0"/>
               <a:t>1.4 HTTP </a:t>
             </a:r>
             <a:r>
-              <a:rPr lang="ko-KR" altLang="en-US" sz="2000" dirty="0" smtClean="0"/>
+              <a:rPr lang="ko-KR" altLang="en-US" sz="2000" dirty="0"/>
               <a:t>프로토콜의 이해</a:t>
             </a:r>
-            <a:endParaRPr lang="ko-KR" altLang="en-US" sz="2000" dirty="0"/>
           </a:p>
         </p:txBody>
       </p:sp>
@@ -7171,13 +7904,6 @@
   <p:clrMapOvr>
     <a:masterClrMapping/>
   </p:clrMapOvr>
-  <p:timing>
-    <p:tnLst>
-      <p:par>
-        <p:cTn id="1" dur="indefinite" restart="never" nodeType="tmRoot"/>
-      </p:par>
-    </p:tnLst>
-  </p:timing>
 </p:sld>
 </file>
 
@@ -7220,14 +7946,14 @@
           <a:p>
             <a:pPr eaLnBrk="1" hangingPunct="1"/>
             <a:r>
-              <a:rPr lang="ko-KR" altLang="en-US" dirty="0" smtClean="0"/>
+              <a:rPr lang="ko-KR" altLang="en-US" dirty="0"/>
               <a:t>요청 </a:t>
             </a:r>
             <a:r>
-              <a:rPr lang="en-US" altLang="ko-KR" dirty="0" smtClean="0"/>
+              <a:rPr lang="en-US" altLang="ko-KR" dirty="0"/>
               <a:t>URI</a:t>
             </a:r>
-            <a:endParaRPr lang="ko-KR" altLang="en-US" dirty="0" smtClean="0"/>
+            <a:endParaRPr lang="ko-KR" altLang="en-US" dirty="0"/>
           </a:p>
         </p:txBody>
       </p:sp>
@@ -7253,119 +7979,106 @@
           <a:p>
             <a:pPr eaLnBrk="1" hangingPunct="1"/>
             <a:r>
-              <a:rPr lang="ko-KR" altLang="en-US" dirty="0" err="1" smtClean="0"/>
+              <a:rPr lang="ko-KR" altLang="en-US" dirty="0" err="1"/>
               <a:t>웹클라이언트가</a:t>
             </a:r>
             <a:r>
-              <a:rPr lang="ko-KR" altLang="en-US" dirty="0" smtClean="0"/>
+              <a:rPr lang="ko-KR" altLang="en-US" dirty="0"/>
               <a:t> </a:t>
             </a:r>
             <a:r>
-              <a:rPr lang="ko-KR" altLang="en-US" dirty="0" err="1" smtClean="0"/>
+              <a:rPr lang="ko-KR" altLang="en-US" dirty="0" err="1"/>
               <a:t>웹서버에</a:t>
             </a:r>
             <a:r>
-              <a:rPr lang="ko-KR" altLang="en-US" dirty="0" smtClean="0"/>
+              <a:rPr lang="ko-KR" altLang="en-US" dirty="0"/>
               <a:t> 요청한 서비스 문서 정보</a:t>
             </a:r>
-            <a:endParaRPr lang="en-US" altLang="ko-KR" dirty="0" smtClean="0"/>
+            <a:endParaRPr lang="en-US" altLang="ko-KR" dirty="0"/>
           </a:p>
           <a:p>
             <a:pPr eaLnBrk="1" hangingPunct="1"/>
             <a:r>
-              <a:rPr lang="ko-KR" altLang="en-US" dirty="0" smtClean="0"/>
+              <a:rPr lang="ko-KR" altLang="en-US" dirty="0"/>
               <a:t>네트워크의 자원 정보인 </a:t>
             </a:r>
             <a:r>
-              <a:rPr lang="en-US" altLang="ko-KR" dirty="0" smtClean="0"/>
+              <a:rPr lang="en-US" altLang="ko-KR" dirty="0"/>
               <a:t>URL</a:t>
             </a:r>
             <a:r>
-              <a:rPr lang="ko-KR" altLang="en-US" dirty="0" smtClean="0"/>
+              <a:rPr lang="ko-KR" altLang="en-US" dirty="0"/>
               <a:t>의 일부</a:t>
             </a:r>
-            <a:endParaRPr lang="en-US" altLang="ko-KR" dirty="0" smtClean="0"/>
+            <a:endParaRPr lang="en-US" altLang="ko-KR" dirty="0"/>
           </a:p>
           <a:p>
             <a:pPr eaLnBrk="1" hangingPunct="1"/>
             <a:r>
-              <a:rPr lang="en-US" altLang="ko-KR" dirty="0" smtClean="0"/>
+              <a:rPr lang="en-US" altLang="ko-KR" dirty="0"/>
               <a:t>URL </a:t>
             </a:r>
             <a:r>
-              <a:rPr lang="ko-KR" altLang="en-US" dirty="0" smtClean="0"/>
+              <a:rPr lang="ko-KR" altLang="en-US" dirty="0"/>
               <a:t>형식</a:t>
             </a:r>
-            <a:endParaRPr lang="en-US" altLang="ko-KR" dirty="0" smtClean="0"/>
+            <a:endParaRPr lang="en-US" altLang="ko-KR" dirty="0"/>
           </a:p>
           <a:p>
             <a:pPr eaLnBrk="1" hangingPunct="1"/>
-            <a:endParaRPr lang="en-US" altLang="ko-KR" dirty="0" smtClean="0"/>
+            <a:endParaRPr lang="en-US" altLang="ko-KR" dirty="0"/>
           </a:p>
           <a:p>
             <a:pPr eaLnBrk="1" hangingPunct="1"/>
-            <a:endParaRPr lang="en-US" altLang="ko-KR" dirty="0" smtClean="0"/>
+            <a:endParaRPr lang="en-US" altLang="ko-KR" dirty="0"/>
           </a:p>
           <a:p>
             <a:pPr eaLnBrk="1" hangingPunct="1"/>
             <a:r>
-              <a:rPr lang="ko-KR" altLang="en-US" dirty="0" smtClean="0"/>
+              <a:rPr lang="ko-KR" altLang="en-US" dirty="0"/>
               <a:t>프로토콜 </a:t>
             </a:r>
             <a:r>
-              <a:rPr lang="en-US" altLang="ko-KR" dirty="0" smtClean="0"/>
-              <a:t>(PROTOCOL</a:t>
-            </a:r>
-            <a:r>
-              <a:rPr lang="en-US" altLang="ko-KR" dirty="0" smtClean="0"/>
-              <a:t>)</a:t>
+              <a:rPr lang="en-US" altLang="ko-KR" dirty="0"/>
+              <a:t>(PROTOCOL)</a:t>
             </a:r>
             <a:br>
-              <a:rPr lang="en-US" altLang="ko-KR" dirty="0" smtClean="0"/>
+              <a:rPr lang="en-US" altLang="ko-KR" dirty="0"/>
             </a:br>
             <a:r>
-              <a:rPr lang="ko-KR" altLang="en-US" dirty="0" smtClean="0"/>
+              <a:rPr lang="ko-KR" altLang="en-US" dirty="0"/>
               <a:t>서버와 통신하기 위한 규약</a:t>
             </a:r>
-            <a:endParaRPr lang="en-US" altLang="ko-KR" dirty="0" smtClean="0"/>
+            <a:endParaRPr lang="en-US" altLang="ko-KR" dirty="0"/>
           </a:p>
           <a:p>
             <a:pPr eaLnBrk="1" hangingPunct="1"/>
             <a:r>
-              <a:rPr lang="ko-KR" altLang="en-US" dirty="0" smtClean="0"/>
+              <a:rPr lang="ko-KR" altLang="en-US" dirty="0"/>
               <a:t>서버주소</a:t>
             </a:r>
-            <a:r>
-              <a:rPr lang="en-US" altLang="ko-KR" dirty="0" smtClean="0"/>
-              <a:t/>
-            </a:r>
             <a:br>
-              <a:rPr lang="en-US" altLang="ko-KR" dirty="0" smtClean="0"/>
+              <a:rPr lang="en-US" altLang="ko-KR" dirty="0"/>
             </a:br>
             <a:r>
-              <a:rPr lang="ko-KR" altLang="en-US" dirty="0" smtClean="0"/>
+              <a:rPr lang="ko-KR" altLang="en-US" dirty="0"/>
               <a:t>네트워크 상에서 연결된 컴퓨터를 찾아가기 위한 정보</a:t>
             </a:r>
-            <a:endParaRPr lang="en-US" altLang="ko-KR" dirty="0" smtClean="0"/>
+            <a:endParaRPr lang="en-US" altLang="ko-KR" dirty="0"/>
           </a:p>
           <a:p>
             <a:pPr eaLnBrk="1" hangingPunct="1"/>
             <a:r>
-              <a:rPr lang="ko-KR" altLang="en-US" dirty="0" smtClean="0"/>
+              <a:rPr lang="ko-KR" altLang="en-US" dirty="0"/>
               <a:t>포트번호</a:t>
             </a:r>
-            <a:r>
-              <a:rPr lang="en-US" altLang="ko-KR" dirty="0" smtClean="0"/>
-              <a:t/>
-            </a:r>
             <a:br>
-              <a:rPr lang="en-US" altLang="ko-KR" dirty="0" smtClean="0"/>
+              <a:rPr lang="en-US" altLang="ko-KR" dirty="0"/>
             </a:br>
             <a:r>
-              <a:rPr lang="ko-KR" altLang="en-US" dirty="0" smtClean="0"/>
+              <a:rPr lang="ko-KR" altLang="en-US" dirty="0"/>
               <a:t>컴퓨터내의 서버를 찾아가기 위한 정보</a:t>
             </a:r>
-            <a:endParaRPr lang="ko-KR" altLang="en-US" dirty="0" smtClean="0"/>
           </a:p>
         </p:txBody>
       </p:sp>
@@ -7493,14 +8206,13 @@
               <a:defRPr/>
             </a:pPr>
             <a:r>
-              <a:rPr lang="en-US" altLang="ko-KR" sz="2000" dirty="0" smtClean="0"/>
+              <a:rPr lang="en-US" altLang="ko-KR" sz="2000" dirty="0"/>
               <a:t>1.4 HTTP </a:t>
             </a:r>
             <a:r>
-              <a:rPr lang="ko-KR" altLang="en-US" sz="2000" dirty="0" smtClean="0"/>
+              <a:rPr lang="ko-KR" altLang="en-US" sz="2000" dirty="0"/>
               <a:t>프로토콜의 이해</a:t>
             </a:r>
-            <a:endParaRPr lang="ko-KR" altLang="en-US" sz="2000" dirty="0"/>
           </a:p>
         </p:txBody>
       </p:sp>
@@ -7538,13 +8250,6 @@
   <p:clrMapOvr>
     <a:masterClrMapping/>
   </p:clrMapOvr>
-  <p:timing>
-    <p:tnLst>
-      <p:par>
-        <p:cTn id="1" dur="indefinite" restart="never" nodeType="tmRoot"/>
-      </p:par>
-    </p:tnLst>
-  </p:timing>
 </p:sld>
 </file>
 
@@ -7587,14 +8292,14 @@
           <a:p>
             <a:pPr eaLnBrk="1" hangingPunct="1"/>
             <a:r>
-              <a:rPr lang="ko-KR" altLang="en-US" dirty="0" smtClean="0"/>
+              <a:rPr lang="ko-KR" altLang="en-US" dirty="0"/>
               <a:t>요청 </a:t>
             </a:r>
             <a:r>
-              <a:rPr lang="en-US" altLang="ko-KR" dirty="0" smtClean="0"/>
+              <a:rPr lang="en-US" altLang="ko-KR" dirty="0"/>
               <a:t>URI</a:t>
             </a:r>
-            <a:endParaRPr lang="ko-KR" altLang="en-US" dirty="0" smtClean="0"/>
+            <a:endParaRPr lang="ko-KR" altLang="en-US" dirty="0"/>
           </a:p>
         </p:txBody>
       </p:sp>
@@ -7620,43 +8325,35 @@
           <a:p>
             <a:pPr eaLnBrk="1" hangingPunct="1"/>
             <a:r>
-              <a:rPr lang="en-US" altLang="ko-KR" dirty="0" smtClean="0"/>
+              <a:rPr lang="en-US" altLang="ko-KR" dirty="0"/>
               <a:t>URI (Uniform Resource Identifier)</a:t>
             </a:r>
             <a:br>
-              <a:rPr lang="en-US" altLang="ko-KR" dirty="0" smtClean="0"/>
+              <a:rPr lang="en-US" altLang="ko-KR" dirty="0"/>
             </a:br>
             <a:r>
-              <a:rPr lang="ko-KR" altLang="en-US" dirty="0" smtClean="0"/>
+              <a:rPr lang="ko-KR" altLang="en-US" dirty="0"/>
               <a:t>서버내의 서비스를 찾아가기 위한 정보</a:t>
             </a:r>
-            <a:r>
-              <a:rPr lang="en-US" altLang="ko-KR" dirty="0" smtClean="0"/>
-              <a:t/>
-            </a:r>
             <a:br>
-              <a:rPr lang="en-US" altLang="ko-KR" dirty="0" smtClean="0"/>
+              <a:rPr lang="en-US" altLang="ko-KR" dirty="0"/>
             </a:br>
-            <a:r>
-              <a:rPr lang="en-US" altLang="ko-KR" dirty="0" smtClean="0"/>
-              <a:t/>
-            </a:r>
             <a:br>
-              <a:rPr lang="en-US" altLang="ko-KR" dirty="0" smtClean="0"/>
+              <a:rPr lang="en-US" altLang="ko-KR" dirty="0"/>
             </a:br>
             <a:r>
-              <a:rPr lang="en-US" altLang="ko-KR" dirty="0" smtClean="0"/>
+              <a:rPr lang="en-US" altLang="ko-KR" dirty="0"/>
               <a:t>http://www.mysite.com:80</a:t>
             </a:r>
             <a:r>
-              <a:rPr lang="en-US" altLang="ko-KR" b="1" dirty="0" smtClean="0">
+              <a:rPr lang="en-US" altLang="ko-KR" b="1" dirty="0">
                 <a:solidFill>
                   <a:srgbClr val="FF0000"/>
                 </a:solidFill>
               </a:rPr>
               <a:t>/edu/index.html</a:t>
             </a:r>
-            <a:endParaRPr lang="ko-KR" altLang="en-US" b="1" dirty="0" smtClean="0">
+            <a:endParaRPr lang="ko-KR" altLang="en-US" b="1" dirty="0">
               <a:solidFill>
                 <a:srgbClr val="FF0000"/>
               </a:solidFill>
@@ -7724,14 +8421,13 @@
               <a:defRPr/>
             </a:pPr>
             <a:r>
-              <a:rPr lang="en-US" altLang="ko-KR" sz="2000" dirty="0" smtClean="0"/>
+              <a:rPr lang="en-US" altLang="ko-KR" sz="2000" dirty="0"/>
               <a:t>1.4 HTTP </a:t>
             </a:r>
             <a:r>
-              <a:rPr lang="ko-KR" altLang="en-US" sz="2000" dirty="0" smtClean="0"/>
+              <a:rPr lang="ko-KR" altLang="en-US" sz="2000" dirty="0"/>
               <a:t>프로토콜의 이해</a:t>
             </a:r>
-            <a:endParaRPr lang="ko-KR" altLang="en-US" sz="2000" dirty="0"/>
           </a:p>
         </p:txBody>
       </p:sp>
@@ -7774,13 +8470,6 @@
   <p:clrMapOvr>
     <a:masterClrMapping/>
   </p:clrMapOvr>
-  <p:timing>
-    <p:tnLst>
-      <p:par>
-        <p:cTn id="1" dur="indefinite" restart="never" nodeType="tmRoot"/>
-      </p:par>
-    </p:tnLst>
-  </p:timing>
 </p:sld>
 </file>
 
@@ -7811,9 +8500,7 @@
             <p:ph type="title"/>
           </p:nvPr>
         </p:nvSpPr>
-        <p:spPr>
-          <a:extLst/>
-        </p:spPr>
+        <p:spPr/>
         <p:txBody>
           <a:bodyPr/>
           <a:lstStyle/>
@@ -7825,10 +8512,9 @@
               <a:defRPr/>
             </a:pPr>
             <a:r>
-              <a:rPr lang="ko-KR" altLang="en-US" dirty="0" smtClean="0"/>
+              <a:rPr lang="ko-KR" altLang="en-US" dirty="0"/>
               <a:t>요청 정보 헤더</a:t>
             </a:r>
-            <a:endParaRPr lang="ko-KR" altLang="en-US" dirty="0"/>
           </a:p>
         </p:txBody>
       </p:sp>
@@ -7985,14 +8671,13 @@
               <a:defRPr/>
             </a:pPr>
             <a:r>
-              <a:rPr lang="en-US" altLang="ko-KR" sz="2000" dirty="0" smtClean="0"/>
+              <a:rPr lang="en-US" altLang="ko-KR" sz="2000" dirty="0"/>
               <a:t>1.4 HTTP </a:t>
             </a:r>
             <a:r>
-              <a:rPr lang="ko-KR" altLang="en-US" sz="2000" dirty="0" smtClean="0"/>
+              <a:rPr lang="ko-KR" altLang="en-US" sz="2000" dirty="0"/>
               <a:t>프로토콜의 이해</a:t>
             </a:r>
-            <a:endParaRPr lang="ko-KR" altLang="en-US" sz="2000" dirty="0"/>
           </a:p>
         </p:txBody>
       </p:sp>
@@ -8171,13 +8856,6 @@
   <p:clrMapOvr>
     <a:masterClrMapping/>
   </p:clrMapOvr>
-  <p:timing>
-    <p:tnLst>
-      <p:par>
-        <p:cTn id="1" dur="indefinite" restart="never" nodeType="tmRoot"/>
-      </p:par>
-    </p:tnLst>
-  </p:timing>
 </p:sld>
 </file>
 
@@ -8208,9 +8886,7 @@
             <p:ph type="title"/>
           </p:nvPr>
         </p:nvSpPr>
-        <p:spPr>
-          <a:extLst/>
-        </p:spPr>
+        <p:spPr/>
         <p:txBody>
           <a:bodyPr/>
           <a:lstStyle/>
@@ -8222,14 +8898,13 @@
               <a:defRPr/>
             </a:pPr>
             <a:r>
-              <a:rPr lang="en-US" altLang="ko-KR" dirty="0" smtClean="0"/>
+              <a:rPr lang="en-US" altLang="ko-KR" dirty="0"/>
               <a:t>HTTP </a:t>
             </a:r>
             <a:r>
-              <a:rPr lang="ko-KR" altLang="en-US" dirty="0" smtClean="0"/>
+              <a:rPr lang="ko-KR" altLang="en-US" dirty="0"/>
               <a:t>응답정보</a:t>
             </a:r>
-            <a:endParaRPr lang="ko-KR" altLang="en-US" dirty="0"/>
           </a:p>
         </p:txBody>
       </p:sp>
@@ -8253,21 +8928,20 @@
               <a:t> </a:t>
             </a:r>
             <a:r>
-              <a:rPr lang="ko-KR" altLang="en-US" dirty="0" err="1" smtClean="0"/>
+              <a:rPr lang="ko-KR" altLang="en-US" dirty="0" err="1"/>
               <a:t>웹서버에서</a:t>
             </a:r>
             <a:r>
-              <a:rPr lang="ko-KR" altLang="en-US" dirty="0" smtClean="0"/>
+              <a:rPr lang="ko-KR" altLang="en-US" dirty="0"/>
               <a:t> 클라이언트로 보내는 정보</a:t>
             </a:r>
-            <a:endParaRPr lang="en-US" altLang="ko-KR" dirty="0" smtClean="0"/>
-          </a:p>
-          <a:p>
-            <a:r>
-              <a:rPr lang="ko-KR" altLang="en-US" dirty="0" smtClean="0"/>
+            <a:endParaRPr lang="en-US" altLang="ko-KR" dirty="0"/>
+          </a:p>
+          <a:p>
+            <a:r>
+              <a:rPr lang="ko-KR" altLang="en-US" dirty="0"/>
               <a:t>응답정보 구조</a:t>
             </a:r>
-            <a:endParaRPr lang="ko-KR" altLang="en-US" dirty="0"/>
           </a:p>
         </p:txBody>
       </p:sp>
@@ -8424,14 +9098,13 @@
               <a:defRPr/>
             </a:pPr>
             <a:r>
-              <a:rPr lang="en-US" altLang="ko-KR" sz="2000" dirty="0" smtClean="0"/>
+              <a:rPr lang="en-US" altLang="ko-KR" sz="2000" dirty="0"/>
               <a:t>1.4 HTTP </a:t>
             </a:r>
             <a:r>
-              <a:rPr lang="ko-KR" altLang="en-US" sz="2000" dirty="0" smtClean="0"/>
+              <a:rPr lang="ko-KR" altLang="en-US" sz="2000" dirty="0"/>
               <a:t>프로토콜의 이해</a:t>
             </a:r>
-            <a:endParaRPr lang="ko-KR" altLang="en-US" sz="2000" dirty="0"/>
           </a:p>
         </p:txBody>
       </p:sp>
@@ -8440,13 +9113,6 @@
   <p:clrMapOvr>
     <a:masterClrMapping/>
   </p:clrMapOvr>
-  <p:timing>
-    <p:tnLst>
-      <p:par>
-        <p:cTn id="1" dur="indefinite" restart="never" nodeType="tmRoot"/>
-      </p:par>
-    </p:tnLst>
-  </p:timing>
 </p:sld>
 </file>
 
@@ -8477,9 +9143,7 @@
             <p:ph type="title"/>
           </p:nvPr>
         </p:nvSpPr>
-        <p:spPr>
-          <a:extLst/>
-        </p:spPr>
+        <p:spPr/>
         <p:txBody>
           <a:bodyPr/>
           <a:lstStyle/>
@@ -8491,14 +9155,13 @@
               <a:defRPr/>
             </a:pPr>
             <a:r>
-              <a:rPr altLang="ko-KR" dirty="0" smtClean="0"/>
+              <a:rPr altLang="ko-KR" dirty="0"/>
               <a:t>1. </a:t>
             </a:r>
             <a:r>
-              <a:rPr lang="ko-KR" altLang="en-US" dirty="0" smtClean="0"/>
+              <a:rPr lang="ko-KR" altLang="en-US" dirty="0"/>
               <a:t>자바와 웹</a:t>
             </a:r>
-            <a:endParaRPr lang="ko-KR" altLang="en-US" dirty="0"/>
           </a:p>
         </p:txBody>
       </p:sp>
@@ -8523,7 +9186,7 @@
           <a:lstStyle/>
           <a:p>
             <a:pPr eaLnBrk="1" hangingPunct="1"/>
-            <a:endParaRPr lang="ko-KR" altLang="en-US" dirty="0" smtClean="0"/>
+            <a:endParaRPr lang="ko-KR" altLang="en-US" dirty="0"/>
           </a:p>
         </p:txBody>
       </p:sp>
@@ -8561,13 +9224,6 @@
   <p:clrMapOvr>
     <a:masterClrMapping/>
   </p:clrMapOvr>
-  <p:timing>
-    <p:tnLst>
-      <p:par>
-        <p:cTn id="1" dur="indefinite" restart="never" nodeType="tmRoot"/>
-      </p:par>
-    </p:tnLst>
-  </p:timing>
 </p:sld>
 </file>
 
@@ -8605,7 +9261,7 @@
           <a:p>
             <a:pPr eaLnBrk="1" hangingPunct="1"/>
             <a:r>
-              <a:rPr lang="ko-KR" altLang="en-US" smtClean="0"/>
+              <a:rPr lang="ko-KR" altLang="en-US"/>
               <a:t>상태 코드</a:t>
             </a:r>
           </a:p>
@@ -8628,52 +9284,52 @@
           <a:p>
             <a:pPr eaLnBrk="1" hangingPunct="1"/>
             <a:r>
-              <a:rPr lang="en-US" altLang="ko-KR" smtClean="0"/>
+              <a:rPr lang="en-US" altLang="ko-KR"/>
               <a:t>200  OK</a:t>
             </a:r>
           </a:p>
           <a:p>
             <a:pPr eaLnBrk="1" hangingPunct="1"/>
             <a:r>
-              <a:rPr lang="en-US" altLang="ko-KR" smtClean="0"/>
+              <a:rPr lang="en-US" altLang="ko-KR"/>
               <a:t>400 Bad Request</a:t>
             </a:r>
           </a:p>
           <a:p>
             <a:pPr eaLnBrk="1" hangingPunct="1"/>
             <a:r>
-              <a:rPr lang="en-US" altLang="ko-KR" smtClean="0"/>
+              <a:rPr lang="en-US" altLang="ko-KR"/>
               <a:t>401 Unauthorized</a:t>
             </a:r>
           </a:p>
           <a:p>
             <a:pPr eaLnBrk="1" hangingPunct="1"/>
             <a:r>
-              <a:rPr lang="en-US" altLang="ko-KR" smtClean="0"/>
+              <a:rPr lang="en-US" altLang="ko-KR"/>
               <a:t>403 Forbidden</a:t>
             </a:r>
           </a:p>
           <a:p>
             <a:pPr eaLnBrk="1" hangingPunct="1"/>
             <a:r>
-              <a:rPr lang="en-US" altLang="ko-KR" smtClean="0"/>
+              <a:rPr lang="en-US" altLang="ko-KR"/>
               <a:t>404 Not Found</a:t>
             </a:r>
           </a:p>
           <a:p>
             <a:pPr eaLnBrk="1" hangingPunct="1"/>
             <a:r>
-              <a:rPr lang="en-US" altLang="ko-KR" smtClean="0"/>
+              <a:rPr lang="en-US" altLang="ko-KR"/>
               <a:t>405 Method Not Allowed</a:t>
             </a:r>
           </a:p>
           <a:p>
             <a:pPr eaLnBrk="1" hangingPunct="1"/>
             <a:r>
-              <a:rPr lang="en-US" altLang="ko-KR" smtClean="0"/>
+              <a:rPr lang="en-US" altLang="ko-KR"/>
               <a:t>500 Internal Server Error</a:t>
             </a:r>
-            <a:endParaRPr lang="ko-KR" altLang="en-US" smtClean="0"/>
+            <a:endParaRPr lang="ko-KR" altLang="en-US"/>
           </a:p>
         </p:txBody>
       </p:sp>
@@ -8737,14 +9393,13 @@
               <a:defRPr/>
             </a:pPr>
             <a:r>
-              <a:rPr lang="en-US" altLang="ko-KR" sz="2000" dirty="0" smtClean="0"/>
+              <a:rPr lang="en-US" altLang="ko-KR" sz="2000" dirty="0"/>
               <a:t>1.4 HTTP </a:t>
             </a:r>
             <a:r>
-              <a:rPr lang="ko-KR" altLang="en-US" sz="2000" dirty="0" smtClean="0"/>
+              <a:rPr lang="ko-KR" altLang="en-US" sz="2000" dirty="0"/>
               <a:t>프로토콜의 이해</a:t>
             </a:r>
-            <a:endParaRPr lang="ko-KR" altLang="en-US" sz="2000" dirty="0"/>
           </a:p>
         </p:txBody>
       </p:sp>
@@ -8777,18 +9432,62 @@
           </a:p>
         </p:txBody>
       </p:sp>
+      <mc:AlternateContent xmlns:mc="http://schemas.openxmlformats.org/markup-compatibility/2006">
+        <mc:Choice xmlns:p14="http://schemas.microsoft.com/office/powerpoint/2010/main" Requires="p14">
+          <p:contentPart p14:bwMode="auto" r:id="rId2">
+            <p14:nvContentPartPr>
+              <p14:cNvPr id="2" name="잉크 1">
+                <a:extLst>
+                  <a:ext uri="{FF2B5EF4-FFF2-40B4-BE49-F238E27FC236}">
+                    <a16:creationId xmlns:a16="http://schemas.microsoft.com/office/drawing/2014/main" id="{285FA6CA-F973-48E0-A4B1-16356B457488}"/>
+                  </a:ext>
+                </a:extLst>
+              </p14:cNvPr>
+              <p14:cNvContentPartPr/>
+              <p14:nvPr/>
+            </p14:nvContentPartPr>
+            <p14:xfrm>
+              <a:off x="1479600" y="4108320"/>
+              <a:ext cx="1365480" cy="45000"/>
+            </p14:xfrm>
+          </p:contentPart>
+        </mc:Choice>
+        <mc:Fallback>
+          <p:pic>
+            <p:nvPicPr>
+              <p:cNvPr id="2" name="잉크 1">
+                <a:extLst>
+                  <a:ext uri="{FF2B5EF4-FFF2-40B4-BE49-F238E27FC236}">
+                    <a16:creationId xmlns:a16="http://schemas.microsoft.com/office/drawing/2014/main" id="{285FA6CA-F973-48E0-A4B1-16356B457488}"/>
+                  </a:ext>
+                </a:extLst>
+              </p:cNvPr>
+              <p:cNvPicPr/>
+              <p:nvPr/>
+            </p:nvPicPr>
+            <p:blipFill>
+              <a:blip r:embed="rId3"/>
+              <a:stretch>
+                <a:fillRect/>
+              </a:stretch>
+            </p:blipFill>
+            <p:spPr>
+              <a:xfrm>
+                <a:off x="1463760" y="4044960"/>
+                <a:ext cx="1396800" cy="171720"/>
+              </a:xfrm>
+              <a:prstGeom prst="rect">
+                <a:avLst/>
+              </a:prstGeom>
+            </p:spPr>
+          </p:pic>
+        </mc:Fallback>
+      </mc:AlternateContent>
     </p:spTree>
   </p:cSld>
   <p:clrMapOvr>
     <a:masterClrMapping/>
   </p:clrMapOvr>
-  <p:timing>
-    <p:tnLst>
-      <p:par>
-        <p:cTn id="1" dur="indefinite" restart="never" nodeType="tmRoot"/>
-      </p:par>
-    </p:tnLst>
-  </p:timing>
 </p:sld>
 </file>
 
@@ -8824,7 +9523,6 @@
             <a:off x="467544" y="323528"/>
             <a:ext cx="8305800" cy="1143000"/>
           </a:xfrm>
-          <a:extLst/>
         </p:spPr>
         <p:txBody>
           <a:bodyPr/>
@@ -8837,10 +9535,9 @@
               <a:defRPr/>
             </a:pPr>
             <a:r>
-              <a:rPr lang="ko-KR" altLang="en-US" dirty="0" smtClean="0"/>
+              <a:rPr lang="ko-KR" altLang="en-US" dirty="0"/>
               <a:t>응답정보 헤더</a:t>
             </a:r>
-            <a:endParaRPr lang="ko-KR" altLang="en-US" dirty="0"/>
           </a:p>
         </p:txBody>
       </p:sp>
@@ -8968,14 +9665,13 @@
               <a:defRPr/>
             </a:pPr>
             <a:r>
-              <a:rPr lang="en-US" altLang="ko-KR" sz="2000" dirty="0" smtClean="0"/>
+              <a:rPr lang="en-US" altLang="ko-KR" sz="2000" dirty="0"/>
               <a:t>1.4 HTTP </a:t>
             </a:r>
             <a:r>
-              <a:rPr lang="ko-KR" altLang="en-US" sz="2000" dirty="0" smtClean="0"/>
+              <a:rPr lang="ko-KR" altLang="en-US" sz="2000" dirty="0"/>
               <a:t>프로토콜의 이해</a:t>
             </a:r>
-            <a:endParaRPr lang="ko-KR" altLang="en-US" sz="2000" dirty="0"/>
           </a:p>
         </p:txBody>
       </p:sp>
@@ -9183,13 +9879,6 @@
   <p:clrMapOvr>
     <a:masterClrMapping/>
   </p:clrMapOvr>
-  <p:timing>
-    <p:tnLst>
-      <p:par>
-        <p:cTn id="1" dur="indefinite" restart="never" nodeType="tmRoot"/>
-      </p:par>
-    </p:tnLst>
-  </p:timing>
 </p:sld>
 </file>
 
@@ -9227,11 +9916,11 @@
           <a:p>
             <a:pPr eaLnBrk="1" hangingPunct="1"/>
             <a:r>
-              <a:rPr lang="en-US" altLang="ko-KR" dirty="0" smtClean="0"/>
+              <a:rPr lang="en-US" altLang="ko-KR" dirty="0"/>
               <a:t>1.5 </a:t>
             </a:r>
             <a:r>
-              <a:rPr lang="ko-KR" altLang="en-US" dirty="0" smtClean="0"/>
+              <a:rPr lang="ko-KR" altLang="en-US" dirty="0"/>
               <a:t>개발 환경 구축</a:t>
             </a:r>
           </a:p>
@@ -9266,14 +9955,14 @@
               <a:defRPr/>
             </a:pPr>
             <a:r>
-              <a:rPr lang="en-US" altLang="ko-KR" dirty="0" smtClean="0"/>
+              <a:rPr lang="en-US" altLang="ko-KR" dirty="0"/>
               <a:t>JDK </a:t>
             </a:r>
             <a:r>
-              <a:rPr lang="ko-KR" altLang="en-US" dirty="0" smtClean="0"/>
+              <a:rPr lang="ko-KR" altLang="en-US" dirty="0"/>
               <a:t>설치하기</a:t>
             </a:r>
-            <a:endParaRPr lang="en-US" altLang="ko-KR" dirty="0" smtClean="0"/>
+            <a:endParaRPr lang="en-US" altLang="ko-KR" dirty="0"/>
           </a:p>
           <a:p>
             <a:pPr marL="514350" indent="-514350" eaLnBrk="1" fontAlgn="auto" hangingPunct="1">
@@ -9288,15 +9977,15 @@
               <a:defRPr/>
             </a:pPr>
             <a:r>
-              <a:rPr lang="en-US" altLang="ko-KR" dirty="0" smtClean="0"/>
+              <a:rPr lang="en-US" altLang="ko-KR" dirty="0"/>
               <a:t>www.oracle.com </a:t>
             </a:r>
             <a:r>
-              <a:rPr lang="ko-KR" altLang="en-US" dirty="0" smtClean="0"/>
+              <a:rPr lang="ko-KR" altLang="en-US" dirty="0"/>
               <a:t>접속</a:t>
             </a:r>
             <a:r>
-              <a:rPr lang="en-US" altLang="ko-KR" dirty="0" smtClean="0"/>
+              <a:rPr lang="en-US" altLang="ko-KR" dirty="0"/>
               <a:t> </a:t>
             </a:r>
             <a:endParaRPr lang="ko-KR" altLang="en-US" dirty="0"/>
@@ -9391,13 +10080,6 @@
   <p:clrMapOvr>
     <a:masterClrMapping/>
   </p:clrMapOvr>
-  <p:timing>
-    <p:tnLst>
-      <p:par>
-        <p:cTn id="1" dur="indefinite" restart="never" nodeType="tmRoot"/>
-      </p:par>
-    </p:tnLst>
-  </p:timing>
 </p:sld>
 </file>
 
@@ -9532,22 +10214,21 @@
               <a:defRPr/>
             </a:pPr>
             <a:r>
-              <a:rPr lang="en-US" altLang="ko-KR" sz="2000" dirty="0" smtClean="0"/>
+              <a:rPr lang="en-US" altLang="ko-KR" sz="2000" dirty="0"/>
               <a:t>1.5 </a:t>
             </a:r>
             <a:r>
-              <a:rPr lang="ko-KR" altLang="en-US" sz="2000" dirty="0" smtClean="0"/>
+              <a:rPr lang="ko-KR" altLang="en-US" sz="2000" dirty="0"/>
               <a:t>개발환경 구축 </a:t>
             </a:r>
             <a:r>
-              <a:rPr lang="en-US" altLang="ko-KR" sz="2000" dirty="0" smtClean="0"/>
+              <a:rPr lang="en-US" altLang="ko-KR" sz="2000" dirty="0"/>
               <a:t>– JDK </a:t>
             </a:r>
             <a:r>
-              <a:rPr lang="ko-KR" altLang="en-US" sz="2000" dirty="0" smtClean="0"/>
+              <a:rPr lang="ko-KR" altLang="en-US" sz="2000" dirty="0"/>
               <a:t>설치</a:t>
             </a:r>
-            <a:endParaRPr lang="ko-KR" altLang="en-US" sz="2000" dirty="0"/>
           </a:p>
         </p:txBody>
       </p:sp>
@@ -9782,13 +10463,6 @@
   <p:clrMapOvr>
     <a:masterClrMapping/>
   </p:clrMapOvr>
-  <p:timing>
-    <p:tnLst>
-      <p:par>
-        <p:cTn id="1" dur="indefinite" restart="never" nodeType="tmRoot"/>
-      </p:par>
-    </p:tnLst>
-  </p:timing>
 </p:sld>
 </file>
 
@@ -9923,11 +10597,11 @@
               <a:defRPr/>
             </a:pPr>
             <a:r>
-              <a:rPr lang="en-US" altLang="ko-KR" sz="2000" dirty="0" smtClean="0"/>
+              <a:rPr lang="en-US" altLang="ko-KR" sz="2000" dirty="0"/>
               <a:t>1.5 </a:t>
             </a:r>
             <a:r>
-              <a:rPr lang="ko-KR" altLang="en-US" sz="2000" dirty="0" smtClean="0"/>
+              <a:rPr lang="ko-KR" altLang="en-US" sz="2000" dirty="0"/>
               <a:t>개발환경 구축</a:t>
             </a:r>
             <a:r>
@@ -9935,10 +10609,9 @@
               <a:t>– JDK </a:t>
             </a:r>
             <a:r>
-              <a:rPr lang="ko-KR" altLang="en-US" sz="2000" dirty="0" smtClean="0"/>
+              <a:rPr lang="ko-KR" altLang="en-US" sz="2000" dirty="0"/>
               <a:t>설치</a:t>
             </a:r>
-            <a:endParaRPr lang="ko-KR" altLang="en-US" sz="2000" dirty="0"/>
           </a:p>
         </p:txBody>
       </p:sp>
@@ -10152,13 +10825,6 @@
   <p:clrMapOvr>
     <a:masterClrMapping/>
   </p:clrMapOvr>
-  <p:timing>
-    <p:tnLst>
-      <p:par>
-        <p:cTn id="1" dur="indefinite" restart="never" nodeType="tmRoot"/>
-      </p:par>
-    </p:tnLst>
-  </p:timing>
 </p:sld>
 </file>
 
@@ -10293,11 +10959,11 @@
               <a:defRPr/>
             </a:pPr>
             <a:r>
-              <a:rPr lang="en-US" altLang="ko-KR" sz="2000" dirty="0" smtClean="0"/>
+              <a:rPr lang="en-US" altLang="ko-KR" sz="2000" dirty="0"/>
               <a:t>1.5 </a:t>
             </a:r>
             <a:r>
-              <a:rPr lang="ko-KR" altLang="en-US" sz="2000" dirty="0" smtClean="0"/>
+              <a:rPr lang="ko-KR" altLang="en-US" sz="2000" dirty="0"/>
               <a:t>개발환경 구축</a:t>
             </a:r>
             <a:r>
@@ -10305,10 +10971,9 @@
               <a:t>– JDK </a:t>
             </a:r>
             <a:r>
-              <a:rPr lang="ko-KR" altLang="en-US" sz="2000" dirty="0" smtClean="0"/>
+              <a:rPr lang="ko-KR" altLang="en-US" sz="2000" dirty="0"/>
               <a:t>설치</a:t>
             </a:r>
-            <a:endParaRPr lang="ko-KR" altLang="en-US" sz="2000" dirty="0"/>
           </a:p>
         </p:txBody>
       </p:sp>
@@ -10522,13 +11187,6 @@
   <p:clrMapOvr>
     <a:masterClrMapping/>
   </p:clrMapOvr>
-  <p:timing>
-    <p:tnLst>
-      <p:par>
-        <p:cTn id="1" dur="indefinite" restart="never" nodeType="tmRoot"/>
-      </p:par>
-    </p:tnLst>
-  </p:timing>
 </p:sld>
 </file>
 
@@ -10717,11 +11375,11 @@
               <a:defRPr/>
             </a:pPr>
             <a:r>
-              <a:rPr lang="en-US" altLang="ko-KR" sz="2000" dirty="0" smtClean="0"/>
+              <a:rPr lang="en-US" altLang="ko-KR" sz="2000" dirty="0"/>
               <a:t>1.5 </a:t>
             </a:r>
             <a:r>
-              <a:rPr lang="ko-KR" altLang="en-US" sz="2000" dirty="0" smtClean="0"/>
+              <a:rPr lang="ko-KR" altLang="en-US" sz="2000" dirty="0"/>
               <a:t>개발환경 구축</a:t>
             </a:r>
             <a:r>
@@ -10729,10 +11387,9 @@
               <a:t>– JDK </a:t>
             </a:r>
             <a:r>
-              <a:rPr lang="ko-KR" altLang="en-US" sz="2000" dirty="0" smtClean="0"/>
+              <a:rPr lang="ko-KR" altLang="en-US" sz="2000" dirty="0"/>
               <a:t>설치</a:t>
             </a:r>
-            <a:endParaRPr lang="ko-KR" altLang="en-US" sz="2000" dirty="0"/>
           </a:p>
         </p:txBody>
       </p:sp>
@@ -10994,13 +11651,6 @@
   <p:clrMapOvr>
     <a:masterClrMapping/>
   </p:clrMapOvr>
-  <p:timing>
-    <p:tnLst>
-      <p:par>
-        <p:cTn id="1" dur="indefinite" restart="never" nodeType="tmRoot"/>
-      </p:par>
-    </p:tnLst>
-  </p:timing>
 </p:sld>
 </file>
 
@@ -11189,22 +11839,21 @@
               <a:defRPr/>
             </a:pPr>
             <a:r>
-              <a:rPr lang="en-US" altLang="ko-KR" sz="2000" dirty="0" smtClean="0"/>
+              <a:rPr lang="en-US" altLang="ko-KR" sz="2000" dirty="0"/>
               <a:t>1.5 </a:t>
             </a:r>
             <a:r>
-              <a:rPr lang="ko-KR" altLang="en-US" sz="2000" dirty="0" smtClean="0"/>
+              <a:rPr lang="ko-KR" altLang="en-US" sz="2000" dirty="0"/>
               <a:t>개발환경 구축 </a:t>
             </a:r>
             <a:r>
-              <a:rPr lang="en-US" altLang="ko-KR" sz="2000" dirty="0" smtClean="0"/>
+              <a:rPr lang="en-US" altLang="ko-KR" sz="2000" dirty="0"/>
               <a:t>– Java </a:t>
             </a:r>
             <a:r>
-              <a:rPr lang="ko-KR" altLang="en-US" sz="2000" dirty="0" smtClean="0"/>
+              <a:rPr lang="ko-KR" altLang="en-US" sz="2000" dirty="0"/>
               <a:t>환경변수 설정</a:t>
             </a:r>
-            <a:endParaRPr lang="ko-KR" altLang="en-US" sz="2000" dirty="0"/>
           </a:p>
         </p:txBody>
       </p:sp>
@@ -11511,13 +12160,6 @@
   <p:clrMapOvr>
     <a:masterClrMapping/>
   </p:clrMapOvr>
-  <p:timing>
-    <p:tnLst>
-      <p:par>
-        <p:cTn id="1" dur="indefinite" restart="never" nodeType="tmRoot"/>
-      </p:par>
-    </p:tnLst>
-  </p:timing>
 </p:sld>
 </file>
 
@@ -11706,30 +12348,29 @@
               <a:defRPr/>
             </a:pPr>
             <a:r>
-              <a:rPr lang="en-US" altLang="ko-KR" sz="2000" dirty="0" smtClean="0"/>
+              <a:rPr lang="en-US" altLang="ko-KR" sz="2000" dirty="0"/>
               <a:t>1.5 </a:t>
             </a:r>
             <a:r>
-              <a:rPr lang="ko-KR" altLang="en-US" sz="2000" dirty="0" smtClean="0"/>
+              <a:rPr lang="ko-KR" altLang="en-US" sz="2000" dirty="0"/>
               <a:t>개발환경 구축 </a:t>
             </a:r>
             <a:r>
-              <a:rPr lang="en-US" altLang="ko-KR" sz="2000" dirty="0" smtClean="0"/>
+              <a:rPr lang="en-US" altLang="ko-KR" sz="2000" dirty="0"/>
               <a:t>– Java </a:t>
             </a:r>
             <a:r>
-              <a:rPr lang="ko-KR" altLang="en-US" sz="2000" dirty="0" smtClean="0"/>
+              <a:rPr lang="ko-KR" altLang="en-US" sz="2000" dirty="0"/>
               <a:t>환경변수 </a:t>
             </a:r>
             <a:r>
-              <a:rPr lang="en-US" altLang="ko-KR" sz="2000" dirty="0" smtClean="0"/>
+              <a:rPr lang="en-US" altLang="ko-KR" sz="2000" dirty="0"/>
               <a:t>JAVA_HOME </a:t>
             </a:r>
             <a:r>
-              <a:rPr lang="ko-KR" altLang="en-US" sz="2000" dirty="0" smtClean="0"/>
+              <a:rPr lang="ko-KR" altLang="en-US" sz="2000" dirty="0"/>
               <a:t>설정</a:t>
             </a:r>
-            <a:endParaRPr lang="ko-KR" altLang="en-US" sz="2000" dirty="0"/>
           </a:p>
         </p:txBody>
       </p:sp>
@@ -12019,13 +12660,6 @@
   <p:clrMapOvr>
     <a:masterClrMapping/>
   </p:clrMapOvr>
-  <p:timing>
-    <p:tnLst>
-      <p:par>
-        <p:cTn id="1" dur="indefinite" restart="never" nodeType="tmRoot"/>
-      </p:par>
-    </p:tnLst>
-  </p:timing>
 </p:sld>
 </file>
 
@@ -12214,30 +12848,29 @@
               <a:defRPr/>
             </a:pPr>
             <a:r>
-              <a:rPr lang="en-US" altLang="ko-KR" sz="2000" dirty="0" smtClean="0"/>
+              <a:rPr lang="en-US" altLang="ko-KR" sz="2000" dirty="0"/>
               <a:t>1.5 </a:t>
             </a:r>
             <a:r>
-              <a:rPr lang="ko-KR" altLang="en-US" sz="2000" dirty="0" smtClean="0"/>
+              <a:rPr lang="ko-KR" altLang="en-US" sz="2000" dirty="0"/>
               <a:t>개발환경 구축 </a:t>
             </a:r>
             <a:r>
-              <a:rPr lang="en-US" altLang="ko-KR" sz="2000" dirty="0" smtClean="0"/>
+              <a:rPr lang="en-US" altLang="ko-KR" sz="2000" dirty="0"/>
               <a:t>– Java </a:t>
             </a:r>
             <a:r>
-              <a:rPr lang="ko-KR" altLang="en-US" sz="2000" dirty="0" smtClean="0"/>
+              <a:rPr lang="ko-KR" altLang="en-US" sz="2000" dirty="0"/>
               <a:t>환경변수 </a:t>
             </a:r>
             <a:r>
-              <a:rPr lang="en-US" altLang="ko-KR" sz="2000" dirty="0" smtClean="0"/>
+              <a:rPr lang="en-US" altLang="ko-KR" sz="2000" dirty="0"/>
               <a:t>PATH </a:t>
             </a:r>
             <a:r>
-              <a:rPr lang="ko-KR" altLang="en-US" sz="2000" dirty="0" smtClean="0"/>
+              <a:rPr lang="ko-KR" altLang="en-US" sz="2000" dirty="0"/>
               <a:t>설정</a:t>
             </a:r>
-            <a:endParaRPr lang="ko-KR" altLang="en-US" sz="2000" dirty="0"/>
           </a:p>
         </p:txBody>
       </p:sp>
@@ -12550,13 +13183,6 @@
   <p:clrMapOvr>
     <a:masterClrMapping/>
   </p:clrMapOvr>
-  <p:timing>
-    <p:tnLst>
-      <p:par>
-        <p:cTn id="1" dur="indefinite" restart="never" nodeType="tmRoot"/>
-      </p:par>
-    </p:tnLst>
-  </p:timing>
 </p:sld>
 </file>
 
@@ -12587,9 +13213,7 @@
             <p:ph type="title"/>
           </p:nvPr>
         </p:nvSpPr>
-        <p:spPr>
-          <a:extLst/>
-        </p:spPr>
+        <p:spPr/>
         <p:txBody>
           <a:bodyPr/>
           <a:lstStyle/>
@@ -12601,14 +13225,13 @@
               <a:defRPr/>
             </a:pPr>
             <a:r>
-              <a:rPr lang="en-US" altLang="ko-KR" dirty="0" smtClean="0"/>
+              <a:rPr lang="en-US" altLang="ko-KR" dirty="0"/>
               <a:t>1.1 </a:t>
             </a:r>
             <a:r>
-              <a:rPr lang="ko-KR" altLang="en-US" dirty="0" smtClean="0"/>
+              <a:rPr lang="ko-KR" altLang="en-US" dirty="0"/>
               <a:t>자바 기술의 동향과 종류</a:t>
             </a:r>
-            <a:endParaRPr lang="ko-KR" altLang="en-US" dirty="0"/>
           </a:p>
         </p:txBody>
       </p:sp>
@@ -12628,48 +13251,48 @@
           <a:lstStyle/>
           <a:p>
             <a:r>
-              <a:rPr lang="en-US" altLang="ko-KR" dirty="0" smtClean="0"/>
+              <a:rPr lang="en-US" altLang="ko-KR" dirty="0"/>
               <a:t>1995</a:t>
             </a:r>
             <a:r>
-              <a:rPr lang="ko-KR" altLang="en-US" dirty="0" smtClean="0"/>
+              <a:rPr lang="ko-KR" altLang="en-US" dirty="0"/>
               <a:t>년 </a:t>
             </a:r>
             <a:r>
-              <a:rPr lang="en-US" altLang="ko-KR" dirty="0" smtClean="0"/>
+              <a:rPr lang="en-US" altLang="ko-KR" dirty="0"/>
               <a:t>1.0 </a:t>
             </a:r>
             <a:r>
-              <a:rPr lang="ko-KR" altLang="en-US" dirty="0" smtClean="0"/>
+              <a:rPr lang="ko-KR" altLang="en-US" dirty="0"/>
               <a:t>최초 발표</a:t>
             </a:r>
-            <a:endParaRPr lang="en-US" altLang="ko-KR" dirty="0" smtClean="0"/>
-          </a:p>
-          <a:p>
-            <a:r>
-              <a:rPr lang="en-US" altLang="ko-KR" dirty="0" smtClean="0"/>
+            <a:endParaRPr lang="en-US" altLang="ko-KR" dirty="0"/>
+          </a:p>
+          <a:p>
+            <a:r>
+              <a:rPr lang="en-US" altLang="ko-KR" dirty="0"/>
               <a:t>WORA </a:t>
             </a:r>
             <a:r>
-              <a:rPr lang="ko-KR" altLang="en-US" dirty="0" smtClean="0"/>
+              <a:rPr lang="ko-KR" altLang="en-US" dirty="0"/>
               <a:t>모토를 가진 플랫폼에 독립적인 언어</a:t>
             </a:r>
-            <a:endParaRPr lang="en-US" altLang="ko-KR" dirty="0" smtClean="0"/>
-          </a:p>
-          <a:p>
-            <a:r>
-              <a:rPr lang="ko-KR" altLang="en-US" dirty="0" smtClean="0"/>
+            <a:endParaRPr lang="en-US" altLang="ko-KR" dirty="0"/>
+          </a:p>
+          <a:p>
+            <a:r>
+              <a:rPr lang="ko-KR" altLang="en-US" dirty="0"/>
               <a:t>현재 </a:t>
             </a:r>
             <a:r>
-              <a:rPr lang="en-US" altLang="ko-KR" dirty="0" smtClean="0"/>
+              <a:rPr lang="en-US" altLang="ko-KR" dirty="0"/>
               <a:t>java8 </a:t>
             </a:r>
             <a:r>
-              <a:rPr lang="ko-KR" altLang="en-US" dirty="0" smtClean="0"/>
+              <a:rPr lang="ko-KR" altLang="en-US" dirty="0"/>
               <a:t>버전까지 출시</a:t>
             </a:r>
-            <a:endParaRPr lang="en-US" altLang="ko-KR" dirty="0" smtClean="0"/>
+            <a:endParaRPr lang="en-US" altLang="ko-KR" dirty="0"/>
           </a:p>
           <a:p>
             <a:endParaRPr lang="ko-KR" altLang="en-US" dirty="0"/>
@@ -12819,14 +13442,13 @@
               <a:defRPr/>
             </a:pPr>
             <a:r>
-              <a:rPr lang="en-US" altLang="ko-KR" sz="2000" dirty="0" smtClean="0"/>
+              <a:rPr lang="en-US" altLang="ko-KR" sz="2000" dirty="0"/>
               <a:t>1.1 </a:t>
             </a:r>
             <a:r>
-              <a:rPr lang="ko-KR" altLang="en-US" sz="2000" dirty="0" smtClean="0"/>
+              <a:rPr lang="ko-KR" altLang="en-US" sz="2000" dirty="0"/>
               <a:t>자바 기술의 동향과 종류</a:t>
             </a:r>
-            <a:endParaRPr lang="ko-KR" altLang="en-US" sz="2000" dirty="0"/>
           </a:p>
         </p:txBody>
       </p:sp>
@@ -12835,13 +13457,6 @@
   <p:clrMapOvr>
     <a:masterClrMapping/>
   </p:clrMapOvr>
-  <p:timing>
-    <p:tnLst>
-      <p:par>
-        <p:cTn id="1" dur="indefinite" restart="never" nodeType="tmRoot"/>
-      </p:par>
-    </p:tnLst>
-  </p:timing>
 </p:sld>
 </file>
 
@@ -12976,22 +13591,21 @@
               <a:defRPr/>
             </a:pPr>
             <a:r>
-              <a:rPr lang="en-US" altLang="ko-KR" sz="2000" dirty="0" smtClean="0"/>
+              <a:rPr lang="en-US" altLang="ko-KR" sz="2000" dirty="0"/>
               <a:t>1.5 </a:t>
             </a:r>
             <a:r>
-              <a:rPr lang="ko-KR" altLang="en-US" sz="2000" dirty="0" smtClean="0"/>
+              <a:rPr lang="ko-KR" altLang="en-US" sz="2000" dirty="0"/>
               <a:t>개발환경 구축 </a:t>
             </a:r>
             <a:r>
-              <a:rPr lang="en-US" altLang="ko-KR" sz="2000" dirty="0" smtClean="0"/>
+              <a:rPr lang="en-US" altLang="ko-KR" sz="2000" dirty="0"/>
               <a:t>– TOMCAT </a:t>
             </a:r>
             <a:r>
-              <a:rPr lang="ko-KR" altLang="en-US" sz="2000" dirty="0" smtClean="0"/>
+              <a:rPr lang="ko-KR" altLang="en-US" sz="2000" dirty="0"/>
               <a:t>설치</a:t>
             </a:r>
-            <a:endParaRPr lang="ko-KR" altLang="en-US" sz="2000" dirty="0"/>
           </a:p>
         </p:txBody>
       </p:sp>
@@ -13029,14 +13643,14 @@
               <a:defRPr/>
             </a:pPr>
             <a:r>
-              <a:rPr lang="en-US" altLang="ko-KR" dirty="0" smtClean="0"/>
+              <a:rPr lang="en-US" altLang="ko-KR" dirty="0"/>
               <a:t>TOMCAT </a:t>
             </a:r>
             <a:r>
-              <a:rPr lang="ko-KR" altLang="en-US" dirty="0" smtClean="0"/>
+              <a:rPr lang="ko-KR" altLang="en-US" dirty="0"/>
               <a:t>설치하기</a:t>
             </a:r>
-            <a:endParaRPr lang="en-US" altLang="ko-KR" dirty="0" smtClean="0"/>
+            <a:endParaRPr lang="en-US" altLang="ko-KR" dirty="0"/>
           </a:p>
           <a:p>
             <a:pPr marL="514350" indent="-514350" eaLnBrk="1" fontAlgn="auto" hangingPunct="1">
@@ -13051,15 +13665,15 @@
               <a:defRPr/>
             </a:pPr>
             <a:r>
-              <a:rPr lang="en-US" altLang="ko-KR" dirty="0" smtClean="0"/>
+              <a:rPr lang="en-US" altLang="ko-KR" dirty="0"/>
               <a:t>tomcat.apache.org </a:t>
             </a:r>
             <a:r>
-              <a:rPr lang="ko-KR" altLang="en-US" dirty="0" smtClean="0"/>
+              <a:rPr lang="ko-KR" altLang="en-US" dirty="0"/>
               <a:t>접속</a:t>
             </a:r>
             <a:r>
-              <a:rPr lang="en-US" altLang="ko-KR" dirty="0" smtClean="0"/>
+              <a:rPr lang="en-US" altLang="ko-KR" dirty="0"/>
               <a:t> </a:t>
             </a:r>
             <a:endParaRPr lang="ko-KR" altLang="en-US" dirty="0"/>
@@ -13100,13 +13714,6 @@
   <p:clrMapOvr>
     <a:masterClrMapping/>
   </p:clrMapOvr>
-  <p:timing>
-    <p:tnLst>
-      <p:par>
-        <p:cTn id="1" dur="indefinite" restart="never" nodeType="tmRoot"/>
-      </p:par>
-    </p:tnLst>
-  </p:timing>
 </p:sld>
 </file>
 
@@ -13241,22 +13848,21 @@
               <a:defRPr/>
             </a:pPr>
             <a:r>
-              <a:rPr lang="en-US" altLang="ko-KR" sz="2000" dirty="0" smtClean="0"/>
+              <a:rPr lang="en-US" altLang="ko-KR" sz="2000" dirty="0"/>
               <a:t>1.5 </a:t>
             </a:r>
             <a:r>
-              <a:rPr lang="ko-KR" altLang="en-US" sz="2000" dirty="0" smtClean="0"/>
+              <a:rPr lang="ko-KR" altLang="en-US" sz="2000" dirty="0"/>
               <a:t>개발환경 구축 </a:t>
             </a:r>
             <a:r>
-              <a:rPr lang="en-US" altLang="ko-KR" sz="2000" dirty="0" smtClean="0"/>
+              <a:rPr lang="en-US" altLang="ko-KR" sz="2000" dirty="0"/>
               <a:t>– TOMCAT </a:t>
             </a:r>
             <a:r>
-              <a:rPr lang="ko-KR" altLang="en-US" sz="2000" dirty="0" smtClean="0"/>
+              <a:rPr lang="ko-KR" altLang="en-US" sz="2000" dirty="0"/>
               <a:t>설치</a:t>
             </a:r>
-            <a:endParaRPr lang="ko-KR" altLang="en-US" sz="2000" dirty="0"/>
           </a:p>
         </p:txBody>
       </p:sp>
@@ -13470,13 +14076,6 @@
   <p:clrMapOvr>
     <a:masterClrMapping/>
   </p:clrMapOvr>
-  <p:timing>
-    <p:tnLst>
-      <p:par>
-        <p:cTn id="1" dur="indefinite" restart="never" nodeType="tmRoot"/>
-      </p:par>
-    </p:tnLst>
-  </p:timing>
 </p:sld>
 </file>
 
@@ -13779,18 +14378,18 @@
               <a:defRPr/>
             </a:pPr>
             <a:r>
-              <a:rPr lang="ko-KR" altLang="en-US" dirty="0" err="1" smtClean="0"/>
+              <a:rPr lang="ko-KR" altLang="en-US" dirty="0" err="1"/>
               <a:t>이클립스</a:t>
             </a:r>
             <a:r>
-              <a:rPr lang="en-US" altLang="ko-KR" dirty="0" smtClean="0"/>
+              <a:rPr lang="en-US" altLang="ko-KR" dirty="0"/>
               <a:t> </a:t>
             </a:r>
             <a:r>
-              <a:rPr lang="ko-KR" altLang="en-US" dirty="0" smtClean="0"/>
+              <a:rPr lang="ko-KR" altLang="en-US" dirty="0"/>
               <a:t>설치하기</a:t>
             </a:r>
-            <a:endParaRPr lang="en-US" altLang="ko-KR" dirty="0" smtClean="0"/>
+            <a:endParaRPr lang="en-US" altLang="ko-KR" dirty="0"/>
           </a:p>
           <a:p>
             <a:pPr marL="514350" indent="-514350" fontAlgn="auto">
@@ -13802,27 +14401,27 @@
               <a:defRPr/>
             </a:pPr>
             <a:r>
-              <a:rPr lang="en-US" altLang="ko-KR" dirty="0" smtClean="0"/>
+              <a:rPr lang="en-US" altLang="ko-KR" dirty="0"/>
               <a:t>www.eclipse.org </a:t>
             </a:r>
             <a:r>
-              <a:rPr lang="ko-KR" altLang="en-US" dirty="0" err="1" smtClean="0"/>
+              <a:rPr lang="ko-KR" altLang="en-US" dirty="0" err="1"/>
               <a:t>접속후</a:t>
             </a:r>
             <a:r>
-              <a:rPr lang="ko-KR" altLang="en-US" dirty="0" smtClean="0"/>
+              <a:rPr lang="ko-KR" altLang="en-US" dirty="0"/>
               <a:t> </a:t>
             </a:r>
             <a:r>
-              <a:rPr lang="en-US" altLang="ko-KR" dirty="0" smtClean="0"/>
+              <a:rPr lang="en-US" altLang="ko-KR" dirty="0"/>
               <a:t>[DOWNLOAD]</a:t>
             </a:r>
             <a:r>
-              <a:rPr lang="ko-KR" altLang="en-US" dirty="0" smtClean="0"/>
+              <a:rPr lang="ko-KR" altLang="en-US" dirty="0"/>
               <a:t>선택</a:t>
             </a:r>
             <a:r>
-              <a:rPr lang="en-US" altLang="ko-KR" dirty="0" smtClean="0"/>
+              <a:rPr lang="en-US" altLang="ko-KR" dirty="0"/>
               <a:t> </a:t>
             </a:r>
             <a:endParaRPr lang="ko-KR" altLang="en-US" dirty="0"/>
@@ -13889,30 +14488,29 @@
               <a:defRPr/>
             </a:pPr>
             <a:r>
-              <a:rPr lang="en-US" altLang="ko-KR" sz="2000" dirty="0" smtClean="0"/>
+              <a:rPr lang="en-US" altLang="ko-KR" sz="2000" dirty="0"/>
               <a:t>1.5 </a:t>
             </a:r>
             <a:r>
-              <a:rPr lang="ko-KR" altLang="en-US" sz="2000" dirty="0" smtClean="0"/>
+              <a:rPr lang="ko-KR" altLang="en-US" sz="2000" dirty="0"/>
               <a:t>개발환경 구축 </a:t>
             </a:r>
             <a:r>
-              <a:rPr lang="en-US" altLang="ko-KR" sz="2000" dirty="0" smtClean="0"/>
+              <a:rPr lang="en-US" altLang="ko-KR" sz="2000" dirty="0"/>
               <a:t>– </a:t>
             </a:r>
             <a:r>
-              <a:rPr lang="ko-KR" altLang="en-US" sz="2000" dirty="0" err="1" smtClean="0"/>
+              <a:rPr lang="ko-KR" altLang="en-US" sz="2000" dirty="0" err="1"/>
               <a:t>이클립스</a:t>
             </a:r>
             <a:r>
-              <a:rPr lang="en-US" altLang="ko-KR" sz="2000" dirty="0" smtClean="0"/>
+              <a:rPr lang="en-US" altLang="ko-KR" sz="2000" dirty="0"/>
               <a:t> </a:t>
             </a:r>
             <a:r>
-              <a:rPr lang="ko-KR" altLang="en-US" sz="2000" dirty="0" smtClean="0"/>
+              <a:rPr lang="ko-KR" altLang="en-US" sz="2000" dirty="0"/>
               <a:t>설치</a:t>
             </a:r>
-            <a:endParaRPr lang="ko-KR" altLang="en-US" sz="2000" dirty="0"/>
           </a:p>
         </p:txBody>
       </p:sp>
@@ -13921,13 +14519,6 @@
   <p:clrMapOvr>
     <a:masterClrMapping/>
   </p:clrMapOvr>
-  <p:timing>
-    <p:tnLst>
-      <p:par>
-        <p:cTn id="1" dur="indefinite" restart="never" nodeType="tmRoot"/>
-      </p:par>
-    </p:tnLst>
-  </p:timing>
 </p:sld>
 </file>
 
@@ -14091,30 +14682,29 @@
               <a:defRPr/>
             </a:pPr>
             <a:r>
-              <a:rPr lang="en-US" altLang="ko-KR" sz="2000" dirty="0" smtClean="0"/>
+              <a:rPr lang="en-US" altLang="ko-KR" sz="2000" dirty="0"/>
               <a:t>1.5 </a:t>
             </a:r>
             <a:r>
-              <a:rPr lang="ko-KR" altLang="en-US" sz="2000" dirty="0" smtClean="0"/>
+              <a:rPr lang="ko-KR" altLang="en-US" sz="2000" dirty="0"/>
               <a:t>개발환경 구축 </a:t>
             </a:r>
             <a:r>
-              <a:rPr lang="en-US" altLang="ko-KR" sz="2000" dirty="0" smtClean="0"/>
+              <a:rPr lang="en-US" altLang="ko-KR" sz="2000" dirty="0"/>
               <a:t>– </a:t>
             </a:r>
             <a:r>
-              <a:rPr lang="ko-KR" altLang="en-US" sz="2000" dirty="0" err="1" smtClean="0"/>
+              <a:rPr lang="ko-KR" altLang="en-US" sz="2000" dirty="0" err="1"/>
               <a:t>이클립스</a:t>
             </a:r>
             <a:r>
-              <a:rPr lang="en-US" altLang="ko-KR" sz="2000" dirty="0" smtClean="0"/>
+              <a:rPr lang="en-US" altLang="ko-KR" sz="2000" dirty="0"/>
               <a:t> </a:t>
             </a:r>
             <a:r>
-              <a:rPr lang="ko-KR" altLang="en-US" sz="2000" dirty="0" smtClean="0"/>
+              <a:rPr lang="ko-KR" altLang="en-US" sz="2000" dirty="0"/>
               <a:t>설치</a:t>
             </a:r>
-            <a:endParaRPr lang="ko-KR" altLang="en-US" sz="2000" dirty="0"/>
           </a:p>
         </p:txBody>
       </p:sp>
@@ -14299,13 +14889,6 @@
   <p:clrMapOvr>
     <a:masterClrMapping/>
   </p:clrMapOvr>
-  <p:timing>
-    <p:tnLst>
-      <p:par>
-        <p:cTn id="1" dur="indefinite" restart="never" nodeType="tmRoot"/>
-      </p:par>
-    </p:tnLst>
-  </p:timing>
 </p:sld>
 </file>
 
@@ -14469,30 +15052,29 @@
               <a:defRPr/>
             </a:pPr>
             <a:r>
-              <a:rPr lang="en-US" altLang="ko-KR" sz="2000" dirty="0" smtClean="0"/>
+              <a:rPr lang="en-US" altLang="ko-KR" sz="2000" dirty="0"/>
               <a:t>1.5 </a:t>
             </a:r>
             <a:r>
-              <a:rPr lang="ko-KR" altLang="en-US" sz="2000" dirty="0" smtClean="0"/>
+              <a:rPr lang="ko-KR" altLang="en-US" sz="2000" dirty="0"/>
               <a:t>개발환경 구축 </a:t>
             </a:r>
             <a:r>
-              <a:rPr lang="en-US" altLang="ko-KR" sz="2000" dirty="0" smtClean="0"/>
+              <a:rPr lang="en-US" altLang="ko-KR" sz="2000" dirty="0"/>
               <a:t>– </a:t>
             </a:r>
             <a:r>
-              <a:rPr lang="ko-KR" altLang="en-US" sz="2000" dirty="0" err="1" smtClean="0"/>
+              <a:rPr lang="ko-KR" altLang="en-US" sz="2000" dirty="0" err="1"/>
               <a:t>이클립스</a:t>
             </a:r>
             <a:r>
-              <a:rPr lang="en-US" altLang="ko-KR" sz="2000" dirty="0" smtClean="0"/>
+              <a:rPr lang="en-US" altLang="ko-KR" sz="2000" dirty="0"/>
               <a:t> </a:t>
             </a:r>
             <a:r>
-              <a:rPr lang="ko-KR" altLang="en-US" sz="2000" dirty="0" smtClean="0"/>
+              <a:rPr lang="ko-KR" altLang="en-US" sz="2000" dirty="0"/>
               <a:t>설치</a:t>
             </a:r>
-            <a:endParaRPr lang="ko-KR" altLang="en-US" sz="2000" dirty="0"/>
           </a:p>
         </p:txBody>
       </p:sp>
@@ -14677,13 +15259,6 @@
   <p:clrMapOvr>
     <a:masterClrMapping/>
   </p:clrMapOvr>
-  <p:timing>
-    <p:tnLst>
-      <p:par>
-        <p:cTn id="1" dur="indefinite" restart="never" nodeType="tmRoot"/>
-      </p:par>
-    </p:tnLst>
-  </p:timing>
 </p:sld>
 </file>
 
@@ -14847,30 +15422,29 @@
               <a:defRPr/>
             </a:pPr>
             <a:r>
-              <a:rPr lang="en-US" altLang="ko-KR" sz="2000" dirty="0" smtClean="0"/>
+              <a:rPr lang="en-US" altLang="ko-KR" sz="2000" dirty="0"/>
               <a:t>1.5 </a:t>
             </a:r>
             <a:r>
-              <a:rPr lang="ko-KR" altLang="en-US" sz="2000" dirty="0" smtClean="0"/>
+              <a:rPr lang="ko-KR" altLang="en-US" sz="2000" dirty="0"/>
               <a:t>개발환경 구축 </a:t>
             </a:r>
             <a:r>
-              <a:rPr lang="en-US" altLang="ko-KR" sz="2000" dirty="0" smtClean="0"/>
+              <a:rPr lang="en-US" altLang="ko-KR" sz="2000" dirty="0"/>
               <a:t>– </a:t>
             </a:r>
             <a:r>
-              <a:rPr lang="ko-KR" altLang="en-US" sz="2000" dirty="0" err="1" smtClean="0"/>
+              <a:rPr lang="ko-KR" altLang="en-US" sz="2000" dirty="0" err="1"/>
               <a:t>이클립스</a:t>
             </a:r>
             <a:r>
-              <a:rPr lang="en-US" altLang="ko-KR" sz="2000" dirty="0" smtClean="0"/>
+              <a:rPr lang="en-US" altLang="ko-KR" sz="2000" dirty="0"/>
               <a:t> </a:t>
             </a:r>
             <a:r>
-              <a:rPr lang="ko-KR" altLang="en-US" sz="2000" dirty="0" smtClean="0"/>
+              <a:rPr lang="ko-KR" altLang="en-US" sz="2000" dirty="0"/>
               <a:t>설치</a:t>
             </a:r>
-            <a:endParaRPr lang="ko-KR" altLang="en-US" sz="2000" dirty="0"/>
           </a:p>
         </p:txBody>
       </p:sp>
@@ -15225,13 +15799,6 @@
   <p:clrMapOvr>
     <a:masterClrMapping/>
   </p:clrMapOvr>
-  <p:timing>
-    <p:tnLst>
-      <p:par>
-        <p:cTn id="1" dur="indefinite" restart="never" nodeType="tmRoot"/>
-      </p:par>
-    </p:tnLst>
-  </p:timing>
 </p:sld>
 </file>
 
@@ -15449,30 +16016,29 @@
               <a:defRPr/>
             </a:pPr>
             <a:r>
-              <a:rPr lang="en-US" altLang="ko-KR" sz="2000" dirty="0" smtClean="0"/>
+              <a:rPr lang="en-US" altLang="ko-KR" sz="2000" dirty="0"/>
               <a:t>1.5 </a:t>
             </a:r>
             <a:r>
-              <a:rPr lang="ko-KR" altLang="en-US" sz="2000" dirty="0" smtClean="0"/>
+              <a:rPr lang="ko-KR" altLang="en-US" sz="2000" dirty="0"/>
               <a:t>개발환경 구축 </a:t>
             </a:r>
             <a:r>
-              <a:rPr lang="en-US" altLang="ko-KR" sz="2000" dirty="0" smtClean="0"/>
+              <a:rPr lang="en-US" altLang="ko-KR" sz="2000" dirty="0"/>
               <a:t>– </a:t>
             </a:r>
             <a:r>
-              <a:rPr lang="ko-KR" altLang="en-US" sz="2000" dirty="0" err="1" smtClean="0"/>
+              <a:rPr lang="ko-KR" altLang="en-US" sz="2000" dirty="0" err="1"/>
               <a:t>이클립스</a:t>
             </a:r>
             <a:r>
-              <a:rPr lang="en-US" altLang="ko-KR" sz="2000" dirty="0" smtClean="0"/>
+              <a:rPr lang="en-US" altLang="ko-KR" sz="2000" dirty="0"/>
               <a:t> </a:t>
             </a:r>
             <a:r>
-              <a:rPr lang="ko-KR" altLang="en-US" sz="2000" dirty="0" smtClean="0"/>
+              <a:rPr lang="ko-KR" altLang="en-US" sz="2000" dirty="0"/>
               <a:t>설치</a:t>
             </a:r>
-            <a:endParaRPr lang="ko-KR" altLang="en-US" sz="2000" dirty="0"/>
           </a:p>
         </p:txBody>
       </p:sp>
@@ -15651,13 +16217,6 @@
   <p:clrMapOvr>
     <a:masterClrMapping/>
   </p:clrMapOvr>
-  <p:timing>
-    <p:tnLst>
-      <p:par>
-        <p:cTn id="1" dur="indefinite" restart="never" nodeType="tmRoot"/>
-      </p:par>
-    </p:tnLst>
-  </p:timing>
 </p:sld>
 </file>
 
@@ -15875,30 +16434,29 @@
               <a:defRPr/>
             </a:pPr>
             <a:r>
-              <a:rPr lang="en-US" altLang="ko-KR" sz="2000" dirty="0" smtClean="0"/>
+              <a:rPr lang="en-US" altLang="ko-KR" sz="2000" dirty="0"/>
               <a:t>1.5 </a:t>
             </a:r>
             <a:r>
-              <a:rPr lang="ko-KR" altLang="en-US" sz="2000" dirty="0" smtClean="0"/>
+              <a:rPr lang="ko-KR" altLang="en-US" sz="2000" dirty="0"/>
               <a:t>개발환경 구축 </a:t>
             </a:r>
             <a:r>
-              <a:rPr lang="en-US" altLang="ko-KR" sz="2000" dirty="0" smtClean="0"/>
+              <a:rPr lang="en-US" altLang="ko-KR" sz="2000" dirty="0"/>
               <a:t>– </a:t>
             </a:r>
             <a:r>
-              <a:rPr lang="ko-KR" altLang="en-US" sz="2000" dirty="0" err="1" smtClean="0"/>
+              <a:rPr lang="ko-KR" altLang="en-US" sz="2000" dirty="0" err="1"/>
               <a:t>이클립스</a:t>
             </a:r>
             <a:r>
-              <a:rPr lang="en-US" altLang="ko-KR" sz="2000" dirty="0" smtClean="0"/>
+              <a:rPr lang="en-US" altLang="ko-KR" sz="2000" dirty="0"/>
               <a:t> </a:t>
             </a:r>
             <a:r>
-              <a:rPr lang="ko-KR" altLang="en-US" sz="2000" dirty="0" smtClean="0"/>
+              <a:rPr lang="ko-KR" altLang="en-US" sz="2000" dirty="0"/>
               <a:t>실행</a:t>
             </a:r>
-            <a:endParaRPr lang="ko-KR" altLang="en-US" sz="2000" dirty="0"/>
           </a:p>
         </p:txBody>
       </p:sp>
@@ -16227,13 +16785,6 @@
   <p:clrMapOvr>
     <a:masterClrMapping/>
   </p:clrMapOvr>
-  <p:timing>
-    <p:tnLst>
-      <p:par>
-        <p:cTn id="1" dur="indefinite" restart="never" nodeType="tmRoot"/>
-      </p:par>
-    </p:tnLst>
-  </p:timing>
 </p:sld>
 </file>
 
@@ -16343,22 +16894,21 @@
               <a:defRPr/>
             </a:pPr>
             <a:r>
-              <a:rPr lang="en-US" altLang="ko-KR" sz="2000" dirty="0" smtClean="0"/>
+              <a:rPr lang="en-US" altLang="ko-KR" sz="2000" dirty="0"/>
               <a:t>1.5 </a:t>
             </a:r>
             <a:r>
-              <a:rPr lang="ko-KR" altLang="en-US" sz="2000" dirty="0" smtClean="0"/>
+              <a:rPr lang="ko-KR" altLang="en-US" sz="2000" dirty="0"/>
               <a:t>개발환경 구축 </a:t>
             </a:r>
             <a:r>
-              <a:rPr lang="en-US" altLang="ko-KR" sz="2000" dirty="0" smtClean="0"/>
+              <a:rPr lang="en-US" altLang="ko-KR" sz="2000" dirty="0"/>
               <a:t>– </a:t>
             </a:r>
             <a:r>
-              <a:rPr lang="ko-KR" altLang="en-US" sz="2000" dirty="0" smtClean="0"/>
+              <a:rPr lang="ko-KR" altLang="en-US" sz="2000" dirty="0"/>
               <a:t>웹 프로젝트 생성하기</a:t>
             </a:r>
-            <a:endParaRPr lang="ko-KR" altLang="en-US" sz="2000" dirty="0"/>
           </a:p>
         </p:txBody>
       </p:sp>
@@ -16706,22 +17256,21 @@
               <a:defRPr/>
             </a:pPr>
             <a:r>
-              <a:rPr lang="en-US" altLang="ko-KR" sz="2000" dirty="0" smtClean="0"/>
+              <a:rPr lang="en-US" altLang="ko-KR" sz="2000" dirty="0"/>
               <a:t>1.5 </a:t>
             </a:r>
             <a:r>
-              <a:rPr lang="ko-KR" altLang="en-US" sz="2000" dirty="0" smtClean="0"/>
+              <a:rPr lang="ko-KR" altLang="en-US" sz="2000" dirty="0"/>
               <a:t>개발환경 구축 </a:t>
             </a:r>
             <a:r>
-              <a:rPr lang="en-US" altLang="ko-KR" sz="2000" dirty="0" smtClean="0"/>
+              <a:rPr lang="en-US" altLang="ko-KR" sz="2000" dirty="0"/>
               <a:t>– </a:t>
             </a:r>
             <a:r>
-              <a:rPr lang="ko-KR" altLang="en-US" sz="2000" dirty="0" smtClean="0"/>
+              <a:rPr lang="ko-KR" altLang="en-US" sz="2000" dirty="0"/>
               <a:t>웹 프로젝트 생성하기</a:t>
             </a:r>
-            <a:endParaRPr lang="ko-KR" altLang="en-US" sz="2000" dirty="0"/>
           </a:p>
         </p:txBody>
       </p:sp>
@@ -17011,9 +17560,7 @@
             <p:ph type="title"/>
           </p:nvPr>
         </p:nvSpPr>
-        <p:spPr>
-          <a:extLst/>
-        </p:spPr>
+        <p:spPr/>
         <p:txBody>
           <a:bodyPr/>
           <a:lstStyle/>
@@ -17025,10 +17572,9 @@
               <a:defRPr/>
             </a:pPr>
             <a:r>
-              <a:rPr lang="ko-KR" altLang="en-US" dirty="0" smtClean="0"/>
+              <a:rPr lang="ko-KR" altLang="en-US" dirty="0"/>
               <a:t>프로그래밍 언어 사용 비율</a:t>
             </a:r>
-            <a:endParaRPr lang="ko-KR" altLang="en-US" dirty="0"/>
           </a:p>
         </p:txBody>
       </p:sp>
@@ -17146,14 +17692,13 @@
               <a:defRPr/>
             </a:pPr>
             <a:r>
-              <a:rPr lang="en-US" altLang="ko-KR" sz="2000" dirty="0" smtClean="0"/>
+              <a:rPr lang="en-US" altLang="ko-KR" sz="2000" dirty="0"/>
               <a:t>1.1 </a:t>
             </a:r>
             <a:r>
-              <a:rPr lang="ko-KR" altLang="en-US" sz="2000" dirty="0" smtClean="0"/>
+              <a:rPr lang="ko-KR" altLang="en-US" sz="2000" dirty="0"/>
               <a:t>자바 기술의 동향과 종류</a:t>
             </a:r>
-            <a:endParaRPr lang="ko-KR" altLang="en-US" sz="2000" dirty="0"/>
           </a:p>
         </p:txBody>
       </p:sp>
@@ -17191,13 +17736,6 @@
   <p:clrMapOvr>
     <a:masterClrMapping/>
   </p:clrMapOvr>
-  <p:timing>
-    <p:tnLst>
-      <p:par>
-        <p:cTn id="1" dur="indefinite" restart="never" nodeType="tmRoot"/>
-      </p:par>
-    </p:tnLst>
-  </p:timing>
 </p:sld>
 </file>
 
@@ -17307,22 +17845,21 @@
               <a:defRPr/>
             </a:pPr>
             <a:r>
-              <a:rPr lang="en-US" altLang="ko-KR" sz="2000" dirty="0" smtClean="0"/>
+              <a:rPr lang="en-US" altLang="ko-KR" sz="2000" dirty="0"/>
               <a:t>1.5 </a:t>
             </a:r>
             <a:r>
-              <a:rPr lang="ko-KR" altLang="en-US" sz="2000" dirty="0" smtClean="0"/>
+              <a:rPr lang="ko-KR" altLang="en-US" sz="2000" dirty="0"/>
               <a:t>개발환경 구축 </a:t>
             </a:r>
             <a:r>
-              <a:rPr lang="en-US" altLang="ko-KR" sz="2000" dirty="0" smtClean="0"/>
+              <a:rPr lang="en-US" altLang="ko-KR" sz="2000" dirty="0"/>
               <a:t>– </a:t>
             </a:r>
             <a:r>
-              <a:rPr lang="ko-KR" altLang="en-US" sz="2000" dirty="0" smtClean="0"/>
+              <a:rPr lang="ko-KR" altLang="en-US" sz="2000" dirty="0"/>
               <a:t>웹 프로젝트 생성하기</a:t>
             </a:r>
-            <a:endParaRPr lang="ko-KR" altLang="en-US" sz="2000" dirty="0"/>
           </a:p>
         </p:txBody>
       </p:sp>
@@ -17747,22 +18284,21 @@
               <a:defRPr/>
             </a:pPr>
             <a:r>
-              <a:rPr lang="en-US" altLang="ko-KR" sz="2000" dirty="0" smtClean="0"/>
+              <a:rPr lang="en-US" altLang="ko-KR" sz="2000" dirty="0"/>
               <a:t>1.5 </a:t>
             </a:r>
             <a:r>
-              <a:rPr lang="ko-KR" altLang="en-US" sz="2000" dirty="0" smtClean="0"/>
+              <a:rPr lang="ko-KR" altLang="en-US" sz="2000" dirty="0"/>
               <a:t>개발환경 구축 </a:t>
             </a:r>
             <a:r>
-              <a:rPr lang="en-US" altLang="ko-KR" sz="2000" dirty="0" smtClean="0"/>
+              <a:rPr lang="en-US" altLang="ko-KR" sz="2000" dirty="0"/>
               <a:t>– </a:t>
             </a:r>
             <a:r>
-              <a:rPr lang="ko-KR" altLang="en-US" sz="2000" dirty="0" smtClean="0"/>
+              <a:rPr lang="ko-KR" altLang="en-US" sz="2000" dirty="0"/>
               <a:t>웹 프로젝트 생성하기</a:t>
             </a:r>
-            <a:endParaRPr lang="ko-KR" altLang="en-US" sz="2000" dirty="0"/>
           </a:p>
         </p:txBody>
       </p:sp>
@@ -18194,22 +18730,21 @@
               <a:defRPr/>
             </a:pPr>
             <a:r>
-              <a:rPr lang="en-US" altLang="ko-KR" sz="2000" dirty="0" smtClean="0"/>
+              <a:rPr lang="en-US" altLang="ko-KR" sz="2000" dirty="0"/>
               <a:t>1.5 </a:t>
             </a:r>
             <a:r>
-              <a:rPr lang="ko-KR" altLang="en-US" sz="2000" dirty="0" smtClean="0"/>
+              <a:rPr lang="ko-KR" altLang="en-US" sz="2000" dirty="0"/>
               <a:t>개발환경 구축 </a:t>
             </a:r>
             <a:r>
-              <a:rPr lang="en-US" altLang="ko-KR" sz="2000" dirty="0" smtClean="0"/>
+              <a:rPr lang="en-US" altLang="ko-KR" sz="2000" dirty="0"/>
               <a:t>– </a:t>
             </a:r>
             <a:r>
-              <a:rPr lang="ko-KR" altLang="en-US" sz="2000" dirty="0" smtClean="0"/>
+              <a:rPr lang="ko-KR" altLang="en-US" sz="2000" dirty="0"/>
               <a:t>웹 프로젝트 생성하기</a:t>
             </a:r>
-            <a:endParaRPr lang="ko-KR" altLang="en-US" sz="2000" dirty="0"/>
           </a:p>
         </p:txBody>
       </p:sp>
@@ -18622,22 +19157,21 @@
               <a:defRPr/>
             </a:pPr>
             <a:r>
-              <a:rPr lang="en-US" altLang="ko-KR" sz="2000" dirty="0" smtClean="0"/>
+              <a:rPr lang="en-US" altLang="ko-KR" sz="2000" dirty="0"/>
               <a:t>1.5 </a:t>
             </a:r>
             <a:r>
-              <a:rPr lang="ko-KR" altLang="en-US" sz="2000" dirty="0" smtClean="0"/>
+              <a:rPr lang="ko-KR" altLang="en-US" sz="2000" dirty="0"/>
               <a:t>개발환경 구축 </a:t>
             </a:r>
             <a:r>
-              <a:rPr lang="en-US" altLang="ko-KR" sz="2000" dirty="0" smtClean="0"/>
+              <a:rPr lang="en-US" altLang="ko-KR" sz="2000" dirty="0"/>
               <a:t>– </a:t>
             </a:r>
             <a:r>
-              <a:rPr lang="ko-KR" altLang="en-US" sz="2000" dirty="0" smtClean="0"/>
+              <a:rPr lang="ko-KR" altLang="en-US" sz="2000" dirty="0"/>
               <a:t>웹 프로젝트 생성하기</a:t>
             </a:r>
-            <a:endParaRPr lang="ko-KR" altLang="en-US" sz="2000" dirty="0"/>
           </a:p>
         </p:txBody>
       </p:sp>
@@ -19111,22 +19645,21 @@
               <a:defRPr/>
             </a:pPr>
             <a:r>
-              <a:rPr lang="en-US" altLang="ko-KR" sz="2000" dirty="0" smtClean="0"/>
+              <a:rPr lang="en-US" altLang="ko-KR" sz="2000" dirty="0"/>
               <a:t>1.5 </a:t>
             </a:r>
             <a:r>
-              <a:rPr lang="ko-KR" altLang="en-US" sz="2000" dirty="0" smtClean="0"/>
+              <a:rPr lang="ko-KR" altLang="en-US" sz="2000" dirty="0"/>
               <a:t>개발환경 구축 </a:t>
             </a:r>
             <a:r>
-              <a:rPr lang="en-US" altLang="ko-KR" sz="2000" dirty="0" smtClean="0"/>
+              <a:rPr lang="en-US" altLang="ko-KR" sz="2000" dirty="0"/>
               <a:t>– </a:t>
             </a:r>
             <a:r>
-              <a:rPr lang="ko-KR" altLang="en-US" sz="2000" dirty="0" smtClean="0"/>
+              <a:rPr lang="ko-KR" altLang="en-US" sz="2000" dirty="0"/>
               <a:t>웹 프로젝트 생성하기</a:t>
             </a:r>
-            <a:endParaRPr lang="ko-KR" altLang="en-US" sz="2000" dirty="0"/>
           </a:p>
         </p:txBody>
       </p:sp>
@@ -19336,13 +19869,6 @@
   <p:clrMapOvr>
     <a:masterClrMapping/>
   </p:clrMapOvr>
-  <p:timing>
-    <p:tnLst>
-      <p:par>
-        <p:cTn id="1" dur="indefinite" restart="never" nodeType="tmRoot"/>
-      </p:par>
-    </p:tnLst>
-  </p:timing>
 </p:sld>
 </file>
 
@@ -19452,22 +19978,21 @@
               <a:defRPr/>
             </a:pPr>
             <a:r>
-              <a:rPr lang="en-US" altLang="ko-KR" sz="2000" dirty="0" smtClean="0"/>
+              <a:rPr lang="en-US" altLang="ko-KR" sz="2000" dirty="0"/>
               <a:t>1.5 </a:t>
             </a:r>
             <a:r>
-              <a:rPr lang="ko-KR" altLang="en-US" sz="2000" dirty="0" smtClean="0"/>
+              <a:rPr lang="ko-KR" altLang="en-US" sz="2000" dirty="0"/>
               <a:t>개발환경 구축 </a:t>
             </a:r>
             <a:r>
-              <a:rPr lang="en-US" altLang="ko-KR" sz="2000" dirty="0" smtClean="0"/>
+              <a:rPr lang="en-US" altLang="ko-KR" sz="2000" dirty="0"/>
               <a:t>– </a:t>
             </a:r>
             <a:r>
-              <a:rPr lang="ko-KR" altLang="en-US" sz="2000" dirty="0" smtClean="0"/>
+              <a:rPr lang="ko-KR" altLang="en-US" sz="2000" dirty="0"/>
               <a:t>웹 문서 실행하기</a:t>
             </a:r>
-            <a:endParaRPr lang="ko-KR" altLang="en-US" sz="2000" dirty="0"/>
           </a:p>
         </p:txBody>
       </p:sp>
@@ -19710,13 +20235,6 @@
   <p:clrMapOvr>
     <a:masterClrMapping/>
   </p:clrMapOvr>
-  <p:timing>
-    <p:tnLst>
-      <p:par>
-        <p:cTn id="1" dur="indefinite" restart="never" nodeType="tmRoot"/>
-      </p:par>
-    </p:tnLst>
-  </p:timing>
 </p:sld>
 </file>
 
@@ -19826,22 +20344,21 @@
               <a:defRPr/>
             </a:pPr>
             <a:r>
-              <a:rPr lang="en-US" altLang="ko-KR" sz="2000" dirty="0" smtClean="0"/>
+              <a:rPr lang="en-US" altLang="ko-KR" sz="2000" dirty="0"/>
               <a:t>1.5 </a:t>
             </a:r>
             <a:r>
-              <a:rPr lang="ko-KR" altLang="en-US" sz="2000" dirty="0" smtClean="0"/>
+              <a:rPr lang="ko-KR" altLang="en-US" sz="2000" dirty="0"/>
               <a:t>개발환경 구축 </a:t>
             </a:r>
             <a:r>
-              <a:rPr lang="en-US" altLang="ko-KR" sz="2000" dirty="0" smtClean="0"/>
+              <a:rPr lang="en-US" altLang="ko-KR" sz="2000" dirty="0"/>
               <a:t>– </a:t>
             </a:r>
             <a:r>
-              <a:rPr lang="ko-KR" altLang="en-US" sz="2000" dirty="0" smtClean="0"/>
+              <a:rPr lang="ko-KR" altLang="en-US" sz="2000" dirty="0"/>
               <a:t>웹 문서 실행하기</a:t>
             </a:r>
-            <a:endParaRPr lang="ko-KR" altLang="en-US" sz="2000" dirty="0"/>
           </a:p>
         </p:txBody>
       </p:sp>
@@ -20153,13 +20670,6 @@
   <p:clrMapOvr>
     <a:masterClrMapping/>
   </p:clrMapOvr>
-  <p:timing>
-    <p:tnLst>
-      <p:par>
-        <p:cTn id="1" dur="indefinite" restart="never" nodeType="tmRoot"/>
-      </p:par>
-    </p:tnLst>
-  </p:timing>
 </p:sld>
 </file>
 
@@ -20269,22 +20779,21 @@
               <a:defRPr/>
             </a:pPr>
             <a:r>
-              <a:rPr lang="en-US" altLang="ko-KR" sz="2000" dirty="0" smtClean="0"/>
+              <a:rPr lang="en-US" altLang="ko-KR" sz="2000" dirty="0"/>
               <a:t>1.5 </a:t>
             </a:r>
             <a:r>
-              <a:rPr lang="ko-KR" altLang="en-US" sz="2000" dirty="0" smtClean="0"/>
+              <a:rPr lang="ko-KR" altLang="en-US" sz="2000" dirty="0"/>
               <a:t>개발환경 구축 </a:t>
             </a:r>
             <a:r>
-              <a:rPr lang="en-US" altLang="ko-KR" sz="2000" dirty="0" smtClean="0"/>
+              <a:rPr lang="en-US" altLang="ko-KR" sz="2000" dirty="0"/>
               <a:t>– </a:t>
             </a:r>
             <a:r>
-              <a:rPr lang="ko-KR" altLang="en-US" sz="2000" dirty="0" smtClean="0"/>
+              <a:rPr lang="ko-KR" altLang="en-US" sz="2000" dirty="0"/>
               <a:t>웹 문서 실행하기</a:t>
             </a:r>
-            <a:endParaRPr lang="ko-KR" altLang="en-US" sz="2000" dirty="0"/>
           </a:p>
         </p:txBody>
       </p:sp>
@@ -20582,13 +21091,6 @@
   <p:clrMapOvr>
     <a:masterClrMapping/>
   </p:clrMapOvr>
-  <p:timing>
-    <p:tnLst>
-      <p:par>
-        <p:cTn id="1" dur="indefinite" restart="never" nodeType="tmRoot"/>
-      </p:par>
-    </p:tnLst>
-  </p:timing>
 </p:sld>
 </file>
 
@@ -20626,11 +21128,11 @@
           <a:p>
             <a:pPr eaLnBrk="1" hangingPunct="1"/>
             <a:r>
-              <a:rPr lang="en-US" altLang="ko-KR" dirty="0" smtClean="0"/>
+              <a:rPr lang="en-US" altLang="ko-KR" dirty="0"/>
               <a:t>Java </a:t>
             </a:r>
             <a:r>
-              <a:rPr lang="ko-KR" altLang="en-US" dirty="0" smtClean="0"/>
+              <a:rPr lang="ko-KR" altLang="en-US" dirty="0"/>
               <a:t>개발 플랫폼</a:t>
             </a:r>
           </a:p>
@@ -20653,84 +21155,74 @@
           <a:p>
             <a:pPr eaLnBrk="1" hangingPunct="1"/>
             <a:r>
-              <a:rPr lang="en-US" altLang="ko-KR" dirty="0" smtClean="0"/>
-              <a:t>Java SE (Standard Edition</a:t>
-            </a:r>
-            <a:r>
-              <a:rPr lang="en-US" altLang="ko-KR" dirty="0" smtClean="0"/>
-              <a:t>)</a:t>
+              <a:rPr lang="en-US" altLang="ko-KR" dirty="0"/>
+              <a:t>Java SE (Standard Edition)</a:t>
             </a:r>
           </a:p>
           <a:p>
             <a:pPr lvl="1" eaLnBrk="1" hangingPunct="1"/>
             <a:r>
-              <a:rPr lang="ko-KR" altLang="en-US" dirty="0" err="1" smtClean="0"/>
+              <a:rPr lang="ko-KR" altLang="en-US" dirty="0" err="1"/>
               <a:t>데스크탑</a:t>
             </a:r>
             <a:r>
-              <a:rPr lang="en-US" altLang="ko-KR" dirty="0" smtClean="0"/>
+              <a:rPr lang="en-US" altLang="ko-KR" dirty="0"/>
               <a:t>, </a:t>
             </a:r>
             <a:r>
-              <a:rPr lang="ko-KR" altLang="en-US" dirty="0" smtClean="0"/>
+              <a:rPr lang="ko-KR" altLang="en-US" dirty="0"/>
               <a:t>서버</a:t>
             </a:r>
             <a:r>
-              <a:rPr lang="en-US" altLang="ko-KR" dirty="0" smtClean="0"/>
+              <a:rPr lang="en-US" altLang="ko-KR" dirty="0"/>
               <a:t>, </a:t>
             </a:r>
             <a:r>
-              <a:rPr lang="ko-KR" altLang="en-US" dirty="0" err="1" smtClean="0"/>
+              <a:rPr lang="ko-KR" altLang="en-US" dirty="0" err="1"/>
               <a:t>임베디드</a:t>
             </a:r>
             <a:r>
-              <a:rPr lang="ko-KR" altLang="en-US" dirty="0" smtClean="0"/>
+              <a:rPr lang="ko-KR" altLang="en-US" dirty="0"/>
               <a:t> 시스템개발을 위한 플랫폼</a:t>
             </a:r>
-            <a:endParaRPr lang="en-US" altLang="ko-KR" dirty="0" smtClean="0"/>
+            <a:endParaRPr lang="en-US" altLang="ko-KR" dirty="0"/>
           </a:p>
           <a:p>
             <a:pPr eaLnBrk="1" hangingPunct="1"/>
             <a:r>
-              <a:rPr lang="en-US" altLang="ko-KR" dirty="0" smtClean="0"/>
+              <a:rPr lang="en-US" altLang="ko-KR" dirty="0"/>
               <a:t>Java EE (Enterprise Edition)  </a:t>
             </a:r>
-            <a:endParaRPr lang="en-US" altLang="ko-KR" dirty="0" smtClean="0"/>
           </a:p>
           <a:p>
             <a:pPr lvl="1" eaLnBrk="1" hangingPunct="1"/>
             <a:r>
-              <a:rPr lang="en-US" altLang="ko-KR" dirty="0" smtClean="0"/>
+              <a:rPr lang="en-US" altLang="ko-KR" dirty="0"/>
               <a:t>WAS</a:t>
             </a:r>
             <a:r>
-              <a:rPr lang="ko-KR" altLang="en-US" dirty="0" smtClean="0"/>
+              <a:rPr lang="ko-KR" altLang="en-US" dirty="0"/>
               <a:t>의 지원으로 실행되는 시스템 개발을 위한 플랫폼</a:t>
             </a:r>
-            <a:endParaRPr lang="en-US" altLang="ko-KR" dirty="0" smtClean="0"/>
+            <a:endParaRPr lang="en-US" altLang="ko-KR" dirty="0"/>
           </a:p>
           <a:p>
             <a:pPr eaLnBrk="1" hangingPunct="1"/>
             <a:r>
-              <a:rPr lang="en-US" altLang="ko-KR" dirty="0" smtClean="0"/>
-              <a:t>Java ME (Micro Edition</a:t>
-            </a:r>
-            <a:r>
-              <a:rPr lang="en-US" altLang="ko-KR" dirty="0" smtClean="0"/>
-              <a:t>)</a:t>
+              <a:rPr lang="en-US" altLang="ko-KR" dirty="0"/>
+              <a:t>Java ME (Micro Edition)</a:t>
             </a:r>
           </a:p>
           <a:p>
             <a:pPr lvl="1" eaLnBrk="1" hangingPunct="1"/>
             <a:r>
-              <a:rPr lang="ko-KR" altLang="en-US" dirty="0" err="1" smtClean="0"/>
+              <a:rPr lang="ko-KR" altLang="en-US" dirty="0" err="1"/>
               <a:t>모바일</a:t>
             </a:r>
             <a:r>
-              <a:rPr lang="ko-KR" altLang="en-US" dirty="0" smtClean="0"/>
+              <a:rPr lang="ko-KR" altLang="en-US" dirty="0"/>
               <a:t> 장치나 내장형 장치에서 실행되는 애플리케이션 지원 플랫폼</a:t>
             </a:r>
-            <a:endParaRPr lang="ko-KR" altLang="en-US" dirty="0" smtClean="0"/>
           </a:p>
         </p:txBody>
       </p:sp>
@@ -20794,14 +21286,13 @@
               <a:defRPr/>
             </a:pPr>
             <a:r>
-              <a:rPr lang="en-US" altLang="ko-KR" sz="2000" dirty="0" smtClean="0"/>
+              <a:rPr lang="en-US" altLang="ko-KR" sz="2000" dirty="0"/>
               <a:t>1.1 </a:t>
             </a:r>
             <a:r>
-              <a:rPr lang="ko-KR" altLang="en-US" sz="2000" dirty="0" smtClean="0"/>
+              <a:rPr lang="ko-KR" altLang="en-US" sz="2000" dirty="0"/>
               <a:t>자바 기술의 동향과 종류</a:t>
             </a:r>
-            <a:endParaRPr lang="ko-KR" altLang="en-US" sz="2000" dirty="0"/>
           </a:p>
         </p:txBody>
       </p:sp>
@@ -20839,13 +21330,6 @@
   <p:clrMapOvr>
     <a:masterClrMapping/>
   </p:clrMapOvr>
-  <p:timing>
-    <p:tnLst>
-      <p:par>
-        <p:cTn id="1" dur="indefinite" restart="never" nodeType="tmRoot"/>
-      </p:par>
-    </p:tnLst>
-  </p:timing>
 </p:sld>
 </file>
 
@@ -20888,11 +21372,11 @@
           <a:p>
             <a:pPr eaLnBrk="1" hangingPunct="1"/>
             <a:r>
-              <a:rPr lang="en-US" altLang="ko-KR" dirty="0" smtClean="0"/>
+              <a:rPr lang="en-US" altLang="ko-KR" dirty="0"/>
               <a:t>Java SE 8 </a:t>
             </a:r>
             <a:r>
-              <a:rPr lang="ko-KR" altLang="en-US" dirty="0" smtClean="0"/>
+              <a:rPr lang="ko-KR" altLang="en-US" dirty="0"/>
               <a:t>구성요소</a:t>
             </a:r>
           </a:p>
@@ -21012,14 +21496,13 @@
               <a:defRPr/>
             </a:pPr>
             <a:r>
-              <a:rPr lang="en-US" altLang="ko-KR" sz="2000" dirty="0" smtClean="0"/>
+              <a:rPr lang="en-US" altLang="ko-KR" sz="2000" dirty="0"/>
               <a:t>1.1 </a:t>
             </a:r>
             <a:r>
-              <a:rPr lang="ko-KR" altLang="en-US" sz="2000" dirty="0" smtClean="0"/>
+              <a:rPr lang="ko-KR" altLang="en-US" sz="2000" dirty="0"/>
               <a:t>자바 기술의 동향과 종류</a:t>
             </a:r>
-            <a:endParaRPr lang="ko-KR" altLang="en-US" sz="2000" dirty="0"/>
           </a:p>
         </p:txBody>
       </p:sp>
@@ -21057,13 +21540,6 @@
   <p:clrMapOvr>
     <a:masterClrMapping/>
   </p:clrMapOvr>
-  <p:timing>
-    <p:tnLst>
-      <p:par>
-        <p:cTn id="1" dur="indefinite" restart="never" nodeType="tmRoot"/>
-      </p:par>
-    </p:tnLst>
-  </p:timing>
 </p:sld>
 </file>
 
@@ -21101,11 +21577,11 @@
           <a:p>
             <a:pPr eaLnBrk="1" hangingPunct="1"/>
             <a:r>
-              <a:rPr lang="en-US" altLang="ko-KR" smtClean="0"/>
+              <a:rPr lang="en-US" altLang="ko-KR"/>
               <a:t>1.2 </a:t>
             </a:r>
             <a:r>
-              <a:rPr lang="ko-KR" altLang="en-US" smtClean="0"/>
+              <a:rPr lang="ko-KR" altLang="en-US"/>
               <a:t>웹 자바 기술</a:t>
             </a:r>
           </a:p>
@@ -21128,83 +21604,70 @@
           <a:p>
             <a:pPr eaLnBrk="1" hangingPunct="1"/>
             <a:r>
-              <a:rPr lang="ko-KR" altLang="en-US" dirty="0" smtClean="0"/>
+              <a:rPr lang="ko-KR" altLang="en-US" dirty="0"/>
               <a:t>애플릿 </a:t>
             </a:r>
             <a:r>
-              <a:rPr lang="en-US" altLang="ko-KR" dirty="0" smtClean="0"/>
-              <a:t>(Applet</a:t>
-            </a:r>
-            <a:r>
-              <a:rPr lang="en-US" altLang="ko-KR" dirty="0" smtClean="0"/>
-              <a:t>)</a:t>
+              <a:rPr lang="en-US" altLang="ko-KR" dirty="0"/>
+              <a:t>(Applet)</a:t>
             </a:r>
           </a:p>
           <a:p>
             <a:pPr lvl="1" eaLnBrk="1" hangingPunct="1"/>
             <a:r>
-              <a:rPr lang="ko-KR" altLang="en-US" dirty="0" smtClean="0"/>
+              <a:rPr lang="ko-KR" altLang="en-US" dirty="0"/>
               <a:t>웹 초기에 동적 데이터 처리 지원 기술</a:t>
             </a:r>
-            <a:endParaRPr lang="en-US" altLang="ko-KR" dirty="0" smtClean="0"/>
+            <a:endParaRPr lang="en-US" altLang="ko-KR" dirty="0"/>
           </a:p>
           <a:p>
             <a:pPr eaLnBrk="1" hangingPunct="1"/>
             <a:r>
-              <a:rPr lang="ko-KR" altLang="en-US" dirty="0" err="1" smtClean="0"/>
+              <a:rPr lang="ko-KR" altLang="en-US" dirty="0" err="1"/>
               <a:t>서블릿</a:t>
             </a:r>
             <a:r>
-              <a:rPr lang="ko-KR" altLang="en-US" dirty="0" smtClean="0"/>
+              <a:rPr lang="ko-KR" altLang="en-US" dirty="0"/>
               <a:t> </a:t>
             </a:r>
             <a:r>
-              <a:rPr lang="en-US" altLang="ko-KR" dirty="0" smtClean="0"/>
-              <a:t>(Servlet</a:t>
-            </a:r>
-            <a:r>
-              <a:rPr lang="en-US" altLang="ko-KR" dirty="0" smtClean="0"/>
-              <a:t>)</a:t>
+              <a:rPr lang="en-US" altLang="ko-KR" dirty="0"/>
+              <a:t>(Servlet)</a:t>
             </a:r>
           </a:p>
           <a:p>
             <a:pPr lvl="1" eaLnBrk="1" hangingPunct="1"/>
             <a:r>
-              <a:rPr lang="ko-KR" altLang="en-US" dirty="0" smtClean="0"/>
+              <a:rPr lang="ko-KR" altLang="en-US" dirty="0"/>
               <a:t>웹 상에서 요청된 서비스를 서버에서 처리하는 기술</a:t>
             </a:r>
-            <a:endParaRPr lang="en-US" altLang="ko-KR" dirty="0" smtClean="0"/>
+            <a:endParaRPr lang="en-US" altLang="ko-KR" dirty="0"/>
           </a:p>
           <a:p>
             <a:pPr eaLnBrk="1" hangingPunct="1"/>
             <a:r>
-              <a:rPr lang="en-US" altLang="ko-KR" dirty="0" smtClean="0"/>
+              <a:rPr lang="en-US" altLang="ko-KR" dirty="0"/>
               <a:t>JSP (</a:t>
             </a:r>
             <a:r>
-              <a:rPr lang="en-US" altLang="ko-KR" dirty="0" err="1" smtClean="0"/>
+              <a:rPr lang="en-US" altLang="ko-KR" dirty="0" err="1"/>
               <a:t>JavaServer</a:t>
             </a:r>
             <a:r>
-              <a:rPr lang="en-US" altLang="ko-KR" dirty="0" smtClean="0"/>
-              <a:t> Page</a:t>
-            </a:r>
-            <a:r>
-              <a:rPr lang="en-US" altLang="ko-KR" dirty="0" smtClean="0"/>
-              <a:t>)</a:t>
+              <a:rPr lang="en-US" altLang="ko-KR" dirty="0"/>
+              <a:t> Page)</a:t>
             </a:r>
           </a:p>
           <a:p>
             <a:pPr lvl="1" eaLnBrk="1" hangingPunct="1"/>
             <a:r>
-              <a:rPr lang="ko-KR" altLang="en-US" dirty="0" err="1" smtClean="0"/>
+              <a:rPr lang="ko-KR" altLang="en-US" dirty="0" err="1"/>
               <a:t>서블릿과</a:t>
             </a:r>
             <a:r>
-              <a:rPr lang="ko-KR" altLang="en-US" dirty="0" smtClean="0"/>
+              <a:rPr lang="ko-KR" altLang="en-US" dirty="0"/>
               <a:t> 동일한 기술이지만 표현하는 방법과 역할이 다름</a:t>
             </a:r>
-            <a:endParaRPr lang="ko-KR" altLang="en-US" dirty="0" smtClean="0"/>
           </a:p>
         </p:txBody>
       </p:sp>
@@ -21242,13 +21705,6 @@
   <p:clrMapOvr>
     <a:masterClrMapping/>
   </p:clrMapOvr>
-  <p:timing>
-    <p:tnLst>
-      <p:par>
-        <p:cTn id="1" dur="indefinite" restart="never" nodeType="tmRoot"/>
-      </p:par>
-    </p:tnLst>
-  </p:timing>
 </p:sld>
 </file>
 
@@ -21291,11 +21747,11 @@
           <a:p>
             <a:pPr eaLnBrk="1" hangingPunct="1"/>
             <a:r>
-              <a:rPr lang="en-US" altLang="ko-KR" dirty="0" smtClean="0"/>
+              <a:rPr lang="en-US" altLang="ko-KR" dirty="0"/>
               <a:t>1.3 </a:t>
             </a:r>
             <a:r>
-              <a:rPr lang="ko-KR" altLang="en-US" dirty="0" smtClean="0"/>
+              <a:rPr lang="ko-KR" altLang="en-US" dirty="0"/>
               <a:t>웹 프로그래밍의 이해</a:t>
             </a:r>
           </a:p>
@@ -21323,110 +21779,86 @@
           <a:p>
             <a:pPr eaLnBrk="1" hangingPunct="1"/>
             <a:r>
-              <a:rPr lang="ko-KR" altLang="en-US" dirty="0" smtClean="0"/>
+              <a:rPr lang="ko-KR" altLang="en-US" dirty="0"/>
               <a:t>웹이란</a:t>
             </a:r>
             <a:r>
-              <a:rPr lang="en-US" altLang="ko-KR" dirty="0" smtClean="0"/>
+              <a:rPr lang="en-US" altLang="ko-KR" dirty="0"/>
               <a:t>?</a:t>
             </a:r>
             <a:br>
-              <a:rPr lang="en-US" altLang="ko-KR" dirty="0" smtClean="0"/>
+              <a:rPr lang="en-US" altLang="ko-KR" dirty="0"/>
             </a:br>
             <a:r>
-              <a:rPr lang="en-US" altLang="ko-KR" dirty="0" smtClean="0"/>
+              <a:rPr lang="en-US" altLang="ko-KR" dirty="0"/>
               <a:t>1969</a:t>
             </a:r>
             <a:r>
-              <a:rPr lang="ko-KR" altLang="en-US" dirty="0" smtClean="0"/>
+              <a:rPr lang="ko-KR" altLang="en-US" dirty="0"/>
               <a:t>년 </a:t>
             </a:r>
             <a:r>
-              <a:rPr lang="en-US" altLang="ko-KR" dirty="0" smtClean="0"/>
+              <a:rPr lang="en-US" altLang="ko-KR" dirty="0"/>
               <a:t>ARPA net</a:t>
             </a:r>
             <a:r>
-              <a:rPr lang="ko-KR" altLang="en-US" dirty="0" smtClean="0"/>
+              <a:rPr lang="ko-KR" altLang="en-US" dirty="0"/>
               <a:t>에서 시작된 컴퓨터 통신망</a:t>
             </a:r>
-            <a:endParaRPr lang="en-US" altLang="ko-KR" dirty="0" smtClean="0"/>
+            <a:endParaRPr lang="en-US" altLang="ko-KR" dirty="0"/>
           </a:p>
           <a:p>
             <a:pPr lvl="1" eaLnBrk="1" hangingPunct="1"/>
             <a:r>
-              <a:rPr lang="ko-KR" altLang="en-US" dirty="0" smtClean="0"/>
-              <a:t>웹 </a:t>
-            </a:r>
-            <a:r>
-              <a:rPr lang="ko-KR" altLang="en-US" dirty="0" smtClean="0"/>
-              <a:t>문서</a:t>
-            </a:r>
-            <a:r>
-              <a:rPr lang="en-US" altLang="ko-KR" dirty="0" smtClean="0"/>
-              <a:t/>
+              <a:rPr lang="ko-KR" altLang="en-US" dirty="0"/>
+              <a:t>웹 문서</a:t>
             </a:r>
             <a:br>
-              <a:rPr lang="en-US" altLang="ko-KR" dirty="0" smtClean="0"/>
+              <a:rPr lang="en-US" altLang="ko-KR" dirty="0"/>
             </a:br>
             <a:r>
-              <a:rPr lang="ko-KR" altLang="en-US" dirty="0" smtClean="0"/>
+              <a:rPr lang="ko-KR" altLang="en-US" dirty="0"/>
               <a:t>웹에서 클라이언트가 서버에 정보를 요청하면 응답하는 </a:t>
             </a:r>
             <a:r>
-              <a:rPr lang="ko-KR" altLang="en-US" dirty="0" err="1" smtClean="0"/>
+              <a:rPr lang="ko-KR" altLang="en-US" dirty="0" err="1"/>
               <a:t>콘텐츠로써</a:t>
             </a:r>
             <a:r>
-              <a:rPr lang="ko-KR" altLang="en-US" dirty="0" smtClean="0"/>
+              <a:rPr lang="ko-KR" altLang="en-US" dirty="0"/>
               <a:t> 정적 문서와 동적 문서로 구분됨</a:t>
             </a:r>
-            <a:endParaRPr lang="en-US" altLang="ko-KR" dirty="0" smtClean="0"/>
+            <a:endParaRPr lang="en-US" altLang="ko-KR" dirty="0"/>
           </a:p>
           <a:p>
             <a:pPr lvl="1" eaLnBrk="1" hangingPunct="1"/>
             <a:r>
-              <a:rPr lang="ko-KR" altLang="en-US" dirty="0" smtClean="0"/>
-              <a:t>웹 </a:t>
-            </a:r>
-            <a:r>
-              <a:rPr lang="ko-KR" altLang="en-US" dirty="0" smtClean="0"/>
-              <a:t>애플리케이션</a:t>
-            </a:r>
-            <a:r>
-              <a:rPr lang="en-US" altLang="ko-KR" dirty="0" smtClean="0"/>
-              <a:t/>
+              <a:rPr lang="ko-KR" altLang="en-US" dirty="0"/>
+              <a:t>웹 애플리케이션</a:t>
             </a:r>
             <a:br>
-              <a:rPr lang="en-US" altLang="ko-KR" dirty="0" smtClean="0"/>
+              <a:rPr lang="en-US" altLang="ko-KR" dirty="0"/>
             </a:br>
             <a:r>
-              <a:rPr lang="ko-KR" altLang="en-US" dirty="0" smtClean="0"/>
+              <a:rPr lang="ko-KR" altLang="en-US" dirty="0"/>
               <a:t>웹에서 수행되는 애플리케이션</a:t>
             </a:r>
-            <a:endParaRPr lang="en-US" altLang="ko-KR" dirty="0" smtClean="0"/>
+            <a:endParaRPr lang="en-US" altLang="ko-KR" dirty="0"/>
           </a:p>
           <a:p>
             <a:pPr lvl="1" eaLnBrk="1" hangingPunct="1"/>
             <a:r>
-              <a:rPr lang="ko-KR" altLang="en-US" dirty="0" smtClean="0"/>
-              <a:t>웹 </a:t>
-            </a:r>
-            <a:r>
-              <a:rPr lang="ko-KR" altLang="en-US" dirty="0" smtClean="0"/>
-              <a:t>서비스</a:t>
-            </a:r>
-            <a:r>
-              <a:rPr lang="en-US" altLang="ko-KR" dirty="0" smtClean="0"/>
-              <a:t/>
+              <a:rPr lang="ko-KR" altLang="en-US" dirty="0"/>
+              <a:t>웹 서비스</a:t>
             </a:r>
             <a:br>
-              <a:rPr lang="en-US" altLang="ko-KR" dirty="0" smtClean="0"/>
+              <a:rPr lang="en-US" altLang="ko-KR" dirty="0"/>
             </a:br>
             <a:r>
-              <a:rPr lang="ko-KR" altLang="en-US" dirty="0" smtClean="0"/>
+              <a:rPr lang="ko-KR" altLang="en-US" dirty="0"/>
               <a:t>네트워크상에 분산된 자원을 공유하기 위한 서비스</a:t>
             </a:r>
-            <a:endParaRPr lang="en-US" altLang="ko-KR" dirty="0" smtClean="0"/>
+            <a:endParaRPr lang="en-US" altLang="ko-KR" dirty="0"/>
           </a:p>
           <a:p>
             <a:pPr lvl="2" eaLnBrk="1" hangingPunct="1">
@@ -21434,18 +21866,14 @@
               <a:buChar char="ü"/>
             </a:pPr>
             <a:r>
-              <a:rPr lang="en-US" altLang="ko-KR" dirty="0" smtClean="0"/>
+              <a:rPr lang="en-US" altLang="ko-KR" dirty="0"/>
               <a:t> SOAP </a:t>
             </a:r>
             <a:r>
-              <a:rPr lang="ko-KR" altLang="en-US" dirty="0" smtClean="0"/>
-              <a:t>기반 웹 </a:t>
-            </a:r>
-            <a:r>
-              <a:rPr lang="ko-KR" altLang="en-US" dirty="0" smtClean="0"/>
-              <a:t>서비스</a:t>
-            </a:r>
-            <a:endParaRPr lang="en-US" altLang="ko-KR" dirty="0" smtClean="0"/>
+              <a:rPr lang="ko-KR" altLang="en-US" dirty="0"/>
+              <a:t>기반 웹 서비스</a:t>
+            </a:r>
+            <a:endParaRPr lang="en-US" altLang="ko-KR" dirty="0"/>
           </a:p>
           <a:p>
             <a:pPr lvl="2" eaLnBrk="1" hangingPunct="1">
@@ -21453,19 +21881,19 @@
               <a:buChar char="ü"/>
             </a:pPr>
             <a:r>
-              <a:rPr lang="en-US" altLang="ko-KR" dirty="0" smtClean="0"/>
+              <a:rPr lang="en-US" altLang="ko-KR" dirty="0"/>
               <a:t> </a:t>
             </a:r>
             <a:r>
-              <a:rPr lang="en-US" altLang="ko-KR" dirty="0" err="1" smtClean="0"/>
+              <a:rPr lang="en-US" altLang="ko-KR" dirty="0" err="1"/>
               <a:t>RESTful</a:t>
             </a:r>
             <a:r>
-              <a:rPr lang="en-US" altLang="ko-KR" dirty="0" smtClean="0"/>
+              <a:rPr lang="en-US" altLang="ko-KR" dirty="0"/>
               <a:t> </a:t>
             </a:r>
             <a:r>
-              <a:rPr lang="ko-KR" altLang="en-US" dirty="0" smtClean="0"/>
+              <a:rPr lang="ko-KR" altLang="en-US" dirty="0"/>
               <a:t>기반 웹 서비스</a:t>
             </a:r>
           </a:p>
@@ -21505,13 +21933,6 @@
   <p:clrMapOvr>
     <a:masterClrMapping/>
   </p:clrMapOvr>
-  <p:timing>
-    <p:tnLst>
-      <p:par>
-        <p:cTn id="1" dur="indefinite" restart="never" nodeType="tmRoot"/>
-      </p:par>
-    </p:tnLst>
-  </p:timing>
 </p:sld>
 </file>
 
@@ -21560,18 +21981,13 @@
               </a:spcAft>
               <a:defRPr/>
             </a:pPr>
-            <a:r>
-              <a:rPr lang="en-US" altLang="ko-KR" dirty="0" smtClean="0"/>
-              <a:t/>
-            </a:r>
             <a:br>
-              <a:rPr lang="en-US" altLang="ko-KR" dirty="0" smtClean="0"/>
+              <a:rPr lang="en-US" altLang="ko-KR" dirty="0"/>
             </a:br>
             <a:r>
-              <a:rPr lang="ko-KR" altLang="en-US" dirty="0" smtClean="0"/>
+              <a:rPr lang="ko-KR" altLang="en-US" dirty="0"/>
               <a:t>웹 서버</a:t>
             </a:r>
-            <a:endParaRPr lang="ko-KR" altLang="en-US" dirty="0"/>
           </a:p>
         </p:txBody>
       </p:sp>
@@ -21596,24 +22012,23 @@
           <a:lstStyle/>
           <a:p>
             <a:r>
-              <a:rPr lang="ko-KR" altLang="en-US" dirty="0" smtClean="0"/>
+              <a:rPr lang="ko-KR" altLang="en-US" dirty="0"/>
               <a:t>클라이언트로부터 서비스 요청을 받음</a:t>
             </a:r>
-            <a:endParaRPr lang="en-US" altLang="ko-KR" dirty="0" smtClean="0"/>
-          </a:p>
-          <a:p>
-            <a:r>
-              <a:rPr lang="ko-KR" altLang="en-US" dirty="0" smtClean="0"/>
+            <a:endParaRPr lang="en-US" altLang="ko-KR" dirty="0"/>
+          </a:p>
+          <a:p>
+            <a:r>
+              <a:rPr lang="ko-KR" altLang="en-US" dirty="0"/>
               <a:t>서비스 요청에 따른 웹 애플리케이션 실행</a:t>
             </a:r>
-            <a:endParaRPr lang="en-US" altLang="ko-KR" dirty="0" smtClean="0"/>
-          </a:p>
-          <a:p>
-            <a:r>
-              <a:rPr lang="ko-KR" altLang="en-US" dirty="0" smtClean="0"/>
+            <a:endParaRPr lang="en-US" altLang="ko-KR" dirty="0"/>
+          </a:p>
+          <a:p>
+            <a:r>
+              <a:rPr lang="ko-KR" altLang="en-US" dirty="0"/>
               <a:t>서버 처리 결과를 클라이언트에 응답함</a:t>
             </a:r>
-            <a:endParaRPr lang="ko-KR" altLang="en-US" dirty="0"/>
           </a:p>
         </p:txBody>
       </p:sp>
@@ -21770,30 +22185,25 @@
               <a:defRPr/>
             </a:pPr>
             <a:r>
-              <a:rPr lang="en-US" altLang="ko-KR" sz="2000" dirty="0" smtClean="0"/>
+              <a:rPr lang="en-US" altLang="ko-KR" sz="2000" dirty="0"/>
               <a:t>1.3 </a:t>
             </a:r>
             <a:r>
-              <a:rPr lang="ko-KR" altLang="en-US" sz="2000" dirty="0" smtClean="0"/>
-              <a:t>웹 프로그래밍의 </a:t>
-            </a:r>
-            <a:r>
-              <a:rPr lang="ko-KR" altLang="en-US" sz="2000" dirty="0" smtClean="0"/>
-              <a:t>이해 </a:t>
-            </a:r>
-            <a:r>
-              <a:rPr lang="en-US" altLang="ko-KR" sz="2000" dirty="0" smtClean="0"/>
+              <a:rPr lang="ko-KR" altLang="en-US" sz="2000" dirty="0"/>
+              <a:t>웹 프로그래밍의 이해 </a:t>
+            </a:r>
+            <a:r>
+              <a:rPr lang="en-US" altLang="ko-KR" sz="2000" dirty="0"/>
               <a:t>– </a:t>
             </a:r>
             <a:r>
-              <a:rPr lang="ko-KR" altLang="en-US" sz="2000" dirty="0" err="1" smtClean="0"/>
+              <a:rPr lang="ko-KR" altLang="en-US" sz="2000" dirty="0" err="1"/>
               <a:t>웹서버와</a:t>
             </a:r>
             <a:r>
-              <a:rPr lang="ko-KR" altLang="en-US" sz="2000" dirty="0" smtClean="0"/>
+              <a:rPr lang="ko-KR" altLang="en-US" sz="2000" dirty="0"/>
               <a:t> 웹 애플리케이션</a:t>
             </a:r>
-            <a:endParaRPr lang="ko-KR" altLang="en-US" sz="2000" dirty="0"/>
           </a:p>
         </p:txBody>
       </p:sp>
@@ -21802,13 +22212,6 @@
   <p:clrMapOvr>
     <a:masterClrMapping/>
   </p:clrMapOvr>
-  <p:timing>
-    <p:tnLst>
-      <p:par>
-        <p:cTn id="1" dur="indefinite" restart="never" nodeType="tmRoot"/>
-      </p:par>
-    </p:tnLst>
-  </p:timing>
 </p:sld>
 </file>
 

--- a/JSP_ppt/ServletJSP/01장_자바와 웹.pptx
+++ b/JSP_ppt/ServletJSP/01장_자바와 웹.pptx
@@ -186,6 +186,22 @@
       </a:defRPr>
     </a:lvl9pPr>
   </p:defaultTextStyle>
+  <p:extLst>
+    <p:ext uri="{EFAFB233-063F-42B5-8137-9DF3F51BA10A}">
+      <p15:sldGuideLst xmlns:p15="http://schemas.microsoft.com/office/powerpoint/2012/main">
+        <p15:guide id="1" orient="horz" pos="2160">
+          <p15:clr>
+            <a:srgbClr val="A4A3A4"/>
+          </p15:clr>
+        </p15:guide>
+        <p15:guide id="2" pos="2880">
+          <p15:clr>
+            <a:srgbClr val="A4A3A4"/>
+          </p15:clr>
+        </p15:guide>
+      </p15:sldGuideLst>
+    </p:ext>
+  </p:extLst>
 </p:presentation>
 </file>
 
@@ -298,7 +314,7 @@
               <a:pPr>
                 <a:defRPr/>
               </a:pPr>
-              <a:t>2017-04-25</a:t>
+              <a:t>2021-05-06</a:t>
             </a:fld>
             <a:endParaRPr lang="ko-KR" altLang="en-US"/>
           </a:p>
@@ -407,6 +423,995 @@
   <p:clrMap bg1="lt1" tx1="dk1" bg2="lt2" tx2="dk2" accent1="accent1" accent2="accent2" accent3="accent3" accent4="accent4" accent5="accent5" accent6="accent6" hlink="hlink" folHlink="folHlink"/>
   <p:hf sldNum="0" ftr="0" dt="0"/>
 </p:handoutMaster>
+</file>
+
+<file path=ppt/ink/ink1.xml><?xml version="1.0" encoding="utf-8"?>
+<inkml:ink xmlns:inkml="http://www.w3.org/2003/InkML">
+  <inkml:definitions>
+    <inkml:context xml:id="ctx0">
+      <inkml:inkSource xml:id="inkSrc0">
+        <inkml:traceFormat>
+          <inkml:channel name="X" type="integer" max="1920" units="cm"/>
+          <inkml:channel name="Y" type="integer" max="1080" units="cm"/>
+          <inkml:channel name="T" type="integer" max="2.14748E9" units="dev"/>
+        </inkml:traceFormat>
+        <inkml:channelProperties>
+          <inkml:channelProperty channel="X" name="resolution" value="36.85221" units="1/cm"/>
+          <inkml:channelProperty channel="Y" name="resolution" value="36.86007" units="1/cm"/>
+          <inkml:channelProperty channel="T" name="resolution" value="1" units="1/dev"/>
+        </inkml:channelProperties>
+      </inkml:inkSource>
+      <inkml:timestamp xml:id="ts0" timeString="2021-05-06T08:31:30.973"/>
+    </inkml:context>
+    <inkml:brush xml:id="br0">
+      <inkml:brushProperty name="width" value="0.26667" units="cm"/>
+      <inkml:brushProperty name="height" value="0.53333" units="cm"/>
+      <inkml:brushProperty name="color" value="#FFFF00"/>
+      <inkml:brushProperty name="tip" value="rectangle"/>
+      <inkml:brushProperty name="rasterOp" value="maskPen"/>
+      <inkml:brushProperty name="fitToCurve" value="1"/>
+    </inkml:brush>
+  </inkml:definitions>
+  <inkml:trace contextRef="#ctx0" brushRef="#br0">0 82 0,'34'0'63,"0"0"-47,33 0-16,35 0 15,0 0-15,67 0 16,-34 0-1,35 0-15,-35 0 0,102 0 16,-33 0 0,66 0-16,1 0 15,34 0-15,0 0 16,-34 0-16,-34 0 16,0 0-16,-68 0 15,1 0-15,-35 0 16,1 0-16,-69 0 15,1 0-15,34 0 16,-35 0-16,1 0 16,34 0-16,-1 0 15,-33 0-15,34 0 16,-35 0-16,1 0 16,0 0-16,34 0 15,-35 0-15,35 0 16,-34 0-16,33 0 15,-33 0-15,34 0 16,-35 0-16,35 0 16,-68 0-16,0 0 15,33 0 1,-33 0 15,0 0 0,0 0-31,0 0 16,0 0 15,0 0 1,-1 0-17,1 0-15,0 0 16,-34 34-16,34-34 15,0 0 1,0 0-16,0 0 31</inkml:trace>
+</inkml:ink>
+</file>
+
+<file path=ppt/ink/ink10.xml><?xml version="1.0" encoding="utf-8"?>
+<inkml:ink xmlns:inkml="http://www.w3.org/2003/InkML">
+  <inkml:definitions>
+    <inkml:context xml:id="ctx0">
+      <inkml:inkSource xml:id="inkSrc0">
+        <inkml:traceFormat>
+          <inkml:channel name="X" type="integer" max="1920" units="cm"/>
+          <inkml:channel name="Y" type="integer" max="1080" units="cm"/>
+          <inkml:channel name="T" type="integer" max="2.14748E9" units="dev"/>
+        </inkml:traceFormat>
+        <inkml:channelProperties>
+          <inkml:channelProperty channel="X" name="resolution" value="36.85221" units="1/cm"/>
+          <inkml:channelProperty channel="Y" name="resolution" value="36.86007" units="1/cm"/>
+          <inkml:channelProperty channel="T" name="resolution" value="1" units="1/dev"/>
+        </inkml:channelProperties>
+      </inkml:inkSource>
+      <inkml:timestamp xml:id="ts0" timeString="2021-05-06T08:35:11.980"/>
+    </inkml:context>
+    <inkml:brush xml:id="br0">
+      <inkml:brushProperty name="width" value="0.26667" units="cm"/>
+      <inkml:brushProperty name="height" value="0.53333" units="cm"/>
+      <inkml:brushProperty name="color" value="#FFFF00"/>
+      <inkml:brushProperty name="tip" value="rectangle"/>
+      <inkml:brushProperty name="rasterOp" value="maskPen"/>
+      <inkml:brushProperty name="fitToCurve" value="1"/>
+    </inkml:brush>
+  </inkml:definitions>
+  <inkml:trace contextRef="#ctx0" brushRef="#br0">-1 0 0,'34'0'32,"-1"0"-32,1 0 15,34 0-15,34 0 16,-35 0-16,69 0 16,-68 0-16,67 34 15,0-34-15,-33 0 16,34 68-16,-1-68 15,-33 0-15,-1 0 16,-67 0-16,0 0 16</inkml:trace>
+</inkml:ink>
+</file>
+
+<file path=ppt/ink/ink11.xml><?xml version="1.0" encoding="utf-8"?>
+<inkml:ink xmlns:inkml="http://www.w3.org/2003/InkML">
+  <inkml:definitions>
+    <inkml:context xml:id="ctx0">
+      <inkml:inkSource xml:id="inkSrc0">
+        <inkml:traceFormat>
+          <inkml:channel name="X" type="integer" max="1920" units="cm"/>
+          <inkml:channel name="Y" type="integer" max="1080" units="cm"/>
+          <inkml:channel name="T" type="integer" max="2.14748E9" units="dev"/>
+        </inkml:traceFormat>
+        <inkml:channelProperties>
+          <inkml:channelProperty channel="X" name="resolution" value="36.85221" units="1/cm"/>
+          <inkml:channelProperty channel="Y" name="resolution" value="36.86007" units="1/cm"/>
+          <inkml:channelProperty channel="T" name="resolution" value="1" units="1/dev"/>
+        </inkml:channelProperties>
+      </inkml:inkSource>
+      <inkml:timestamp xml:id="ts0" timeString="2021-05-06T08:35:13.652"/>
+    </inkml:context>
+    <inkml:brush xml:id="br0">
+      <inkml:brushProperty name="width" value="0.26667" units="cm"/>
+      <inkml:brushProperty name="height" value="0.53333" units="cm"/>
+      <inkml:brushProperty name="color" value="#FFFF00"/>
+      <inkml:brushProperty name="tip" value="rectangle"/>
+      <inkml:brushProperty name="rasterOp" value="maskPen"/>
+      <inkml:brushProperty name="fitToCurve" value="1"/>
+    </inkml:brush>
+  </inkml:definitions>
+  <inkml:trace contextRef="#ctx0" brushRef="#br0">-1 1 0,'34'0'16,"0"0"-1,-1 0 1,1 0 0,0 0-1,0 0 1,0 0-16,0 0 15,0 0-15,-1 0 16,1 0-16,34 0 16,-34 0-1,0 0-15,0 0 16,0 0-16,33 0 16,-33 0-16,34 0 15,-34 0-15,0 0 16</inkml:trace>
+</inkml:ink>
+</file>
+
+<file path=ppt/ink/ink12.xml><?xml version="1.0" encoding="utf-8"?>
+<inkml:ink xmlns:inkml="http://www.w3.org/2003/InkML">
+  <inkml:definitions>
+    <inkml:context xml:id="ctx0">
+      <inkml:inkSource xml:id="inkSrc0">
+        <inkml:traceFormat>
+          <inkml:channel name="X" type="integer" max="1920" units="cm"/>
+          <inkml:channel name="Y" type="integer" max="1080" units="cm"/>
+          <inkml:channel name="T" type="integer" max="2.14748E9" units="dev"/>
+        </inkml:traceFormat>
+        <inkml:channelProperties>
+          <inkml:channelProperty channel="X" name="resolution" value="36.85221" units="1/cm"/>
+          <inkml:channelProperty channel="Y" name="resolution" value="36.86007" units="1/cm"/>
+          <inkml:channelProperty channel="T" name="resolution" value="1" units="1/dev"/>
+        </inkml:channelProperties>
+      </inkml:inkSource>
+      <inkml:timestamp xml:id="ts0" timeString="2021-05-06T08:35:15.028"/>
+    </inkml:context>
+    <inkml:brush xml:id="br0">
+      <inkml:brushProperty name="width" value="0.26667" units="cm"/>
+      <inkml:brushProperty name="height" value="0.53333" units="cm"/>
+      <inkml:brushProperty name="color" value="#FFFF00"/>
+      <inkml:brushProperty name="tip" value="rectangle"/>
+      <inkml:brushProperty name="rasterOp" value="maskPen"/>
+      <inkml:brushProperty name="fitToCurve" value="1"/>
+    </inkml:brush>
+  </inkml:definitions>
+  <inkml:trace contextRef="#ctx0" brushRef="#br0">0 1 0,'34'0'16,"0"0"0,0 0-1,0 0 1,33 0-16,-33 0 16,34 0-16,0 0 15,-35 0-15,69 0 16,-68 0-16,34 0 15,-34 0-15,-1 0 16,1 0 31,0 0-16,0 0-15,0 0 187,0 0-187,0 0-1,-1 0 1</inkml:trace>
+</inkml:ink>
+</file>
+
+<file path=ppt/ink/ink13.xml><?xml version="1.0" encoding="utf-8"?>
+<inkml:ink xmlns:inkml="http://www.w3.org/2003/InkML">
+  <inkml:definitions>
+    <inkml:context xml:id="ctx0">
+      <inkml:inkSource xml:id="inkSrc0">
+        <inkml:traceFormat>
+          <inkml:channel name="X" type="integer" max="1920" units="cm"/>
+          <inkml:channel name="Y" type="integer" max="1080" units="cm"/>
+          <inkml:channel name="T" type="integer" max="2.14748E9" units="dev"/>
+        </inkml:traceFormat>
+        <inkml:channelProperties>
+          <inkml:channelProperty channel="X" name="resolution" value="36.85221" units="1/cm"/>
+          <inkml:channelProperty channel="Y" name="resolution" value="36.86007" units="1/cm"/>
+          <inkml:channelProperty channel="T" name="resolution" value="1" units="1/dev"/>
+        </inkml:channelProperties>
+      </inkml:inkSource>
+      <inkml:timestamp xml:id="ts0" timeString="2021-05-06T08:35:35.564"/>
+    </inkml:context>
+    <inkml:brush xml:id="br0">
+      <inkml:brushProperty name="width" value="0.06667" units="cm"/>
+      <inkml:brushProperty name="height" value="0.06667" units="cm"/>
+      <inkml:brushProperty name="color" value="#ED1C24"/>
+      <inkml:brushProperty name="fitToCurve" value="1"/>
+    </inkml:brush>
+  </inkml:definitions>
+  <inkml:traceGroup>
+    <inkml:annotationXML>
+      <emma:emma xmlns:emma="http://www.w3.org/2003/04/emma" version="1.0">
+        <emma:interpretation id="{3C1F12F1-9608-41F2-9360-998145A27E31}" emma:medium="tactile" emma:mode="ink">
+          <msink:context xmlns:msink="http://schemas.microsoft.com/ink/2010/main" type="writingRegion" rotatedBoundingBox="6772,11763 8983,11705 9060,14642 6849,14700"/>
+        </emma:interpretation>
+      </emma:emma>
+    </inkml:annotationXML>
+    <inkml:traceGroup>
+      <inkml:annotationXML>
+        <emma:emma xmlns:emma="http://www.w3.org/2003/04/emma" version="1.0">
+          <emma:interpretation id="{EB0A934C-0C22-4C6D-B5B2-06BD3E2BA81E}" emma:medium="tactile" emma:mode="ink">
+            <msink:context xmlns:msink="http://schemas.microsoft.com/ink/2010/main" type="paragraph" rotatedBoundingBox="7336,11734 8727,11714 8739,12513 7348,12533" alignmentLevel="2"/>
+          </emma:interpretation>
+        </emma:emma>
+      </inkml:annotationXML>
+      <inkml:traceGroup>
+        <inkml:annotationXML>
+          <emma:emma xmlns:emma="http://www.w3.org/2003/04/emma" version="1.0">
+            <emma:interpretation id="{3274356A-5E6A-414B-B577-5F439592F0E6}" emma:medium="tactile" emma:mode="ink">
+              <msink:context xmlns:msink="http://schemas.microsoft.com/ink/2010/main" type="line" rotatedBoundingBox="7336,11734 8727,11714 8739,12513 7348,12533"/>
+            </emma:interpretation>
+          </emma:emma>
+        </inkml:annotationXML>
+        <inkml:traceGroup>
+          <inkml:annotationXML>
+            <emma:emma xmlns:emma="http://www.w3.org/2003/04/emma" version="1.0">
+              <emma:interpretation id="{FB80C410-228E-447A-B061-6F0083C9D84A}" emma:medium="tactile" emma:mode="ink">
+                <msink:context xmlns:msink="http://schemas.microsoft.com/ink/2010/main" type="inkWord" rotatedBoundingBox="7336,11734 8727,11714 8739,12513 7348,12533"/>
+              </emma:interpretation>
+              <emma:one-of disjunction-type="recognition" id="oneOf0">
+                <emma:interpretation id="interp0" emma:lang="" emma:confidence="0">
+                  <emma:literal>0</emma:literal>
+                </emma:interpretation>
+                <emma:interpretation id="interp1" emma:lang="" emma:confidence="0">
+                  <emma:literal>N</emma:literal>
+                </emma:interpretation>
+                <emma:interpretation id="interp2" emma:lang="" emma:confidence="0">
+                  <emma:literal>7</emma:literal>
+                </emma:interpretation>
+                <emma:interpretation id="interp3" emma:lang="" emma:confidence="0">
+                  <emma:literal>」</emma:literal>
+                </emma:interpretation>
+                <emma:interpretation id="interp4" emma:lang="" emma:confidence="0">
+                  <emma:literal>…</emma:literal>
+                </emma:interpretation>
+              </emma:one-of>
+            </emma:emma>
+          </inkml:annotationXML>
+          <inkml:trace contextRef="#ctx0" brushRef="#br0">691 305 0,'33'0'31,"1"0"-15,0 0-16,34 0 16,-34 0-16,0 0 15,67 0-15,-67 0 16,68 0-16,-68 0 15,33 0-15,-33 0 16</inkml:trace>
+          <inkml:trace contextRef="#ctx0" brushRef="#br0" timeOffset="-519.8307">216 68 0,'-33'0'16,"-1"0"-16,0 0 15,0 0 16,0 33-15,34 1 15,0 0-15,0 34-16,0-34 31,0 0-31,34-34 16,0 0-1,0 0-15,0 0 32,-1 0-17,1-34 17,-34 0-32,0 0 15,0 0 1,0 0-16,0 0 15,0 68 95,34 68-110,0-34 15,-34-35-15,0 1 16,0 68-16,0-34 16,0-34-16,0 33 15,0 1-15,-34-34 16,0 0 0,0-34-16,34 34 15,-33-34 1,-1 0-1,0 0-15,0 0 16,0 0 0,0-34-1,34 0 1,0-34-16,0 34 16,0 0-16,0 1 15,34 33 1,0-34-16,34 34 15,-34 0-15,67 0 16,-67 0-16,34 0 16,-34 0-16,0 0 15,33 0-15,-33 0 16,0 0 0,0 0-1,0 0-15,0 0 16,-1 0-1,1-34 1,-34 0-16,0 0 16,0 0-1,0 0-15,0 0 16,0 1 0,0-1-1,0 0-15,-34 34 16,34-34-16,-33 34 15,-1 0 32,0 0-31,0 34 0,34 0-16,0 0 15,0-1-15,0 35 16,0 0-1,0-34-15,0 34 16,0-35 0,0 1-16,0 0 15,34-34 17,0 0-17,33 0 1,-33 0-16,0 0 15,0 0-15,0 0 16,34-34 0,-34 0-16,33-33 15,-33 33-15,-34 0 16,34 0-16,0-68 16,0 69-16,-34-1 15,0 0 1,0-34-16,0 34 15,0 0-15,0 1 16,0-1-16,0 0 16,-34 102 62,34-1-63,-34 1-15,34-34 16,0 67-16,0-33 16,0 0-16,0 0 15,0-34-15,0-1 16,34 1-16,0 0 16,0-34-1,-34 34 1,33-34-1,1 0 1,0 0 0,0 0-16,0 0 15,0 0 17,-34-34-17,0 0-15</inkml:trace>
+        </inkml:traceGroup>
+      </inkml:traceGroup>
+    </inkml:traceGroup>
+    <inkml:traceGroup>
+      <inkml:annotationXML>
+        <emma:emma xmlns:emma="http://www.w3.org/2003/04/emma" version="1.0">
+          <emma:interpretation id="{66041DCE-8A2F-4E1F-A38C-DA20C719ED3B}" emma:medium="tactile" emma:mode="ink">
+            <msink:context xmlns:msink="http://schemas.microsoft.com/ink/2010/main" type="paragraph" rotatedBoundingBox="6825,13764 9035,13706 9060,14642 6849,14700" alignmentLevel="1"/>
+          </emma:interpretation>
+        </emma:emma>
+      </inkml:annotationXML>
+      <inkml:traceGroup>
+        <inkml:annotationXML>
+          <emma:emma xmlns:emma="http://www.w3.org/2003/04/emma" version="1.0">
+            <emma:interpretation id="{6B45AEDC-4E03-4BB1-AD08-830DE7CBB80A}" emma:medium="tactile" emma:mode="ink">
+              <msink:context xmlns:msink="http://schemas.microsoft.com/ink/2010/main" type="line" rotatedBoundingBox="6825,13764 9035,13706 9060,14642 6849,14700"/>
+            </emma:interpretation>
+          </emma:emma>
+        </inkml:annotationXML>
+        <inkml:traceGroup>
+          <inkml:annotationXML>
+            <emma:emma xmlns:emma="http://www.w3.org/2003/04/emma" version="1.0">
+              <emma:interpretation id="{E1662074-E509-459F-B194-3375A6C9BDD6}" emma:medium="tactile" emma:mode="ink">
+                <msink:context xmlns:msink="http://schemas.microsoft.com/ink/2010/main" type="inkWord" rotatedBoundingBox="6602,14362 7158,13799 7498,14135 6942,14698"/>
+              </emma:interpretation>
+              <emma:one-of disjunction-type="recognition" id="oneOf1">
+                <emma:interpretation id="interp5" emma:lang="" emma:confidence="1">
+                  <emma:literal/>
+                </emma:interpretation>
+              </emma:one-of>
+            </emma:emma>
+          </inkml:annotationXML>
+          <inkml:trace contextRef="#ctx0" brushRef="#br0" timeOffset="1631.6315">-224 2201 0,'34'0'16,"0"0"-16,0 0 16,0 0-16,0 34 15,-1-34-15,-33 34 16,34 0-16,0 0 16,-34-1-1,0 1 1,0 0-1,0 34 1,-34-34 15,0-34-31,-33 34 16,-1 0 0,34-34-16,-34 0 15,1 0-15,33 0 16,0 0-16,0 0 15,0 0 1,0 0 0,34-34-1,0 0 1,0 0-16,0 0 16,0 0-1,0 0 16</inkml:trace>
+          <inkml:trace contextRef="#ctx0" brushRef="#br0" timeOffset="1048.0648">-461 2370 0,'0'68'16,"0"0"-16,0 34 15,68-1-15,-68-33 16,0-34-16,0 67 16,0-67-16,0 0 15</inkml:trace>
+        </inkml:traceGroup>
+        <inkml:traceGroup>
+          <inkml:annotationXML>
+            <emma:emma xmlns:emma="http://www.w3.org/2003/04/emma" version="1.0">
+              <emma:interpretation id="{39D1A973-3998-48E7-B3EC-C640F35430F9}" emma:medium="tactile" emma:mode="ink">
+                <msink:context xmlns:msink="http://schemas.microsoft.com/ink/2010/main" type="inkWord" rotatedBoundingBox="6873,13992 7178,13984 7179,14017 6874,14025"/>
+              </emma:interpretation>
+              <emma:one-of disjunction-type="recognition" id="oneOf2">
+                <emma:interpretation id="interp6" emma:lang="" emma:confidence="0">
+                  <emma:literal>ㅡ</emma:literal>
+                </emma:interpretation>
+                <emma:interpretation id="interp7" emma:lang="" emma:confidence="0">
+                  <emma:literal>_</emma:literal>
+                </emma:interpretation>
+                <emma:interpretation id="interp8" emma:lang="" emma:confidence="0">
+                  <emma:literal>一</emma:literal>
+                </emma:interpretation>
+                <emma:interpretation id="interp9" emma:lang="" emma:confidence="0">
+                  <emma:literal>-</emma:literal>
+                </emma:interpretation>
+                <emma:interpretation id="interp10" emma:lang="" emma:confidence="0">
+                  <emma:literal>~</emma:literal>
+                </emma:interpretation>
+              </emma:one-of>
+            </emma:emma>
+          </inkml:annotationXML>
+          <inkml:trace contextRef="#ctx0" brushRef="#br0" timeOffset="7023.6598">-461 2303 0,'34'0'15,"0"0"1,34 0-16,-35 0 15,1-34-15,34 34 16,-34 0 15</inkml:trace>
+        </inkml:traceGroup>
+        <inkml:traceGroup>
+          <inkml:annotationXML>
+            <emma:emma xmlns:emma="http://www.w3.org/2003/04/emma" version="1.0">
+              <emma:interpretation id="{122CC0B2-0272-409A-8B53-07B8B23AC210}" emma:medium="tactile" emma:mode="ink">
+                <msink:context xmlns:msink="http://schemas.microsoft.com/ink/2010/main" type="inkWord" rotatedBoundingBox="7601,13743 9035,13706 9056,14491 7621,14529"/>
+              </emma:interpretation>
+              <emma:one-of disjunction-type="recognition" id="oneOf3">
+                <emma:interpretation id="interp11" emma:lang="" emma:confidence="1">
+                  <emma:literal/>
+                </emma:interpretation>
+              </emma:one-of>
+            </emma:emma>
+          </inkml:annotationXML>
+          <inkml:trace contextRef="#ctx0" brushRef="#br0" timeOffset="5056.055">1368 2235 0,'68'0'15,"-34"0"1,33 0 0,-33 0-16,34 0 15,-34 0 1,0 0-1</inkml:trace>
+          <inkml:trace contextRef="#ctx0" brushRef="#br0" timeOffset="2528.5504">420 2540 0,'-34'0'0,"0"0"31,0 0-15,0 0 0,34 34-16,0 0 31,0 33-16,0-33 17,34-34-17,0 0 1,0 0 0,34 0-1,-35 0 1,35 0-16,-34 0 15,0 0 17,0 0-17,-34-68 1,0 35 0,0-1-16,0 0 15,0 0 1,0 0-16,0 0 15,-34 34-15,0-34 16,0 34 0,0 0-16,0 0 31,1 0-15,-1 0-1,0 0 1</inkml:trace>
+          <inkml:trace contextRef="#ctx0" brushRef="#br0" timeOffset="3444.1728">1029 2472 0,'-34'0'31,"1"0"-15,-35 0-1,34 0-15,0 0 16,0 0 0,0 0 46,34 34-31,34 0-15,0 0 0,0-34-16,0 0 15,0 0 1,0 0 15,-1 0-31,1 0 0,0 0 31,0 34 1,0-34-17,-34 33 1,34 1 0,-34 0-1,0 0 16,0 0 1,-34-34-17,0 0 1,0 0 0,0 0-16,-33 0 15,33 0-15,0 0 16,0 0-16,0 0 78</inkml:trace>
+          <inkml:trace contextRef="#ctx0" brushRef="#br0" timeOffset="4488.2145">894 2303 0,'0'-34'15,"34"34"1,33 0-16,35 0 16,-68 0-16,34 0 15,-35 0-15,1 0 16,0 0-16,0 0 16,0 0-1,0 0 1</inkml:trace>
+          <inkml:trace contextRef="#ctx0" brushRef="#br0" timeOffset="4047.8243">1334 1998 0,'34'0'16,"-34"34"-16,0 34 15,0 33-15,0-67 16,0 34-16,0-1 15,0 1-15,0-34 16,0 0-16,0 34 16,34-1-1,-34-33 1,0 0 15,34 0-15,0-34-1,-1 0-15,-33 34 16,34-34 0,0 0-1,0 0 17</inkml:trace>
+        </inkml:traceGroup>
+      </inkml:traceGroup>
+    </inkml:traceGroup>
+  </inkml:traceGroup>
+</inkml:ink>
+</file>
+
+<file path=ppt/ink/ink14.xml><?xml version="1.0" encoding="utf-8"?>
+<inkml:ink xmlns:inkml="http://www.w3.org/2003/InkML">
+  <inkml:definitions>
+    <inkml:context xml:id="ctx0">
+      <inkml:inkSource xml:id="inkSrc0">
+        <inkml:traceFormat>
+          <inkml:channel name="X" type="integer" max="1920" units="cm"/>
+          <inkml:channel name="Y" type="integer" max="1080" units="cm"/>
+          <inkml:channel name="T" type="integer" max="2.14748E9" units="dev"/>
+        </inkml:traceFormat>
+        <inkml:channelProperties>
+          <inkml:channelProperty channel="X" name="resolution" value="36.85221" units="1/cm"/>
+          <inkml:channelProperty channel="Y" name="resolution" value="36.86007" units="1/cm"/>
+          <inkml:channelProperty channel="T" name="resolution" value="1" units="1/dev"/>
+        </inkml:channelProperties>
+      </inkml:inkSource>
+      <inkml:timestamp xml:id="ts0" timeString="2021-05-06T08:36:21.340"/>
+    </inkml:context>
+    <inkml:brush xml:id="br0">
+      <inkml:brushProperty name="width" value="0.26667" units="cm"/>
+      <inkml:brushProperty name="height" value="0.53333" units="cm"/>
+      <inkml:brushProperty name="color" value="#FFFF00"/>
+      <inkml:brushProperty name="tip" value="rectangle"/>
+      <inkml:brushProperty name="rasterOp" value="maskPen"/>
+      <inkml:brushProperty name="fitToCurve" value="1"/>
+    </inkml:brush>
+  </inkml:definitions>
+  <inkml:trace contextRef="#ctx0" brushRef="#br0">0 1 0,'68'0'46,"-1"0"-46,1 0 16,68 0-16,-69 0 16,1 0-16,0 0 15,33 0-15,-33 0 16,0 0-16,0 0 16,-1 0-16,35 0 15,-68 0-15,0 0 16,-1 0-16,1 0 15,0 0 17,0 0-32</inkml:trace>
+</inkml:ink>
+</file>
+
+<file path=ppt/ink/ink15.xml><?xml version="1.0" encoding="utf-8"?>
+<inkml:ink xmlns:inkml="http://www.w3.org/2003/InkML">
+  <inkml:definitions>
+    <inkml:context xml:id="ctx0">
+      <inkml:inkSource xml:id="inkSrc0">
+        <inkml:traceFormat>
+          <inkml:channel name="X" type="integer" max="1920" units="cm"/>
+          <inkml:channel name="Y" type="integer" max="1080" units="cm"/>
+          <inkml:channel name="T" type="integer" max="2.14748E9" units="dev"/>
+        </inkml:traceFormat>
+        <inkml:channelProperties>
+          <inkml:channelProperty channel="X" name="resolution" value="36.85221" units="1/cm"/>
+          <inkml:channelProperty channel="Y" name="resolution" value="36.86007" units="1/cm"/>
+          <inkml:channelProperty channel="T" name="resolution" value="1" units="1/dev"/>
+        </inkml:channelProperties>
+      </inkml:inkSource>
+      <inkml:timestamp xml:id="ts0" timeString="2021-05-06T08:36:22.124"/>
+    </inkml:context>
+    <inkml:brush xml:id="br0">
+      <inkml:brushProperty name="width" value="0.26667" units="cm"/>
+      <inkml:brushProperty name="height" value="0.53333" units="cm"/>
+      <inkml:brushProperty name="color" value="#FFFF00"/>
+      <inkml:brushProperty name="tip" value="rectangle"/>
+      <inkml:brushProperty name="rasterOp" value="maskPen"/>
+      <inkml:brushProperty name="fitToCurve" value="1"/>
+    </inkml:brush>
+  </inkml:definitions>
+  <inkml:trace contextRef="#ctx0" brushRef="#br0">0 5 0,'68'0'32,"0"0"-17,67 0-15,35 0 16,33 0-16,0 0 15,34 0-15,0 34 16,-34 0-16,-33 33 16,33-67-16,-34 34 15,-67 0-15,33-34 16,-33 34-16,-68-34 16,0 0-1</inkml:trace>
+</inkml:ink>
+</file>
+
+<file path=ppt/ink/ink16.xml><?xml version="1.0" encoding="utf-8"?>
+<inkml:ink xmlns:inkml="http://www.w3.org/2003/InkML">
+  <inkml:definitions>
+    <inkml:context xml:id="ctx0">
+      <inkml:inkSource xml:id="inkSrc0">
+        <inkml:traceFormat>
+          <inkml:channel name="X" type="integer" max="1920" units="cm"/>
+          <inkml:channel name="Y" type="integer" max="1080" units="cm"/>
+          <inkml:channel name="T" type="integer" max="2.14748E9" units="dev"/>
+        </inkml:traceFormat>
+        <inkml:channelProperties>
+          <inkml:channelProperty channel="X" name="resolution" value="36.85221" units="1/cm"/>
+          <inkml:channelProperty channel="Y" name="resolution" value="36.86007" units="1/cm"/>
+          <inkml:channelProperty channel="T" name="resolution" value="1" units="1/dev"/>
+        </inkml:channelProperties>
+      </inkml:inkSource>
+      <inkml:timestamp xml:id="ts0" timeString="2021-05-06T08:36:48.373"/>
+    </inkml:context>
+    <inkml:brush xml:id="br0">
+      <inkml:brushProperty name="width" value="0.26667" units="cm"/>
+      <inkml:brushProperty name="height" value="0.53333" units="cm"/>
+      <inkml:brushProperty name="color" value="#FFFF00"/>
+      <inkml:brushProperty name="tip" value="rectangle"/>
+      <inkml:brushProperty name="rasterOp" value="maskPen"/>
+      <inkml:brushProperty name="fitToCurve" value="1"/>
+    </inkml:brush>
+  </inkml:definitions>
+  <inkml:trace contextRef="#ctx0" brushRef="#br0">0 1 0,'34'0'156,"0"0"-140,0 0 0,0 0 15,0 0-31,-1 0 16,1 0-1,0 0 1,0 0-16,34 0 15,-34 0 1,0 0-16,-1 0 16,1 0-16,0 0 15,0 0-15,0 0 16,0 0-16,33 0 16,-33 0-1,0 0 1,34 0-16,-34 0 15,0 0 1,-34 34-16,34-34 16,-1 0-16,1 0 15,0 0-15,0 0 16,0 0 0,0 0-1,0 0-15,-34 34 16,33-34-16,1 0 15,0 0 1,0 0-16,0 0 16,0 0-1,0 0 1,0 0-16,-1 0 16,1 0-1,0 0-15,0 0 16,0 0-1,0 0-15,0 0 16,-1 0 0,1 0-1,0 0 1,0 0 0,0 0-1</inkml:trace>
+</inkml:ink>
+</file>
+
+<file path=ppt/ink/ink17.xml><?xml version="1.0" encoding="utf-8"?>
+<inkml:ink xmlns:inkml="http://www.w3.org/2003/InkML">
+  <inkml:definitions>
+    <inkml:context xml:id="ctx0">
+      <inkml:inkSource xml:id="inkSrc0">
+        <inkml:traceFormat>
+          <inkml:channel name="X" type="integer" max="1920" units="cm"/>
+          <inkml:channel name="Y" type="integer" max="1080" units="cm"/>
+          <inkml:channel name="T" type="integer" max="2.14748E9" units="dev"/>
+        </inkml:traceFormat>
+        <inkml:channelProperties>
+          <inkml:channelProperty channel="X" name="resolution" value="36.85221" units="1/cm"/>
+          <inkml:channelProperty channel="Y" name="resolution" value="36.86007" units="1/cm"/>
+          <inkml:channelProperty channel="T" name="resolution" value="1" units="1/dev"/>
+        </inkml:channelProperties>
+      </inkml:inkSource>
+      <inkml:timestamp xml:id="ts0" timeString="2021-05-06T08:37:19.028"/>
+    </inkml:context>
+    <inkml:brush xml:id="br0">
+      <inkml:brushProperty name="width" value="0.26667" units="cm"/>
+      <inkml:brushProperty name="height" value="0.53333" units="cm"/>
+      <inkml:brushProperty name="color" value="#FFFF00"/>
+      <inkml:brushProperty name="tip" value="rectangle"/>
+      <inkml:brushProperty name="rasterOp" value="maskPen"/>
+      <inkml:brushProperty name="fitToCurve" value="1"/>
+    </inkml:brush>
+  </inkml:definitions>
+  <inkml:trace contextRef="#ctx0" brushRef="#br0">-1 0 0,'33'0'47,"1"0"0,0 0-16,0 0-16,0 0 32,0 0-31,0 0 0,0 0-1,-1 0-15,1 33 16,34-33-1,-34 0 1,0 0-16,0 0 31,-1 0-31,1 0 16,34 0-16,-34 0 16,0 0-1,34 0 1,-1 0-1,-33 0-15,0 0 16,0 0-16,0 0 16,33 0-16,1 0 15,-34 0 1,0 0 0,0 0 15,0 0-31,0 0 15,-1 34 1,1-34 0,0 0-1,34 0-15,-34 0 16,0 0 0,-1 0 15,1 0 0,0 0-15,0 0-1,0 34-15,0-34 16,0 0 0,0 34-16,-1-34 15,1 0-15,0 0 16,0 0-1,0 0 17,0 0-17,0 0 1</inkml:trace>
+</inkml:ink>
+</file>
+
+<file path=ppt/ink/ink18.xml><?xml version="1.0" encoding="utf-8"?>
+<inkml:ink xmlns:inkml="http://www.w3.org/2003/InkML">
+  <inkml:definitions>
+    <inkml:context xml:id="ctx0">
+      <inkml:inkSource xml:id="inkSrc0">
+        <inkml:traceFormat>
+          <inkml:channel name="X" type="integer" max="1920" units="cm"/>
+          <inkml:channel name="Y" type="integer" max="1080" units="cm"/>
+          <inkml:channel name="T" type="integer" max="2.14748E9" units="dev"/>
+        </inkml:traceFormat>
+        <inkml:channelProperties>
+          <inkml:channelProperty channel="X" name="resolution" value="36.85221" units="1/cm"/>
+          <inkml:channelProperty channel="Y" name="resolution" value="36.86007" units="1/cm"/>
+          <inkml:channelProperty channel="T" name="resolution" value="1" units="1/dev"/>
+        </inkml:channelProperties>
+      </inkml:inkSource>
+      <inkml:timestamp xml:id="ts0" timeString="2021-05-06T08:37:21.508"/>
+    </inkml:context>
+    <inkml:brush xml:id="br0">
+      <inkml:brushProperty name="width" value="0.26667" units="cm"/>
+      <inkml:brushProperty name="height" value="0.53333" units="cm"/>
+      <inkml:brushProperty name="color" value="#FFFF00"/>
+      <inkml:brushProperty name="tip" value="rectangle"/>
+      <inkml:brushProperty name="rasterOp" value="maskPen"/>
+      <inkml:brushProperty name="fitToCurve" value="1"/>
+    </inkml:brush>
+  </inkml:definitions>
+  <inkml:trace contextRef="#ctx0" brushRef="#br0">0 101 0,'34'0'109,"0"0"-93,34 0-16,0 0 16,-1 0-16,1 0 15,67 0-15,-101 0 16,68 0-16,0 0 16,-1 0-16,-33 0 15,33-68-15,35 68 16,-68 0-16,33 0 15,1 0-15,-34 0 16,33 0-16,-67 0 16,68 0-16,-35 0 15,-33 0-15,68 0 16,-68 0-16,0 0 16,67 0-16,-67 0 15,0 0-15,0 0 16,0 0-1</inkml:trace>
+</inkml:ink>
+</file>
+
+<file path=ppt/ink/ink19.xml><?xml version="1.0" encoding="utf-8"?>
+<inkml:ink xmlns:inkml="http://www.w3.org/2003/InkML">
+  <inkml:definitions>
+    <inkml:context xml:id="ctx0">
+      <inkml:inkSource xml:id="inkSrc0">
+        <inkml:traceFormat>
+          <inkml:channel name="X" type="integer" max="1920" units="cm"/>
+          <inkml:channel name="Y" type="integer" max="1080" units="cm"/>
+          <inkml:channel name="T" type="integer" max="2.14748E9" units="dev"/>
+        </inkml:traceFormat>
+        <inkml:channelProperties>
+          <inkml:channelProperty channel="X" name="resolution" value="36.85221" units="1/cm"/>
+          <inkml:channelProperty channel="Y" name="resolution" value="36.86007" units="1/cm"/>
+          <inkml:channelProperty channel="T" name="resolution" value="1" units="1/dev"/>
+        </inkml:channelProperties>
+      </inkml:inkSource>
+      <inkml:timestamp xml:id="ts0" timeString="2021-05-06T08:37:30.836"/>
+    </inkml:context>
+    <inkml:brush xml:id="br0">
+      <inkml:brushProperty name="width" value="0.26667" units="cm"/>
+      <inkml:brushProperty name="height" value="0.53333" units="cm"/>
+      <inkml:brushProperty name="color" value="#FFFF00"/>
+      <inkml:brushProperty name="tip" value="rectangle"/>
+      <inkml:brushProperty name="rasterOp" value="maskPen"/>
+      <inkml:brushProperty name="fitToCurve" value="1"/>
+    </inkml:brush>
+  </inkml:definitions>
+  <inkml:trace contextRef="#ctx0" brushRef="#br0">-1 1 0,'67'34'94,"1"-34"-79,-34 0-15,68 0 16,-35 0-16,1 0 16,34 0-16,-1 0 15,-33 0-15,0 34 16,33-34-16,-33 0 16,0 0-16,-1 0 15,35 0-15,-68 0 16,34 0-16,-1 0 15,-33 0 1,34 0-16,-34 0 0,0 0 16,33 0-1,-33 0-15,0 0 16,34 0 0,0 0-1,-34 0 1,-1 0-16,1 0 15,0 0-15,0 0 16,0 0 109,0 0-94,0 0-15,-1 0-16,1 0 16,0 0-1,0 34-15,0-34 16,0 0-16,0 0 15,33 0 1,-33 0 0,0 0-1,0 0 1,0 0 15</inkml:trace>
+</inkml:ink>
+</file>
+
+<file path=ppt/ink/ink2.xml><?xml version="1.0" encoding="utf-8"?>
+<inkml:ink xmlns:inkml="http://www.w3.org/2003/InkML">
+  <inkml:definitions>
+    <inkml:context xml:id="ctx0">
+      <inkml:inkSource xml:id="inkSrc0">
+        <inkml:traceFormat>
+          <inkml:channel name="X" type="integer" max="1920" units="cm"/>
+          <inkml:channel name="Y" type="integer" max="1080" units="cm"/>
+          <inkml:channel name="T" type="integer" max="2.14748E9" units="dev"/>
+        </inkml:traceFormat>
+        <inkml:channelProperties>
+          <inkml:channelProperty channel="X" name="resolution" value="36.85221" units="1/cm"/>
+          <inkml:channelProperty channel="Y" name="resolution" value="36.86007" units="1/cm"/>
+          <inkml:channelProperty channel="T" name="resolution" value="1" units="1/dev"/>
+        </inkml:channelProperties>
+      </inkml:inkSource>
+      <inkml:timestamp xml:id="ts0" timeString="2021-05-06T08:31:32.812"/>
+    </inkml:context>
+    <inkml:brush xml:id="br0">
+      <inkml:brushProperty name="width" value="0.26667" units="cm"/>
+      <inkml:brushProperty name="height" value="0.53333" units="cm"/>
+      <inkml:brushProperty name="color" value="#FFFF00"/>
+      <inkml:brushProperty name="tip" value="rectangle"/>
+      <inkml:brushProperty name="rasterOp" value="maskPen"/>
+      <inkml:brushProperty name="fitToCurve" value="1"/>
+    </inkml:brush>
+  </inkml:definitions>
+  <inkml:trace contextRef="#ctx0" brushRef="#br0">0 310 0,'34'0'47,"0"0"-32,68 0-15,-35 0 16,1 0-16,68 0 16,-35 0-16,102 0 15,-33 0 1,101 0-16,-68 0 16,0-34-16,34 0 15,-34 0-15,1 0 16,-103 0-16,69 34 15,-35-33-15,-67 33 16,-1 0-16,-33 0 16,34 0-16,-34 0 15,68 0-15,-69 0 16,35 0-16,-34 0 16,68 0-16,-69 0 15,69 0-15,-34 0 16,0 0-16,33 0 15,-33 0-15,33 0 16,1 0-16,34 0 16,-69 0-16,35 0 15,-34 0-15,-1 0 16,1 0-16,34 0 16,-68 0-16,67 0 15,1 0-15,-1 0 16,1 0-16,33 0 15,-33 0 1,0 0-16,33 0 16,-33 0-16,-35 0 15,35 0-15,-34 0 16,33 0-16,-33 0 16,34 0-16,-35 0 15,1 0-15,0 0 16,33 0-16,-33 0 15,68 0-15,-35 0 16,1 0-16,-34 0 16,-1 0-16,1 0 15,-34 0-15,68 0 16,-69 0-16,1 0 16,34 0-16,-34 0 15,34 0-15,-1 0 16,1 0-16,-34 0 15,0 0-15,67 0 16,-67 0 0,0 0-16,0 0 15,0 0 1,-34 33-16,68-33 16,-35 0-16,35 34 15,0-34 1,-34 0-16,34 0 15,-35 0-15,1 0 110</inkml:trace>
+</inkml:ink>
+</file>
+
+<file path=ppt/ink/ink20.xml><?xml version="1.0" encoding="utf-8"?>
+<inkml:ink xmlns:inkml="http://www.w3.org/2003/InkML">
+  <inkml:definitions>
+    <inkml:context xml:id="ctx0">
+      <inkml:inkSource xml:id="inkSrc0">
+        <inkml:traceFormat>
+          <inkml:channel name="X" type="integer" max="1920" units="cm"/>
+          <inkml:channel name="Y" type="integer" max="1080" units="cm"/>
+          <inkml:channel name="T" type="integer" max="2.14748E9" units="dev"/>
+        </inkml:traceFormat>
+        <inkml:channelProperties>
+          <inkml:channelProperty channel="X" name="resolution" value="36.85221" units="1/cm"/>
+          <inkml:channelProperty channel="Y" name="resolution" value="36.86007" units="1/cm"/>
+          <inkml:channelProperty channel="T" name="resolution" value="1" units="1/dev"/>
+        </inkml:channelProperties>
+      </inkml:inkSource>
+      <inkml:timestamp xml:id="ts0" timeString="2021-05-06T08:38:08.836"/>
+    </inkml:context>
+    <inkml:brush xml:id="br0">
+      <inkml:brushProperty name="width" value="0.26667" units="cm"/>
+      <inkml:brushProperty name="height" value="0.53333" units="cm"/>
+      <inkml:brushProperty name="color" value="#FFFF00"/>
+      <inkml:brushProperty name="tip" value="rectangle"/>
+      <inkml:brushProperty name="rasterOp" value="maskPen"/>
+      <inkml:brushProperty name="fitToCurve" value="1"/>
+    </inkml:brush>
+  </inkml:definitions>
+  <inkml:trace contextRef="#ctx0" brushRef="#br0">0 0 0,'68'0'15,"0"0"1,33 0-16,1 0 15,0 0-15,-1 0 16,1 0-16,-34 0 16,33 34-16,35-34 15,-35 0-15,1 0 16,-1 0-16,1 0 16,-34 0-16,-1 0 15,1 0-15,-34 0 16,0 0-16,0 0 15</inkml:trace>
+</inkml:ink>
+</file>
+
+<file path=ppt/ink/ink21.xml><?xml version="1.0" encoding="utf-8"?>
+<inkml:ink xmlns:inkml="http://www.w3.org/2003/InkML">
+  <inkml:definitions>
+    <inkml:context xml:id="ctx0">
+      <inkml:inkSource xml:id="inkSrc0">
+        <inkml:traceFormat>
+          <inkml:channel name="X" type="integer" max="1920" units="cm"/>
+          <inkml:channel name="Y" type="integer" max="1080" units="cm"/>
+          <inkml:channel name="T" type="integer" max="2.14748E9" units="dev"/>
+        </inkml:traceFormat>
+        <inkml:channelProperties>
+          <inkml:channelProperty channel="X" name="resolution" value="36.85221" units="1/cm"/>
+          <inkml:channelProperty channel="Y" name="resolution" value="36.86007" units="1/cm"/>
+          <inkml:channelProperty channel="T" name="resolution" value="1" units="1/dev"/>
+        </inkml:channelProperties>
+      </inkml:inkSource>
+      <inkml:timestamp xml:id="ts0" timeString="2021-05-06T08:38:09.652"/>
+    </inkml:context>
+    <inkml:brush xml:id="br0">
+      <inkml:brushProperty name="width" value="0.26667" units="cm"/>
+      <inkml:brushProperty name="height" value="0.53333" units="cm"/>
+      <inkml:brushProperty name="color" value="#FFFF00"/>
+      <inkml:brushProperty name="tip" value="rectangle"/>
+      <inkml:brushProperty name="rasterOp" value="maskPen"/>
+      <inkml:brushProperty name="fitToCurve" value="1"/>
+    </inkml:brush>
+  </inkml:definitions>
+  <inkml:trace contextRef="#ctx0" brushRef="#br0">-1 1 0,'34'0'15,"67"0"1,35 0-16,-1 0 16,68 0-16,1 0 15,-35 0-15,68 0 16,-34 0-16,-67 0 16,33 67-16,-34-67 15,-33 0-15,0 0 16,-35 0-16,1 0 15,-34 0-15,34 0 16,-34 0-16</inkml:trace>
+</inkml:ink>
+</file>
+
+<file path=ppt/ink/ink22.xml><?xml version="1.0" encoding="utf-8"?>
+<inkml:ink xmlns:inkml="http://www.w3.org/2003/InkML">
+  <inkml:definitions>
+    <inkml:context xml:id="ctx0">
+      <inkml:inkSource xml:id="inkSrc0">
+        <inkml:traceFormat>
+          <inkml:channel name="X" type="integer" max="1920" units="cm"/>
+          <inkml:channel name="Y" type="integer" max="1080" units="cm"/>
+          <inkml:channel name="T" type="integer" max="2.14748E9" units="dev"/>
+        </inkml:traceFormat>
+        <inkml:channelProperties>
+          <inkml:channelProperty channel="X" name="resolution" value="36.85221" units="1/cm"/>
+          <inkml:channelProperty channel="Y" name="resolution" value="36.86007" units="1/cm"/>
+          <inkml:channelProperty channel="T" name="resolution" value="1" units="1/dev"/>
+        </inkml:channelProperties>
+      </inkml:inkSource>
+      <inkml:timestamp xml:id="ts0" timeString="2021-05-06T08:38:10.460"/>
+    </inkml:context>
+    <inkml:brush xml:id="br0">
+      <inkml:brushProperty name="width" value="0.26667" units="cm"/>
+      <inkml:brushProperty name="height" value="0.53333" units="cm"/>
+      <inkml:brushProperty name="color" value="#FFFF00"/>
+      <inkml:brushProperty name="tip" value="rectangle"/>
+      <inkml:brushProperty name="rasterOp" value="maskPen"/>
+      <inkml:brushProperty name="fitToCurve" value="1"/>
+    </inkml:brush>
+  </inkml:definitions>
+  <inkml:trace contextRef="#ctx0" brushRef="#br0">0 1 0,'34'0'31,"135"0"-15,35 0-16,33 0 15,-34 0 1,0 68-16,-34-68 0,-33 0 16,-35 0-1,-33 0-15,0 0 16,-34 0-16</inkml:trace>
+</inkml:ink>
+</file>
+
+<file path=ppt/ink/ink23.xml><?xml version="1.0" encoding="utf-8"?>
+<inkml:ink xmlns:inkml="http://www.w3.org/2003/InkML">
+  <inkml:definitions>
+    <inkml:context xml:id="ctx0">
+      <inkml:inkSource xml:id="inkSrc0">
+        <inkml:traceFormat>
+          <inkml:channel name="X" type="integer" max="1920" units="cm"/>
+          <inkml:channel name="Y" type="integer" max="1080" units="cm"/>
+          <inkml:channel name="T" type="integer" max="2.14748E9" units="dev"/>
+        </inkml:traceFormat>
+        <inkml:channelProperties>
+          <inkml:channelProperty channel="X" name="resolution" value="36.85221" units="1/cm"/>
+          <inkml:channelProperty channel="Y" name="resolution" value="36.86007" units="1/cm"/>
+          <inkml:channelProperty channel="T" name="resolution" value="1" units="1/dev"/>
+        </inkml:channelProperties>
+      </inkml:inkSource>
+      <inkml:timestamp xml:id="ts0" timeString="2021-05-06T08:38:11.316"/>
+    </inkml:context>
+    <inkml:brush xml:id="br0">
+      <inkml:brushProperty name="width" value="0.26667" units="cm"/>
+      <inkml:brushProperty name="height" value="0.53333" units="cm"/>
+      <inkml:brushProperty name="color" value="#FFFF00"/>
+      <inkml:brushProperty name="tip" value="rectangle"/>
+      <inkml:brushProperty name="rasterOp" value="maskPen"/>
+      <inkml:brushProperty name="fitToCurve" value="1"/>
+    </inkml:brush>
+  </inkml:definitions>
+  <inkml:trace contextRef="#ctx0" brushRef="#br0">-1 0 0,'101'0'0,"35"0"16,-35 33-16,1-33 16,67 0-16,-33 34 15,-1-34-15,-33 0 16,-1 0-16,-67 0 15,34 0-15,-34 0 16,0 0-16</inkml:trace>
+</inkml:ink>
+</file>
+
+<file path=ppt/ink/ink24.xml><?xml version="1.0" encoding="utf-8"?>
+<inkml:ink xmlns:inkml="http://www.w3.org/2003/InkML">
+  <inkml:definitions>
+    <inkml:context xml:id="ctx0">
+      <inkml:inkSource xml:id="inkSrc0">
+        <inkml:traceFormat>
+          <inkml:channel name="X" type="integer" max="1920" units="cm"/>
+          <inkml:channel name="Y" type="integer" max="1080" units="cm"/>
+          <inkml:channel name="T" type="integer" max="2.14748E9" units="dev"/>
+        </inkml:traceFormat>
+        <inkml:channelProperties>
+          <inkml:channelProperty channel="X" name="resolution" value="36.85221" units="1/cm"/>
+          <inkml:channelProperty channel="Y" name="resolution" value="36.86007" units="1/cm"/>
+          <inkml:channelProperty channel="T" name="resolution" value="1" units="1/dev"/>
+        </inkml:channelProperties>
+      </inkml:inkSource>
+      <inkml:timestamp xml:id="ts0" timeString="2021-05-06T08:38:12.524"/>
+    </inkml:context>
+    <inkml:brush xml:id="br0">
+      <inkml:brushProperty name="width" value="0.26667" units="cm"/>
+      <inkml:brushProperty name="height" value="0.53333" units="cm"/>
+      <inkml:brushProperty name="color" value="#FFFF00"/>
+      <inkml:brushProperty name="tip" value="rectangle"/>
+      <inkml:brushProperty name="rasterOp" value="maskPen"/>
+      <inkml:brushProperty name="fitToCurve" value="1"/>
+    </inkml:brush>
+  </inkml:definitions>
+  <inkml:trace contextRef="#ctx0" brushRef="#br0">0 0 0,'102'0'16,"34"0"-16,33 0 16,0 0-16,102 0 15,-34 0-15,0 0 16,0 0-16,0 0 16,0 0-16,-33 0 15,-35 0-15,0 0 16,-67 0-16,-34 0 15,-1 0-15,-33 0 16</inkml:trace>
+</inkml:ink>
+</file>
+
+<file path=ppt/ink/ink25.xml><?xml version="1.0" encoding="utf-8"?>
+<inkml:ink xmlns:inkml="http://www.w3.org/2003/InkML">
+  <inkml:definitions>
+    <inkml:context xml:id="ctx0">
+      <inkml:inkSource xml:id="inkSrc0">
+        <inkml:traceFormat>
+          <inkml:channel name="X" type="integer" max="1920" units="cm"/>
+          <inkml:channel name="Y" type="integer" max="1080" units="cm"/>
+          <inkml:channel name="T" type="integer" max="2.14748E9" units="dev"/>
+        </inkml:traceFormat>
+        <inkml:channelProperties>
+          <inkml:channelProperty channel="X" name="resolution" value="36.85221" units="1/cm"/>
+          <inkml:channelProperty channel="Y" name="resolution" value="36.86007" units="1/cm"/>
+          <inkml:channelProperty channel="T" name="resolution" value="1" units="1/dev"/>
+        </inkml:channelProperties>
+      </inkml:inkSource>
+      <inkml:timestamp xml:id="ts0" timeString="2021-05-06T08:38:29.932"/>
+    </inkml:context>
+    <inkml:brush xml:id="br0">
+      <inkml:brushProperty name="width" value="0.26667" units="cm"/>
+      <inkml:brushProperty name="height" value="0.53333" units="cm"/>
+      <inkml:brushProperty name="color" value="#FFFF00"/>
+      <inkml:brushProperty name="tip" value="rectangle"/>
+      <inkml:brushProperty name="rasterOp" value="maskPen"/>
+      <inkml:brushProperty name="fitToCurve" value="1"/>
+    </inkml:brush>
+  </inkml:definitions>
+  <inkml:trace contextRef="#ctx0" brushRef="#br0">0 1 0,'102'0'79,"-35"0"-79,69 0 15,-35 0 1,69 0-16,-35 0 15,35 0-15,-35 34 16,-101-34-16,34 0 16,-1 0-16,-33 0 15,0 0-15</inkml:trace>
+</inkml:ink>
+</file>
+
+<file path=ppt/ink/ink26.xml><?xml version="1.0" encoding="utf-8"?>
+<inkml:ink xmlns:inkml="http://www.w3.org/2003/InkML">
+  <inkml:definitions>
+    <inkml:context xml:id="ctx0">
+      <inkml:inkSource xml:id="inkSrc0">
+        <inkml:traceFormat>
+          <inkml:channel name="X" type="integer" max="1920" units="cm"/>
+          <inkml:channel name="Y" type="integer" max="1080" units="cm"/>
+          <inkml:channel name="T" type="integer" max="2.14748E9" units="dev"/>
+        </inkml:traceFormat>
+        <inkml:channelProperties>
+          <inkml:channelProperty channel="X" name="resolution" value="36.85221" units="1/cm"/>
+          <inkml:channelProperty channel="Y" name="resolution" value="36.86007" units="1/cm"/>
+          <inkml:channelProperty channel="T" name="resolution" value="1" units="1/dev"/>
+        </inkml:channelProperties>
+      </inkml:inkSource>
+      <inkml:timestamp xml:id="ts0" timeString="2021-05-06T08:38:38.356"/>
+    </inkml:context>
+    <inkml:brush xml:id="br0">
+      <inkml:brushProperty name="width" value="0.26667" units="cm"/>
+      <inkml:brushProperty name="height" value="0.53333" units="cm"/>
+      <inkml:brushProperty name="color" value="#FFFF00"/>
+      <inkml:brushProperty name="tip" value="rectangle"/>
+      <inkml:brushProperty name="rasterOp" value="maskPen"/>
+      <inkml:brushProperty name="fitToCurve" value="1"/>
+    </inkml:brush>
+  </inkml:definitions>
+  <inkml:trace contextRef="#ctx0" brushRef="#br0">0 0 0,'34'0'32,"0"0"-17,0 0-15,-1 0 16,35 0-16,-34 0 15,0 0-15,34 0 16,-34 0 0,-1 0-16,1 0 31</inkml:trace>
+</inkml:ink>
+</file>
+
+<file path=ppt/ink/ink3.xml><?xml version="1.0" encoding="utf-8"?>
+<inkml:ink xmlns:inkml="http://www.w3.org/2003/InkML">
+  <inkml:definitions>
+    <inkml:context xml:id="ctx0">
+      <inkml:inkSource xml:id="inkSrc0">
+        <inkml:traceFormat>
+          <inkml:channel name="X" type="integer" max="1920" units="cm"/>
+          <inkml:channel name="Y" type="integer" max="1080" units="cm"/>
+          <inkml:channel name="T" type="integer" max="2.14748E9" units="dev"/>
+        </inkml:traceFormat>
+        <inkml:channelProperties>
+          <inkml:channelProperty channel="X" name="resolution" value="36.85221" units="1/cm"/>
+          <inkml:channelProperty channel="Y" name="resolution" value="36.86007" units="1/cm"/>
+          <inkml:channelProperty channel="T" name="resolution" value="1" units="1/dev"/>
+        </inkml:channelProperties>
+      </inkml:inkSource>
+      <inkml:timestamp xml:id="ts0" timeString="2021-05-06T08:32:38.596"/>
+    </inkml:context>
+    <inkml:brush xml:id="br0">
+      <inkml:brushProperty name="width" value="0.26667" units="cm"/>
+      <inkml:brushProperty name="height" value="0.53333" units="cm"/>
+      <inkml:brushProperty name="color" value="#FFFF00"/>
+      <inkml:brushProperty name="tip" value="rectangle"/>
+      <inkml:brushProperty name="rasterOp" value="maskPen"/>
+      <inkml:brushProperty name="fitToCurve" value="1"/>
+    </inkml:brush>
+  </inkml:definitions>
+  <inkml:trace contextRef="#ctx0" brushRef="#br0">0 1 0,'34'0'93,"0"0"-77,-1 0-16,1 0 16,34 0-16,0 0 15,-34 0-15,67 0 16,-67 0-16,34 0 15,33 0-15,-67 0 16,34 0 0,-34 0-16,34 0 15,-1 0-15,-33 0 16,34 0-16,0 0 16,-34 0-16,33 0 15,-33 0-15,34 0 16,0 0-16,-1 0 15,1 0-15,0 0 16,-34 0-16,67 0 16,-33 0-16,-34 0 15,0 0-15,67 0 16,-67 0-16,34 0 16,0 0-16,-34 0 15,67 0-15,-33 0 16,-34 0-16,67 0 15,-33 0-15,0 0 16,-34 0-16,33 0 16,-33 0-16,34 0 15,-34 0-15,34 0 16,-1 0-16,-33 0 16,34 0-1,-34 0-15,34 0 16,-1 0-16,-33 0 15,68 0-15,-34 0 16,-1 0-16,1 0 16,0 0-16,-1 0 15,-33 0-15,68 0 16,-68 0-16,67 0 16,-33 0-16,0 0 15,33 0-15,35 0 16,-34 0-16,-35 0 15,35 0-15,-34 0 16,33 0-16,-67 0 16,68 0-16,-35 0 15,35 0-15,-34 0 16,-1 0-16,35 0 16,0 0-16,-35 0 15,35 0-15,33 0 16,-33 0-16,-34 0 15,67 0-15,1 0 16,-1 0-16,1 0 16,33 0-16,-67 0 15,33 0 1,1 0-16,-35 0 0,68 0 16,-67 0-1,34 0-15,33 0 16,34 0-16,-34 0 15,35 0-15,67 0 16,-34 0-16,-34 0 16,68 0-16,-68 0 15,68 0-15,-102 0 16,34 0-16,-33 0 16,-35 0-16,35 0 15,-103 0-15,-33 0 16,68 0-16,-35 0 15,-33 0-15,34 0 16,0 0-16,0 0 16,67 0-16,-101 0 15,67 0-15,1 0 16,-68 0-16,0 0 16,34 0-16,-35 0 15,1 0 1,0 0 15,0 0 0,0 0 16,0 0-31,0 0-1,-1 0 1,1 0 0,0 0 15</inkml:trace>
+</inkml:ink>
+</file>
+
+<file path=ppt/ink/ink4.xml><?xml version="1.0" encoding="utf-8"?>
+<inkml:ink xmlns:inkml="http://www.w3.org/2003/InkML">
+  <inkml:definitions>
+    <inkml:context xml:id="ctx0">
+      <inkml:inkSource xml:id="inkSrc0">
+        <inkml:traceFormat>
+          <inkml:channel name="X" type="integer" max="1920" units="cm"/>
+          <inkml:channel name="Y" type="integer" max="1080" units="cm"/>
+          <inkml:channel name="T" type="integer" max="2.14748E9" units="dev"/>
+        </inkml:traceFormat>
+        <inkml:channelProperties>
+          <inkml:channelProperty channel="X" name="resolution" value="36.85221" units="1/cm"/>
+          <inkml:channelProperty channel="Y" name="resolution" value="36.86007" units="1/cm"/>
+          <inkml:channelProperty channel="T" name="resolution" value="1" units="1/dev"/>
+        </inkml:channelProperties>
+      </inkml:inkSource>
+      <inkml:timestamp xml:id="ts0" timeString="2021-05-06T08:33:01.220"/>
+    </inkml:context>
+    <inkml:brush xml:id="br0">
+      <inkml:brushProperty name="width" value="0.26667" units="cm"/>
+      <inkml:brushProperty name="height" value="0.53333" units="cm"/>
+      <inkml:brushProperty name="color" value="#FFFF00"/>
+      <inkml:brushProperty name="tip" value="rectangle"/>
+      <inkml:brushProperty name="rasterOp" value="maskPen"/>
+      <inkml:brushProperty name="fitToCurve" value="1"/>
+    </inkml:brush>
+  </inkml:definitions>
+  <inkml:trace contextRef="#ctx0" brushRef="#br0">0 78 0,'34'0'16,"0"0"-16,33 0 16,-33 0-16,34 0 15,0 0-15,33 0 16,-33 0-16,34-34 16,33 34-16,34 0 15,-67 0-15,67 0 16,-33 0-16,-1 0 15,1 0-15,-1 0 16,1 0-16,-35 0 16,69 0-16,-137 0 15,103 0-15,-34 0 16,-1 0-16,1 0 16,33 0-16,-33 0 15,-1 0-15,69 0 16,-69 0-16,35 0 15,-35 0-15,1 0 16,-34 0-16,33 0 16,-67 0-16,68 0 15,-68 0-15,67 0 16,1 0-16,-34 0 16,-1 0-1,35 0-15,-34 0 16,-34 0-16,67 0 15,-33 0-15,0 0 16,-35 0-16,35 0 16,34 0-16,-68 0 15,67 0-15,-67 0 16,34 0-16,33 0 16,-67 0-16,68 0 15,-34 0-15,33 0 16,-67 0-16,0 0 15,68 0-15,-69 0 16,35 0-16,0 0 16,-34 0-16,34 0 15,-1 0-15,-33 0 16,34 0-16,0 0 16,-35 34-16,69-34 15,-68 0-15,34 33 16,-34-33-16,33 0 15,-33 0-15,34 0 16,0 0-16,-35 34 16,1-34-16,0 0 15,34 0 1,-34 0-16,0 0 16,0 0-16,-1 0 15,1 0-15,0 0 16,0 0 15</inkml:trace>
+</inkml:ink>
+</file>
+
+<file path=ppt/ink/ink5.xml><?xml version="1.0" encoding="utf-8"?>
+<inkml:ink xmlns:inkml="http://www.w3.org/2003/InkML">
+  <inkml:definitions>
+    <inkml:context xml:id="ctx0">
+      <inkml:inkSource xml:id="inkSrc0">
+        <inkml:traceFormat>
+          <inkml:channel name="X" type="integer" max="1920" units="cm"/>
+          <inkml:channel name="Y" type="integer" max="1080" units="cm"/>
+          <inkml:channel name="T" type="integer" max="2.14748E9" units="dev"/>
+        </inkml:traceFormat>
+        <inkml:channelProperties>
+          <inkml:channelProperty channel="X" name="resolution" value="36.85221" units="1/cm"/>
+          <inkml:channelProperty channel="Y" name="resolution" value="36.86007" units="1/cm"/>
+          <inkml:channelProperty channel="T" name="resolution" value="1" units="1/dev"/>
+        </inkml:channelProperties>
+      </inkml:inkSource>
+      <inkml:timestamp xml:id="ts0" timeString="2021-05-06T08:33:03.940"/>
+    </inkml:context>
+    <inkml:brush xml:id="br0">
+      <inkml:brushProperty name="width" value="0.26667" units="cm"/>
+      <inkml:brushProperty name="height" value="0.53333" units="cm"/>
+      <inkml:brushProperty name="color" value="#FFFF00"/>
+      <inkml:brushProperty name="tip" value="rectangle"/>
+      <inkml:brushProperty name="rasterOp" value="maskPen"/>
+      <inkml:brushProperty name="fitToCurve" value="1"/>
+    </inkml:brush>
+  </inkml:definitions>
+  <inkml:trace contextRef="#ctx0" brushRef="#br0">0 64 0,'68'0'78,"-34"0"-78,0 0 16,33 0-16,1 0 16,34 0-16,-1 0 15,-33 0-15,34 0 16,-1 0-16,1 0 16,-1 0-16,1 0 15,-34 0-15,0 0 16,-35 0-16,35 0 15,-34 0-15,0 0 16,0 0-16,33 0 16,1 0-16,-34 0 15,34 0 1,0 0-16,-1 0 0,1 0 16,-34 0-1,0 0-15,0 0 16,33 0-16,-33 0 15,0 0 1,0 0-16,34 0 16,-34 0-16,67 0 15,-67 0-15,34 0 16,-1 0-16,1 0 16,-34 0-16,34 0 15,-34 0-15,0 0 16,33 0-16,-33 0 15,0 0-15,0 0 16,34 0-16,-1 0 16,1 0-16,0 0 15,0 0-15,-1 0 16,1 0-16,-34 0 16,67 0-16,-33 0 15,-34 0-15,0 0 16,68 0-16,-1 0 15,-33 0 1,33 0-16,1 0 16,67 0-16,-67 0 15,-34 0-15,33 0 16,-33 0-16,0 0 16,-34 0-16,33 0 15,1 0-15,-34 0 16,68 0-16,-35 0 15,35 0-15,33 0 16,-33 0-16,0 0 16,-69 0-16,69 0 15,-34 0-15,0 0 16,33 0-16,-33 0 16,33 0-16,-33 0 15,68 0-15,-102 0 16,-1 0-16,1 0 15,0 0-15,0 0 16,0 0 0,0 0-16,0 0 15,-1 34 1,1-34 140,0 0-140,34 0-16,-34 0 15,0 0 1</inkml:trace>
+</inkml:ink>
+</file>
+
+<file path=ppt/ink/ink6.xml><?xml version="1.0" encoding="utf-8"?>
+<inkml:ink xmlns:inkml="http://www.w3.org/2003/InkML">
+  <inkml:definitions>
+    <inkml:context xml:id="ctx0">
+      <inkml:inkSource xml:id="inkSrc0">
+        <inkml:traceFormat>
+          <inkml:channel name="X" type="integer" max="1920" units="cm"/>
+          <inkml:channel name="Y" type="integer" max="1080" units="cm"/>
+          <inkml:channel name="T" type="integer" max="2.14748E9" units="dev"/>
+        </inkml:traceFormat>
+        <inkml:channelProperties>
+          <inkml:channelProperty channel="X" name="resolution" value="36.85221" units="1/cm"/>
+          <inkml:channelProperty channel="Y" name="resolution" value="36.86007" units="1/cm"/>
+          <inkml:channelProperty channel="T" name="resolution" value="1" units="1/dev"/>
+        </inkml:channelProperties>
+      </inkml:inkSource>
+      <inkml:timestamp xml:id="ts0" timeString="2021-05-06T08:34:07.580"/>
+    </inkml:context>
+    <inkml:brush xml:id="br0">
+      <inkml:brushProperty name="width" value="0.26667" units="cm"/>
+      <inkml:brushProperty name="height" value="0.53333" units="cm"/>
+      <inkml:brushProperty name="color" value="#FFFF00"/>
+      <inkml:brushProperty name="tip" value="rectangle"/>
+      <inkml:brushProperty name="rasterOp" value="maskPen"/>
+      <inkml:brushProperty name="fitToCurve" value="1"/>
+    </inkml:brush>
+  </inkml:definitions>
+  <inkml:trace contextRef="#ctx0" brushRef="#br0">-1 1 0,'33'0'16,"69"0"-16,0 0 15,101 0-15,0 0 16,0 0-16,34 0 15,34 0 1,-34 0-16,0 0 0,-33 0 16,33 0-1,-102 0-15,34 0 16,-33 0-16,-68 0 16,67 0-16,-101 0 15,0 0-15,0 0 16</inkml:trace>
+</inkml:ink>
+</file>
+
+<file path=ppt/ink/ink7.xml><?xml version="1.0" encoding="utf-8"?>
+<inkml:ink xmlns:inkml="http://www.w3.org/2003/InkML">
+  <inkml:definitions>
+    <inkml:context xml:id="ctx0">
+      <inkml:inkSource xml:id="inkSrc0">
+        <inkml:traceFormat>
+          <inkml:channel name="X" type="integer" max="1920" units="cm"/>
+          <inkml:channel name="Y" type="integer" max="1080" units="cm"/>
+          <inkml:channel name="T" type="integer" max="2.14748E9" units="dev"/>
+        </inkml:traceFormat>
+        <inkml:channelProperties>
+          <inkml:channelProperty channel="X" name="resolution" value="36.85221" units="1/cm"/>
+          <inkml:channelProperty channel="Y" name="resolution" value="36.86007" units="1/cm"/>
+          <inkml:channelProperty channel="T" name="resolution" value="1" units="1/dev"/>
+        </inkml:channelProperties>
+      </inkml:inkSource>
+      <inkml:timestamp xml:id="ts0" timeString="2021-05-06T08:34:40.436"/>
+    </inkml:context>
+    <inkml:brush xml:id="br0">
+      <inkml:brushProperty name="width" value="0.26667" units="cm"/>
+      <inkml:brushProperty name="height" value="0.53333" units="cm"/>
+      <inkml:brushProperty name="color" value="#FFFF00"/>
+      <inkml:brushProperty name="tip" value="rectangle"/>
+      <inkml:brushProperty name="rasterOp" value="maskPen"/>
+      <inkml:brushProperty name="fitToCurve" value="1"/>
+    </inkml:brush>
+  </inkml:definitions>
+  <inkml:trace contextRef="#ctx0" brushRef="#br0">-1 1 0,'34'0'63,"67"0"-48,1 0-15,33 0 16,68 0-16,-67 0 16,101 0-16,-68 0 15,35 0-15,-1 0 16,-34 0-16,34 0 15,-33 0-15,33 0 16,0 0-16,-68 0 16,1 0-16,67 0 15,-101 0-15,33 0 16,1 0-16,-69 0 16,35 0-16,0 0 15,-69 0-15,1 0 16,0 0-16,34 0 15,-34 0 1,0 0 0</inkml:trace>
+</inkml:ink>
+</file>
+
+<file path=ppt/ink/ink8.xml><?xml version="1.0" encoding="utf-8"?>
+<inkml:ink xmlns:inkml="http://www.w3.org/2003/InkML">
+  <inkml:definitions>
+    <inkml:context xml:id="ctx0">
+      <inkml:inkSource xml:id="inkSrc0">
+        <inkml:traceFormat>
+          <inkml:channel name="X" type="integer" max="1920" units="cm"/>
+          <inkml:channel name="Y" type="integer" max="1080" units="cm"/>
+          <inkml:channel name="T" type="integer" max="2.14748E9" units="dev"/>
+        </inkml:traceFormat>
+        <inkml:channelProperties>
+          <inkml:channelProperty channel="X" name="resolution" value="36.85221" units="1/cm"/>
+          <inkml:channelProperty channel="Y" name="resolution" value="36.86007" units="1/cm"/>
+          <inkml:channelProperty channel="T" name="resolution" value="1" units="1/dev"/>
+        </inkml:channelProperties>
+      </inkml:inkSource>
+      <inkml:timestamp xml:id="ts0" timeString="2021-05-06T08:34:53.252"/>
+    </inkml:context>
+    <inkml:brush xml:id="br0">
+      <inkml:brushProperty name="width" value="0.26667" units="cm"/>
+      <inkml:brushProperty name="height" value="0.53333" units="cm"/>
+      <inkml:brushProperty name="color" value="#FFFF00"/>
+      <inkml:brushProperty name="tip" value="rectangle"/>
+      <inkml:brushProperty name="rasterOp" value="maskPen"/>
+      <inkml:brushProperty name="fitToCurve" value="1"/>
+    </inkml:brush>
+  </inkml:definitions>
+  <inkml:trace contextRef="#ctx0" brushRef="#br0">0 0 0,'34'0'47,"34"0"-47,33 0 16,35 0-16,-35 0 15,69 0-15,-35 0 16,35 0-16,-1 0 16,34 0-16,0 0 15,1 0-15,-35 0 16,0 0-16,-33 0 15,-1 0-15,1 0 16,-69 0-16,35 0 16,0 0-16,-69 0 15,35 0-15,-34 0 16,0 0-16,34 0 16,-35 0-1,1 0-15,0 0 16,0 0-1,0 0 64,0 0-64,0 0 1,0 0-16,33 0 15,-33 0-15,68 0 16,-35 0-16,-33 0 16,34 0-16,0 0 15,-34 0-15,33 0 16,1 0-16,-34 0 16,34 0-16,-34 0 15,-1 0 1</inkml:trace>
+</inkml:ink>
+</file>
+
+<file path=ppt/ink/ink9.xml><?xml version="1.0" encoding="utf-8"?>
+<inkml:ink xmlns:inkml="http://www.w3.org/2003/InkML">
+  <inkml:definitions>
+    <inkml:context xml:id="ctx0">
+      <inkml:inkSource xml:id="inkSrc0">
+        <inkml:traceFormat>
+          <inkml:channel name="X" type="integer" max="1920" units="cm"/>
+          <inkml:channel name="Y" type="integer" max="1080" units="cm"/>
+          <inkml:channel name="T" type="integer" max="2.14748E9" units="dev"/>
+        </inkml:traceFormat>
+        <inkml:channelProperties>
+          <inkml:channelProperty channel="X" name="resolution" value="36.85221" units="1/cm"/>
+          <inkml:channelProperty channel="Y" name="resolution" value="36.86007" units="1/cm"/>
+          <inkml:channelProperty channel="T" name="resolution" value="1" units="1/dev"/>
+        </inkml:channelProperties>
+      </inkml:inkSource>
+      <inkml:timestamp xml:id="ts0" timeString="2021-05-06T08:34:59.500"/>
+    </inkml:context>
+    <inkml:brush xml:id="br0">
+      <inkml:brushProperty name="width" value="0.06667" units="cm"/>
+      <inkml:brushProperty name="height" value="0.06667" units="cm"/>
+      <inkml:brushProperty name="color" value="#ED1C24"/>
+      <inkml:brushProperty name="fitToCurve" value="1"/>
+    </inkml:brush>
+  </inkml:definitions>
+  <inkml:traceGroup>
+    <inkml:annotationXML>
+      <emma:emma xmlns:emma="http://www.w3.org/2003/04/emma" version="1.0">
+        <emma:interpretation id="{4AA746A8-4E52-42ED-8D70-6E90C20BA0E9}" emma:medium="tactile" emma:mode="ink">
+          <msink:context xmlns:msink="http://schemas.microsoft.com/ink/2010/main" type="writingRegion" rotatedBoundingBox="5384,1592 6840,1592 6840,2879 5384,2879"/>
+        </emma:interpretation>
+      </emma:emma>
+    </inkml:annotationXML>
+    <inkml:traceGroup>
+      <inkml:annotationXML>
+        <emma:emma xmlns:emma="http://www.w3.org/2003/04/emma" version="1.0">
+          <emma:interpretation id="{A1B87C96-7FA8-4993-AFA5-665761A7556F}" emma:medium="tactile" emma:mode="ink">
+            <msink:context xmlns:msink="http://schemas.microsoft.com/ink/2010/main" type="paragraph" rotatedBoundingBox="5384,1592 6840,1592 6840,2879 5384,2879" alignmentLevel="1"/>
+          </emma:interpretation>
+        </emma:emma>
+      </inkml:annotationXML>
+      <inkml:traceGroup>
+        <inkml:annotationXML>
+          <emma:emma xmlns:emma="http://www.w3.org/2003/04/emma" version="1.0">
+            <emma:interpretation id="{9EB006A6-0B81-44AE-AF8B-A00DEAD202C2}" emma:medium="tactile" emma:mode="ink">
+              <msink:context xmlns:msink="http://schemas.microsoft.com/ink/2010/main" type="line" rotatedBoundingBox="5384,1592 6840,1592 6840,2879 5384,2879"/>
+            </emma:interpretation>
+          </emma:emma>
+        </inkml:annotationXML>
+        <inkml:traceGroup>
+          <inkml:annotationXML>
+            <emma:emma xmlns:emma="http://www.w3.org/2003/04/emma" version="1.0">
+              <emma:interpretation id="{98A4FF8C-3225-43FD-9C75-5468178F37F0}" emma:medium="tactile" emma:mode="ink">
+                <msink:context xmlns:msink="http://schemas.microsoft.com/ink/2010/main" type="inkWord" rotatedBoundingBox="5384,1592 6840,1592 6840,2879 5384,2879"/>
+              </emma:interpretation>
+              <emma:one-of disjunction-type="recognition" id="oneOf0">
+                <emma:interpretation id="interp0" emma:lang="" emma:confidence="0">
+                  <emma:literal>〇</emma:literal>
+                </emma:interpretation>
+                <emma:interpretation id="interp1" emma:lang="" emma:confidence="0">
+                  <emma:literal>3</emma:literal>
+                </emma:interpretation>
+                <emma:interpretation id="interp2" emma:lang="" emma:confidence="0">
+                  <emma:literal>P</emma:literal>
+                </emma:interpretation>
+                <emma:interpretation id="interp3" emma:lang="" emma:confidence="0">
+                  <emma:literal>J</emma:literal>
+                </emma:interpretation>
+                <emma:interpretation id="interp4" emma:lang="" emma:confidence="0">
+                  <emma:literal>*</emma:literal>
+                </emma:interpretation>
+              </emma:one-of>
+            </emma:emma>
+          </inkml:annotationXML>
+          <inkml:trace contextRef="#ctx0" brushRef="#br0">0 812 0,'102'0'15,"101"0"-15,-34 0 16,68-67-16,-67 67 16,33 0-16,-34 0 15,-67 0-15,-35 0 16,-33 0-16,-68 0 94,-33 34-79,-35-1 1,0 35-16,35 0 15,-69 0-15,35 33 16,-1-33-16,68-34 16,0 0-1,34 0-15,-34-34 32,34-34 61,0-68-93,0-33 16,0-1-16,0 1 16,0-1-16,0 35 15,0-35-15,0 68 16,0-67-16,0 67 15,0 34-15,0-33 16,68 101 78,34 135-94,-68-68 15,101 69-15,-101-69 16,68 1-16,-35 33 16,-33-33-16,34-34 15,-34 0-15,0-35 16,0 1-16,-68-34 109,0 0-109,-34 0 16,0 0-16,-67-34 16,67 1-16,0-1 15,1 0-15,33 34 16,-68-68-16,1 34 15,33 34-15,0 0 16,-33-68 0,67 68-16,-68-33 15,68 33-15,0 0 16,0 0 0</inkml:trace>
+        </inkml:traceGroup>
+      </inkml:traceGroup>
+    </inkml:traceGroup>
+  </inkml:traceGroup>
+</inkml:ink>
 </file>
 
 <file path=ppt/notesMasters/notesMaster1.xml><?xml version="1.0" encoding="utf-8"?>
@@ -518,7 +1523,7 @@
               <a:pPr>
                 <a:defRPr/>
               </a:pPr>
-              <a:t>2017-04-25</a:t>
+              <a:t>2021-05-06</a:t>
             </a:fld>
             <a:endParaRPr lang="ko-KR" altLang="en-US"/>
           </a:p>
@@ -1293,7 +2298,7 @@
               <a:pPr>
                 <a:defRPr/>
               </a:pPr>
-              <a:t>2017-04-25</a:t>
+              <a:t>2021-05-06</a:t>
             </a:fld>
             <a:endParaRPr lang="ko-KR" altLang="en-US"/>
           </a:p>
@@ -1490,7 +2495,7 @@
               <a:pPr>
                 <a:defRPr/>
               </a:pPr>
-              <a:t>2017-04-25</a:t>
+              <a:t>2021-05-06</a:t>
             </a:fld>
             <a:endParaRPr lang="ko-KR" altLang="en-US"/>
           </a:p>
@@ -1697,7 +2702,7 @@
               <a:pPr>
                 <a:defRPr/>
               </a:pPr>
-              <a:t>2017-04-25</a:t>
+              <a:t>2021-05-06</a:t>
             </a:fld>
             <a:endParaRPr lang="ko-KR" altLang="en-US"/>
           </a:p>
@@ -1894,7 +2899,7 @@
               <a:pPr>
                 <a:defRPr/>
               </a:pPr>
-              <a:t>2017-04-25</a:t>
+              <a:t>2021-05-06</a:t>
             </a:fld>
             <a:endParaRPr lang="ko-KR" altLang="en-US"/>
           </a:p>
@@ -2168,7 +3173,7 @@
               <a:pPr>
                 <a:defRPr/>
               </a:pPr>
-              <a:t>2017-04-25</a:t>
+              <a:t>2021-05-06</a:t>
             </a:fld>
             <a:endParaRPr lang="ko-KR" altLang="en-US"/>
           </a:p>
@@ -2464,7 +3469,7 @@
               <a:pPr>
                 <a:defRPr/>
               </a:pPr>
-              <a:t>2017-04-25</a:t>
+              <a:t>2021-05-06</a:t>
             </a:fld>
             <a:endParaRPr lang="ko-KR" altLang="en-US"/>
           </a:p>
@@ -2874,7 +3879,7 @@
               <a:pPr>
                 <a:defRPr/>
               </a:pPr>
-              <a:t>2017-04-25</a:t>
+              <a:t>2021-05-06</a:t>
             </a:fld>
             <a:endParaRPr lang="ko-KR" altLang="en-US"/>
           </a:p>
@@ -3056,7 +4061,7 @@
               <a:pPr>
                 <a:defRPr/>
               </a:pPr>
-              <a:t>2017-04-25</a:t>
+              <a:t>2021-05-06</a:t>
             </a:fld>
             <a:endParaRPr lang="ko-KR" altLang="en-US"/>
           </a:p>
@@ -3178,7 +4183,7 @@
               <a:pPr>
                 <a:defRPr/>
               </a:pPr>
-              <a:t>2017-04-25</a:t>
+              <a:t>2021-05-06</a:t>
             </a:fld>
             <a:endParaRPr lang="ko-KR" altLang="en-US"/>
           </a:p>
@@ -3471,7 +4476,7 @@
               <a:pPr>
                 <a:defRPr/>
               </a:pPr>
-              <a:t>2017-04-25</a:t>
+              <a:t>2021-05-06</a:t>
             </a:fld>
             <a:endParaRPr lang="ko-KR" altLang="en-US"/>
           </a:p>
@@ -4120,7 +5125,7 @@
               <a:pPr>
                 <a:defRPr/>
               </a:pPr>
-              <a:t>2017-04-25</a:t>
+              <a:t>2021-05-06</a:t>
             </a:fld>
             <a:endParaRPr lang="ko-KR" altLang="en-US"/>
           </a:p>
@@ -4684,7 +5689,7 @@
               <a:pPr>
                 <a:defRPr/>
               </a:pPr>
-              <a:t>2017-04-25</a:t>
+              <a:t>2021-05-06</a:t>
             </a:fld>
             <a:endParaRPr lang="ko-KR" altLang="en-US"/>
           </a:p>
@@ -5653,11 +6658,7 @@
             <a:pPr eaLnBrk="1" hangingPunct="1"/>
             <a:r>
               <a:rPr lang="en-US" altLang="ko-KR" dirty="0" smtClean="0"/>
-              <a:t>WAS (</a:t>
-            </a:r>
-            <a:r>
-              <a:rPr lang="en-US" altLang="ko-KR" dirty="0" smtClean="0"/>
-              <a:t>Web Application Server) : </a:t>
+              <a:t>WAS (Web Application Server) : </a:t>
             </a:r>
             <a:r>
               <a:rPr lang="ko-KR" altLang="en-US" dirty="0" smtClean="0"/>
@@ -5832,11 +6833,7 @@
             </a:r>
             <a:r>
               <a:rPr lang="ko-KR" altLang="en-US" sz="2000" dirty="0" smtClean="0"/>
-              <a:t>웹 프로그래밍의 </a:t>
-            </a:r>
-            <a:r>
-              <a:rPr lang="ko-KR" altLang="en-US" sz="2000" dirty="0" smtClean="0"/>
-              <a:t>이해 </a:t>
+              <a:t>웹 프로그래밍의 이해 </a:t>
             </a:r>
             <a:r>
               <a:rPr lang="en-US" altLang="ko-KR" sz="2000" dirty="0" smtClean="0"/>
@@ -5883,6 +6880,45 @@
           </a:p>
         </p:txBody>
       </p:sp>
+      <mc:AlternateContent xmlns:mc="http://schemas.openxmlformats.org/markup-compatibility/2006" xmlns:p14="http://schemas.microsoft.com/office/powerpoint/2010/main">
+        <mc:Choice Requires="p14">
+          <p:contentPart p14:bwMode="auto" r:id="rId2">
+            <p14:nvContentPartPr>
+              <p14:cNvPr id="2" name="잉크 1"/>
+              <p14:cNvContentPartPr/>
+              <p14:nvPr/>
+            </p14:nvContentPartPr>
+            <p14:xfrm>
+              <a:off x="853488" y="3242544"/>
+              <a:ext cx="4267080" cy="720"/>
+            </p14:xfrm>
+          </p:contentPart>
+        </mc:Choice>
+        <mc:Fallback xmlns="">
+          <p:pic>
+            <p:nvPicPr>
+              <p:cNvPr id="2" name="잉크 1"/>
+              <p:cNvPicPr/>
+              <p:nvPr/>
+            </p:nvPicPr>
+            <p:blipFill>
+              <a:blip r:embed="rId3"/>
+              <a:stretch>
+                <a:fillRect/>
+              </a:stretch>
+            </p:blipFill>
+            <p:spPr>
+              <a:xfrm>
+                <a:off x="805608" y="3146784"/>
+                <a:ext cx="4363200" cy="192600"/>
+              </a:xfrm>
+              <a:prstGeom prst="rect">
+                <a:avLst/>
+              </a:prstGeom>
+            </p:spPr>
+          </p:pic>
+        </mc:Fallback>
+      </mc:AlternateContent>
     </p:spTree>
   </p:cSld>
   <p:clrMapOvr>
@@ -6048,11 +7084,7 @@
             </a:r>
             <a:r>
               <a:rPr lang="ko-KR" altLang="en-US" dirty="0" smtClean="0"/>
-              <a:t> </a:t>
-            </a:r>
-            <a:r>
-              <a:rPr lang="ko-KR" altLang="en-US" dirty="0" smtClean="0"/>
-              <a:t>컨테이너</a:t>
+              <a:t> 컨테이너</a:t>
             </a:r>
             <a:endParaRPr lang="en-US" altLang="ko-KR" dirty="0" smtClean="0"/>
           </a:p>
@@ -6174,6 +7206,215 @@
           </a:p>
         </p:txBody>
       </p:sp>
+      <mc:AlternateContent xmlns:mc="http://schemas.openxmlformats.org/markup-compatibility/2006" xmlns:p14="http://schemas.microsoft.com/office/powerpoint/2010/main">
+        <mc:Choice Requires="p14">
+          <p:contentPart p14:bwMode="auto" r:id="rId2">
+            <p14:nvContentPartPr>
+              <p14:cNvPr id="2" name="잉크 1"/>
+              <p14:cNvContentPartPr/>
+              <p14:nvPr/>
+            </p14:nvContentPartPr>
+            <p14:xfrm>
+              <a:off x="487728" y="1288824"/>
+              <a:ext cx="2548440" cy="54000"/>
+            </p14:xfrm>
+          </p:contentPart>
+        </mc:Choice>
+        <mc:Fallback xmlns="">
+          <p:pic>
+            <p:nvPicPr>
+              <p:cNvPr id="2" name="잉크 1"/>
+              <p:cNvPicPr/>
+              <p:nvPr/>
+            </p:nvPicPr>
+            <p:blipFill>
+              <a:blip r:embed="rId3"/>
+              <a:stretch>
+                <a:fillRect/>
+              </a:stretch>
+            </p:blipFill>
+            <p:spPr>
+              <a:xfrm>
+                <a:off x="439848" y="1192704"/>
+                <a:ext cx="2644200" cy="246240"/>
+              </a:xfrm>
+              <a:prstGeom prst="rect">
+                <a:avLst/>
+              </a:prstGeom>
+            </p:spPr>
+          </p:pic>
+        </mc:Fallback>
+      </mc:AlternateContent>
+      <mc:AlternateContent xmlns:mc="http://schemas.openxmlformats.org/markup-compatibility/2006" xmlns:p14="http://schemas.microsoft.com/office/powerpoint/2010/main">
+        <mc:Choice Requires="p14">
+          <p:contentPart p14:bwMode="auto" r:id="rId4">
+            <p14:nvContentPartPr>
+              <p14:cNvPr id="3" name="잉크 2"/>
+              <p14:cNvContentPartPr/>
+              <p14:nvPr/>
+            </p14:nvContentPartPr>
+            <p14:xfrm>
+              <a:off x="548568" y="1427784"/>
+              <a:ext cx="2426760" cy="36360"/>
+            </p14:xfrm>
+          </p:contentPart>
+        </mc:Choice>
+        <mc:Fallback xmlns="">
+          <p:pic>
+            <p:nvPicPr>
+              <p:cNvPr id="3" name="잉크 2"/>
+              <p:cNvPicPr/>
+              <p:nvPr/>
+            </p:nvPicPr>
+            <p:blipFill>
+              <a:blip r:embed="rId5"/>
+              <a:stretch>
+                <a:fillRect/>
+              </a:stretch>
+            </p:blipFill>
+            <p:spPr>
+              <a:xfrm>
+                <a:off x="500688" y="1331664"/>
+                <a:ext cx="2522520" cy="228600"/>
+              </a:xfrm>
+              <a:prstGeom prst="rect">
+                <a:avLst/>
+              </a:prstGeom>
+            </p:spPr>
+          </p:pic>
+        </mc:Fallback>
+      </mc:AlternateContent>
+      <p:sp>
+        <p:nvSpPr>
+          <p:cNvPr id="6" name="TextBox 5"/>
+          <p:cNvSpPr txBox="1"/>
+          <p:nvPr/>
+        </p:nvSpPr>
+        <p:spPr>
+          <a:xfrm>
+            <a:off x="3275856" y="1052736"/>
+            <a:ext cx="3416320" cy="369332"/>
+          </a:xfrm>
+          <a:prstGeom prst="rect">
+            <a:avLst/>
+          </a:prstGeom>
+          <a:noFill/>
+        </p:spPr>
+        <p:txBody>
+          <a:bodyPr wrap="none" rtlCol="0">
+            <a:spAutoFit/>
+          </a:bodyPr>
+          <a:lstStyle/>
+          <a:p>
+            <a:r>
+              <a:rPr lang="ko-KR" altLang="en-US" dirty="0" smtClean="0">
+                <a:solidFill>
+                  <a:srgbClr val="FF0000"/>
+                </a:solidFill>
+              </a:rPr>
+              <a:t>프로그램이 올라가 있는 저장소</a:t>
+            </a:r>
+            <a:endParaRPr lang="ko-KR" altLang="en-US" dirty="0">
+              <a:solidFill>
+                <a:srgbClr val="FF0000"/>
+              </a:solidFill>
+            </a:endParaRPr>
+          </a:p>
+        </p:txBody>
+      </p:sp>
+      <p:sp>
+        <p:nvSpPr>
+          <p:cNvPr id="7" name="TextBox 6"/>
+          <p:cNvSpPr txBox="1"/>
+          <p:nvPr/>
+        </p:nvSpPr>
+        <p:spPr>
+          <a:xfrm>
+            <a:off x="3275856" y="1464144"/>
+            <a:ext cx="1800200" cy="369332"/>
+          </a:xfrm>
+          <a:prstGeom prst="rect">
+            <a:avLst/>
+          </a:prstGeom>
+          <a:noFill/>
+        </p:spPr>
+        <p:txBody>
+          <a:bodyPr wrap="square" rtlCol="0">
+            <a:spAutoFit/>
+          </a:bodyPr>
+          <a:lstStyle/>
+          <a:p>
+            <a:r>
+              <a:rPr lang="en-US" altLang="ko-KR" dirty="0" smtClean="0">
+                <a:solidFill>
+                  <a:srgbClr val="FF0000"/>
+                </a:solidFill>
+              </a:rPr>
+              <a:t>=context(</a:t>
+            </a:r>
+            <a:r>
+              <a:rPr lang="ko-KR" altLang="en-US" dirty="0" smtClean="0">
+                <a:solidFill>
+                  <a:srgbClr val="FF0000"/>
+                </a:solidFill>
+              </a:rPr>
+              <a:t>환경</a:t>
+            </a:r>
+            <a:r>
+              <a:rPr lang="en-US" altLang="ko-KR" dirty="0" smtClean="0">
+                <a:solidFill>
+                  <a:srgbClr val="FF0000"/>
+                </a:solidFill>
+              </a:rPr>
+              <a:t>)</a:t>
+            </a:r>
+            <a:endParaRPr lang="ko-KR" altLang="en-US" dirty="0">
+              <a:solidFill>
+                <a:srgbClr val="FF0000"/>
+              </a:solidFill>
+            </a:endParaRPr>
+          </a:p>
+        </p:txBody>
+      </p:sp>
+      <mc:AlternateContent xmlns:mc="http://schemas.openxmlformats.org/markup-compatibility/2006" xmlns:p14="http://schemas.microsoft.com/office/powerpoint/2010/main">
+        <mc:Choice Requires="p14">
+          <p:contentPart p14:bwMode="auto" r:id="rId6">
+            <p14:nvContentPartPr>
+              <p14:cNvPr id="8" name="잉크 7"/>
+              <p14:cNvContentPartPr/>
+              <p14:nvPr/>
+            </p14:nvContentPartPr>
+            <p14:xfrm>
+              <a:off x="3072888" y="2608584"/>
+              <a:ext cx="1085040" cy="720"/>
+            </p14:xfrm>
+          </p:contentPart>
+        </mc:Choice>
+        <mc:Fallback xmlns="">
+          <p:pic>
+            <p:nvPicPr>
+              <p:cNvPr id="8" name="잉크 7"/>
+              <p:cNvPicPr/>
+              <p:nvPr/>
+            </p:nvPicPr>
+            <p:blipFill>
+              <a:blip r:embed="rId7"/>
+              <a:stretch>
+                <a:fillRect/>
+              </a:stretch>
+            </p:blipFill>
+            <p:spPr>
+              <a:xfrm>
+                <a:off x="3024648" y="2512824"/>
+                <a:ext cx="1181160" cy="192600"/>
+              </a:xfrm>
+              <a:prstGeom prst="rect">
+                <a:avLst/>
+              </a:prstGeom>
+            </p:spPr>
+          </p:pic>
+        </mc:Fallback>
+      </mc:AlternateContent>
     </p:spTree>
   </p:cSld>
   <p:clrMapOvr>
@@ -6446,11 +7687,7 @@
             </a:r>
             <a:r>
               <a:rPr lang="en-US" altLang="ko-KR" dirty="0" smtClean="0"/>
-              <a:t>(Connectionless</a:t>
-            </a:r>
-            <a:r>
-              <a:rPr lang="en-US" altLang="ko-KR" dirty="0" smtClean="0"/>
-              <a:t>)</a:t>
+              <a:t>(Connectionless)</a:t>
             </a:r>
             <a:br>
               <a:rPr lang="en-US" altLang="ko-KR" dirty="0" smtClean="0"/>
@@ -6469,11 +7706,7 @@
             </a:r>
             <a:r>
               <a:rPr lang="en-US" altLang="ko-KR" dirty="0" smtClean="0"/>
-              <a:t>(Stateless</a:t>
-            </a:r>
-            <a:r>
-              <a:rPr lang="en-US" altLang="ko-KR" dirty="0" smtClean="0"/>
-              <a:t>)</a:t>
+              <a:t>(Stateless)</a:t>
             </a:r>
             <a:br>
               <a:rPr lang="en-US" altLang="ko-KR" dirty="0" smtClean="0"/>
@@ -6492,11 +7725,7 @@
             </a:r>
             <a:r>
               <a:rPr lang="en-US" altLang="ko-KR" dirty="0" smtClean="0"/>
-              <a:t>(Request</a:t>
-            </a:r>
-            <a:r>
-              <a:rPr lang="en-US" altLang="ko-KR" dirty="0" smtClean="0"/>
-              <a:t>)</a:t>
+              <a:t>(Request)</a:t>
             </a:r>
             <a:br>
               <a:rPr lang="en-US" altLang="ko-KR" dirty="0" smtClean="0"/>
@@ -6515,11 +7744,7 @@
             </a:r>
             <a:r>
               <a:rPr lang="en-US" altLang="ko-KR" dirty="0" smtClean="0"/>
-              <a:t>(Response</a:t>
-            </a:r>
-            <a:r>
-              <a:rPr lang="en-US" altLang="ko-KR" dirty="0" smtClean="0"/>
-              <a:t>)</a:t>
+              <a:t>(Response)</a:t>
             </a:r>
             <a:br>
               <a:rPr lang="en-US" altLang="ko-KR" dirty="0" smtClean="0"/>
@@ -6528,7 +7753,6 @@
               <a:rPr lang="ko-KR" altLang="en-US" dirty="0" smtClean="0"/>
               <a:t>서비스 응답을 처리하는 정보</a:t>
             </a:r>
-            <a:endParaRPr lang="ko-KR" altLang="en-US" dirty="0" smtClean="0"/>
           </a:p>
         </p:txBody>
       </p:sp>
@@ -6632,6 +7856,84 @@
           </a:p>
         </p:txBody>
       </p:sp>
+      <mc:AlternateContent xmlns:mc="http://schemas.openxmlformats.org/markup-compatibility/2006" xmlns:p14="http://schemas.microsoft.com/office/powerpoint/2010/main">
+        <mc:Choice Requires="p14">
+          <p:contentPart p14:bwMode="auto" r:id="rId2">
+            <p14:nvContentPartPr>
+              <p14:cNvPr id="2" name="잉크 1"/>
+              <p14:cNvContentPartPr/>
+              <p14:nvPr/>
+            </p14:nvContentPartPr>
+            <p14:xfrm>
+              <a:off x="2329128" y="4352064"/>
+              <a:ext cx="1377720" cy="720"/>
+            </p14:xfrm>
+          </p:contentPart>
+        </mc:Choice>
+        <mc:Fallback xmlns="">
+          <p:pic>
+            <p:nvPicPr>
+              <p:cNvPr id="2" name="잉크 1"/>
+              <p:cNvPicPr/>
+              <p:nvPr/>
+            </p:nvPicPr>
+            <p:blipFill>
+              <a:blip r:embed="rId3"/>
+              <a:stretch>
+                <a:fillRect/>
+              </a:stretch>
+            </p:blipFill>
+            <p:spPr>
+              <a:xfrm>
+                <a:off x="2280888" y="4256304"/>
+                <a:ext cx="1473840" cy="192600"/>
+              </a:xfrm>
+              <a:prstGeom prst="rect">
+                <a:avLst/>
+              </a:prstGeom>
+            </p:spPr>
+          </p:pic>
+        </mc:Fallback>
+      </mc:AlternateContent>
+      <mc:AlternateContent xmlns:mc="http://schemas.openxmlformats.org/markup-compatibility/2006" xmlns:p14="http://schemas.microsoft.com/office/powerpoint/2010/main">
+        <mc:Choice Requires="p14">
+          <p:contentPart p14:bwMode="auto" r:id="rId4">
+            <p14:nvContentPartPr>
+              <p14:cNvPr id="3" name="잉크 2"/>
+              <p14:cNvContentPartPr/>
+              <p14:nvPr/>
+            </p14:nvContentPartPr>
+            <p14:xfrm>
+              <a:off x="2377368" y="5193744"/>
+              <a:ext cx="1438560" cy="360"/>
+            </p14:xfrm>
+          </p:contentPart>
+        </mc:Choice>
+        <mc:Fallback xmlns="">
+          <p:pic>
+            <p:nvPicPr>
+              <p:cNvPr id="3" name="잉크 2"/>
+              <p:cNvPicPr/>
+              <p:nvPr/>
+            </p:nvPicPr>
+            <p:blipFill>
+              <a:blip r:embed="rId5"/>
+              <a:stretch>
+                <a:fillRect/>
+              </a:stretch>
+            </p:blipFill>
+            <p:spPr>
+              <a:xfrm>
+                <a:off x="2329488" y="5097624"/>
+                <a:ext cx="1534680" cy="192600"/>
+              </a:xfrm>
+              <a:prstGeom prst="rect">
+                <a:avLst/>
+              </a:prstGeom>
+            </p:spPr>
+          </p:pic>
+        </mc:Fallback>
+      </mc:AlternateContent>
     </p:spTree>
   </p:cSld>
   <p:clrMapOvr>
@@ -6895,16 +8197,207 @@
             </a:r>
             <a:r>
               <a:rPr lang="ko-KR" altLang="en-US" sz="2000" dirty="0" smtClean="0"/>
-              <a:t>프로토콜의 </a:t>
-            </a:r>
-            <a:r>
-              <a:rPr lang="ko-KR" altLang="en-US" sz="2000" dirty="0" smtClean="0"/>
-              <a:t>이해</a:t>
+              <a:t>프로토콜의 이해</a:t>
             </a:r>
             <a:endParaRPr lang="ko-KR" altLang="en-US" sz="2000" dirty="0"/>
           </a:p>
         </p:txBody>
       </p:sp>
+      <mc:AlternateContent xmlns:mc="http://schemas.openxmlformats.org/markup-compatibility/2006" xmlns:p14="http://schemas.microsoft.com/office/powerpoint/2010/main">
+        <mc:Choice Requires="p14">
+          <p:contentPart p14:bwMode="auto" r:id="rId3">
+            <p14:nvContentPartPr>
+              <p14:cNvPr id="5" name="잉크 4"/>
+              <p14:cNvContentPartPr/>
+              <p14:nvPr/>
+            </p14:nvContentPartPr>
+            <p14:xfrm>
+              <a:off x="1938528" y="573144"/>
+              <a:ext cx="524520" cy="463680"/>
+            </p14:xfrm>
+          </p:contentPart>
+        </mc:Choice>
+        <mc:Fallback xmlns="">
+          <p:pic>
+            <p:nvPicPr>
+              <p:cNvPr id="5" name="잉크 4"/>
+              <p:cNvPicPr/>
+              <p:nvPr/>
+            </p:nvPicPr>
+            <p:blipFill>
+              <a:blip r:embed="rId4"/>
+              <a:stretch>
+                <a:fillRect/>
+              </a:stretch>
+            </p:blipFill>
+            <p:spPr>
+              <a:xfrm>
+                <a:off x="1926648" y="561264"/>
+                <a:ext cx="548280" cy="487440"/>
+              </a:xfrm>
+              <a:prstGeom prst="rect">
+                <a:avLst/>
+              </a:prstGeom>
+            </p:spPr>
+          </p:pic>
+        </mc:Fallback>
+      </mc:AlternateContent>
+      <mc:AlternateContent xmlns:mc="http://schemas.openxmlformats.org/markup-compatibility/2006" xmlns:p14="http://schemas.microsoft.com/office/powerpoint/2010/main">
+        <mc:Choice Requires="p14">
+          <p:contentPart p14:bwMode="auto" r:id="rId5">
+            <p14:nvContentPartPr>
+              <p14:cNvPr id="7" name="잉크 6"/>
+              <p14:cNvContentPartPr/>
+              <p14:nvPr/>
+            </p14:nvContentPartPr>
+            <p14:xfrm>
+              <a:off x="4438368" y="3840504"/>
+              <a:ext cx="524160" cy="38160"/>
+            </p14:xfrm>
+          </p:contentPart>
+        </mc:Choice>
+        <mc:Fallback xmlns="">
+          <p:pic>
+            <p:nvPicPr>
+              <p:cNvPr id="7" name="잉크 6"/>
+              <p:cNvPicPr/>
+              <p:nvPr/>
+            </p:nvPicPr>
+            <p:blipFill>
+              <a:blip r:embed="rId6"/>
+              <a:stretch>
+                <a:fillRect/>
+              </a:stretch>
+            </p:blipFill>
+            <p:spPr>
+              <a:xfrm>
+                <a:off x="4390128" y="3744384"/>
+                <a:ext cx="620280" cy="230040"/>
+              </a:xfrm>
+              <a:prstGeom prst="rect">
+                <a:avLst/>
+              </a:prstGeom>
+            </p:spPr>
+          </p:pic>
+        </mc:Fallback>
+      </mc:AlternateContent>
+      <mc:AlternateContent xmlns:mc="http://schemas.openxmlformats.org/markup-compatibility/2006" xmlns:p14="http://schemas.microsoft.com/office/powerpoint/2010/main">
+        <mc:Choice Requires="p14">
+          <p:contentPart p14:bwMode="auto" r:id="rId7">
+            <p14:nvContentPartPr>
+              <p14:cNvPr id="8" name="잉크 7"/>
+              <p14:cNvContentPartPr/>
+              <p14:nvPr/>
+            </p14:nvContentPartPr>
+            <p14:xfrm>
+              <a:off x="4426128" y="4266744"/>
+              <a:ext cx="292680" cy="720"/>
+            </p14:xfrm>
+          </p:contentPart>
+        </mc:Choice>
+        <mc:Fallback xmlns="">
+          <p:pic>
+            <p:nvPicPr>
+              <p:cNvPr id="8" name="잉크 7"/>
+              <p:cNvPicPr/>
+              <p:nvPr/>
+            </p:nvPicPr>
+            <p:blipFill>
+              <a:blip r:embed="rId8"/>
+              <a:stretch>
+                <a:fillRect/>
+              </a:stretch>
+            </p:blipFill>
+            <p:spPr>
+              <a:xfrm>
+                <a:off x="4377888" y="4170984"/>
+                <a:ext cx="388800" cy="192600"/>
+              </a:xfrm>
+              <a:prstGeom prst="rect">
+                <a:avLst/>
+              </a:prstGeom>
+            </p:spPr>
+          </p:pic>
+        </mc:Fallback>
+      </mc:AlternateContent>
+      <mc:AlternateContent xmlns:mc="http://schemas.openxmlformats.org/markup-compatibility/2006" xmlns:p14="http://schemas.microsoft.com/office/powerpoint/2010/main">
+        <mc:Choice Requires="p14">
+          <p:contentPart p14:bwMode="auto" r:id="rId9">
+            <p14:nvContentPartPr>
+              <p14:cNvPr id="9" name="잉크 8"/>
+              <p14:cNvContentPartPr/>
+              <p14:nvPr/>
+            </p14:nvContentPartPr>
+            <p14:xfrm>
+              <a:off x="4401288" y="4998264"/>
+              <a:ext cx="329040" cy="720"/>
+            </p14:xfrm>
+          </p:contentPart>
+        </mc:Choice>
+        <mc:Fallback xmlns="">
+          <p:pic>
+            <p:nvPicPr>
+              <p:cNvPr id="9" name="잉크 8"/>
+              <p:cNvPicPr/>
+              <p:nvPr/>
+            </p:nvPicPr>
+            <p:blipFill>
+              <a:blip r:embed="rId10"/>
+              <a:stretch>
+                <a:fillRect/>
+              </a:stretch>
+            </p:blipFill>
+            <p:spPr>
+              <a:xfrm>
+                <a:off x="4353408" y="4902504"/>
+                <a:ext cx="425160" cy="192600"/>
+              </a:xfrm>
+              <a:prstGeom prst="rect">
+                <a:avLst/>
+              </a:prstGeom>
+            </p:spPr>
+          </p:pic>
+        </mc:Fallback>
+      </mc:AlternateContent>
+      <mc:AlternateContent xmlns:mc="http://schemas.openxmlformats.org/markup-compatibility/2006" xmlns:p14="http://schemas.microsoft.com/office/powerpoint/2010/main">
+        <mc:Choice Requires="p14">
+          <p:contentPart p14:bwMode="auto" r:id="rId11">
+            <p14:nvContentPartPr>
+              <p14:cNvPr id="12" name="잉크 11"/>
+              <p14:cNvContentPartPr/>
+              <p14:nvPr/>
+            </p14:nvContentPartPr>
+            <p14:xfrm>
+              <a:off x="2462688" y="4218504"/>
+              <a:ext cx="793080" cy="1073160"/>
+            </p14:xfrm>
+          </p:contentPart>
+        </mc:Choice>
+        <mc:Fallback xmlns="">
+          <p:pic>
+            <p:nvPicPr>
+              <p:cNvPr id="12" name="잉크 11"/>
+              <p:cNvPicPr/>
+              <p:nvPr/>
+            </p:nvPicPr>
+            <p:blipFill>
+              <a:blip r:embed="rId12"/>
+              <a:stretch>
+                <a:fillRect/>
+              </a:stretch>
+            </p:blipFill>
+            <p:spPr>
+              <a:xfrm>
+                <a:off x="2450808" y="4206624"/>
+                <a:ext cx="816840" cy="1096920"/>
+              </a:xfrm>
+              <a:prstGeom prst="rect">
+                <a:avLst/>
+              </a:prstGeom>
+            </p:spPr>
+          </p:pic>
+        </mc:Fallback>
+      </mc:AlternateContent>
     </p:spTree>
   </p:cSld>
   <p:clrMapOvr>
@@ -7013,7 +8506,6 @@
               <a:rPr lang="en-US" altLang="ko-KR" dirty="0" smtClean="0"/>
               <a:t>GET</a:t>
             </a:r>
-            <a:endParaRPr lang="en-US" altLang="ko-KR" dirty="0" smtClean="0"/>
           </a:p>
           <a:p>
             <a:pPr lvl="1" eaLnBrk="1" hangingPunct="1"/>
@@ -7166,6 +8658,84 @@
           </a:p>
         </p:txBody>
       </p:sp>
+      <mc:AlternateContent xmlns:mc="http://schemas.openxmlformats.org/markup-compatibility/2006" xmlns:p14="http://schemas.microsoft.com/office/powerpoint/2010/main">
+        <mc:Choice Requires="p14">
+          <p:contentPart p14:bwMode="auto" r:id="rId2">
+            <p14:nvContentPartPr>
+              <p14:cNvPr id="2" name="잉크 1"/>
+              <p14:cNvContentPartPr/>
+              <p14:nvPr/>
+            </p14:nvContentPartPr>
+            <p14:xfrm>
+              <a:off x="1219248" y="3059664"/>
+              <a:ext cx="439200" cy="720"/>
+            </p14:xfrm>
+          </p:contentPart>
+        </mc:Choice>
+        <mc:Fallback xmlns="">
+          <p:pic>
+            <p:nvPicPr>
+              <p:cNvPr id="2" name="잉크 1"/>
+              <p:cNvPicPr/>
+              <p:nvPr/>
+            </p:nvPicPr>
+            <p:blipFill>
+              <a:blip r:embed="rId3"/>
+              <a:stretch>
+                <a:fillRect/>
+              </a:stretch>
+            </p:blipFill>
+            <p:spPr>
+              <a:xfrm>
+                <a:off x="1171368" y="2963904"/>
+                <a:ext cx="534960" cy="192600"/>
+              </a:xfrm>
+              <a:prstGeom prst="rect">
+                <a:avLst/>
+              </a:prstGeom>
+            </p:spPr>
+          </p:pic>
+        </mc:Fallback>
+      </mc:AlternateContent>
+      <mc:AlternateContent xmlns:mc="http://schemas.openxmlformats.org/markup-compatibility/2006" xmlns:p14="http://schemas.microsoft.com/office/powerpoint/2010/main">
+        <mc:Choice Requires="p14">
+          <p:contentPart p14:bwMode="auto" r:id="rId4">
+            <p14:nvContentPartPr>
+              <p14:cNvPr id="3" name="잉크 2"/>
+              <p14:cNvContentPartPr/>
+              <p14:nvPr/>
+            </p14:nvContentPartPr>
+            <p14:xfrm>
+              <a:off x="1182528" y="3570504"/>
+              <a:ext cx="890640" cy="87480"/>
+            </p14:xfrm>
+          </p:contentPart>
+        </mc:Choice>
+        <mc:Fallback xmlns="">
+          <p:pic>
+            <p:nvPicPr>
+              <p:cNvPr id="3" name="잉크 2"/>
+              <p:cNvPicPr/>
+              <p:nvPr/>
+            </p:nvPicPr>
+            <p:blipFill>
+              <a:blip r:embed="rId5"/>
+              <a:stretch>
+                <a:fillRect/>
+              </a:stretch>
+            </p:blipFill>
+            <p:spPr>
+              <a:xfrm>
+                <a:off x="1134648" y="3474384"/>
+                <a:ext cx="986400" cy="279720"/>
+              </a:xfrm>
+              <a:prstGeom prst="rect">
+                <a:avLst/>
+              </a:prstGeom>
+            </p:spPr>
+          </p:pic>
+        </mc:Fallback>
+      </mc:AlternateContent>
     </p:spTree>
   </p:cSld>
   <p:clrMapOvr>
@@ -7314,11 +8884,7 @@
             </a:r>
             <a:r>
               <a:rPr lang="en-US" altLang="ko-KR" dirty="0" smtClean="0"/>
-              <a:t>(PROTOCOL</a:t>
-            </a:r>
-            <a:r>
-              <a:rPr lang="en-US" altLang="ko-KR" dirty="0" smtClean="0"/>
-              <a:t>)</a:t>
+              <a:t>(PROTOCOL)</a:t>
             </a:r>
             <a:br>
               <a:rPr lang="en-US" altLang="ko-KR" dirty="0" smtClean="0"/>
@@ -7365,7 +8931,6 @@
               <a:rPr lang="ko-KR" altLang="en-US" dirty="0" smtClean="0"/>
               <a:t>컴퓨터내의 서버를 찾아가기 위한 정보</a:t>
             </a:r>
-            <a:endParaRPr lang="ko-KR" altLang="en-US" dirty="0" smtClean="0"/>
           </a:p>
         </p:txBody>
       </p:sp>
@@ -7533,6 +9098,162 @@
           </a:p>
         </p:txBody>
       </p:sp>
+      <mc:AlternateContent xmlns:mc="http://schemas.openxmlformats.org/markup-compatibility/2006" xmlns:p14="http://schemas.microsoft.com/office/powerpoint/2010/main">
+        <mc:Choice Requires="p14">
+          <p:contentPart p14:bwMode="auto" r:id="rId3">
+            <p14:nvContentPartPr>
+              <p14:cNvPr id="2" name="잉크 1"/>
+              <p14:cNvContentPartPr/>
+              <p14:nvPr/>
+            </p14:nvContentPartPr>
+            <p14:xfrm>
+              <a:off x="816768" y="3242544"/>
+              <a:ext cx="671040" cy="25920"/>
+            </p14:xfrm>
+          </p:contentPart>
+        </mc:Choice>
+        <mc:Fallback xmlns="">
+          <p:pic>
+            <p:nvPicPr>
+              <p:cNvPr id="2" name="잉크 1"/>
+              <p:cNvPicPr/>
+              <p:nvPr/>
+            </p:nvPicPr>
+            <p:blipFill>
+              <a:blip r:embed="rId4"/>
+              <a:stretch>
+                <a:fillRect/>
+              </a:stretch>
+            </p:blipFill>
+            <p:spPr>
+              <a:xfrm>
+                <a:off x="768888" y="3146784"/>
+                <a:ext cx="766800" cy="217800"/>
+              </a:xfrm>
+              <a:prstGeom prst="rect">
+                <a:avLst/>
+              </a:prstGeom>
+            </p:spPr>
+          </p:pic>
+        </mc:Fallback>
+      </mc:AlternateContent>
+      <mc:AlternateContent xmlns:mc="http://schemas.openxmlformats.org/markup-compatibility/2006" xmlns:p14="http://schemas.microsoft.com/office/powerpoint/2010/main">
+        <mc:Choice Requires="p14">
+          <p:contentPart p14:bwMode="auto" r:id="rId5">
+            <p14:nvContentPartPr>
+              <p14:cNvPr id="3" name="잉크 2"/>
+              <p14:cNvContentPartPr/>
+              <p14:nvPr/>
+            </p14:nvContentPartPr>
+            <p14:xfrm>
+              <a:off x="1609848" y="3231024"/>
+              <a:ext cx="731520" cy="50040"/>
+            </p14:xfrm>
+          </p:contentPart>
+        </mc:Choice>
+        <mc:Fallback xmlns="">
+          <p:pic>
+            <p:nvPicPr>
+              <p:cNvPr id="3" name="잉크 2"/>
+              <p:cNvPicPr/>
+              <p:nvPr/>
+            </p:nvPicPr>
+            <p:blipFill>
+              <a:blip r:embed="rId6"/>
+              <a:stretch>
+                <a:fillRect/>
+              </a:stretch>
+            </p:blipFill>
+            <p:spPr>
+              <a:xfrm>
+                <a:off x="1561608" y="3134904"/>
+                <a:ext cx="827640" cy="242280"/>
+              </a:xfrm>
+              <a:prstGeom prst="rect">
+                <a:avLst/>
+              </a:prstGeom>
+            </p:spPr>
+          </p:pic>
+        </mc:Fallback>
+      </mc:AlternateContent>
+      <mc:AlternateContent xmlns:mc="http://schemas.openxmlformats.org/markup-compatibility/2006" xmlns:p14="http://schemas.microsoft.com/office/powerpoint/2010/main">
+        <mc:Choice Requires="p14">
+          <p:contentPart p14:bwMode="auto" r:id="rId7">
+            <p14:nvContentPartPr>
+              <p14:cNvPr id="6" name="잉크 5"/>
+              <p14:cNvContentPartPr/>
+              <p14:nvPr/>
+            </p14:nvContentPartPr>
+            <p14:xfrm>
+              <a:off x="2548008" y="3231024"/>
+              <a:ext cx="793080" cy="36720"/>
+            </p14:xfrm>
+          </p:contentPart>
+        </mc:Choice>
+        <mc:Fallback xmlns="">
+          <p:pic>
+            <p:nvPicPr>
+              <p:cNvPr id="6" name="잉크 5"/>
+              <p:cNvPicPr/>
+              <p:nvPr/>
+            </p:nvPicPr>
+            <p:blipFill>
+              <a:blip r:embed="rId8"/>
+              <a:stretch>
+                <a:fillRect/>
+              </a:stretch>
+            </p:blipFill>
+            <p:spPr>
+              <a:xfrm>
+                <a:off x="2500128" y="3135264"/>
+                <a:ext cx="888840" cy="228600"/>
+              </a:xfrm>
+              <a:prstGeom prst="rect">
+                <a:avLst/>
+              </a:prstGeom>
+            </p:spPr>
+          </p:pic>
+        </mc:Fallback>
+      </mc:AlternateContent>
+      <mc:AlternateContent xmlns:mc="http://schemas.openxmlformats.org/markup-compatibility/2006" xmlns:p14="http://schemas.microsoft.com/office/powerpoint/2010/main">
+        <mc:Choice Requires="p14">
+          <p:contentPart p14:bwMode="auto" r:id="rId9">
+            <p14:nvContentPartPr>
+              <p14:cNvPr id="7" name="잉크 6"/>
+              <p14:cNvContentPartPr/>
+              <p14:nvPr/>
+            </p14:nvContentPartPr>
+            <p14:xfrm>
+              <a:off x="3438648" y="3242544"/>
+              <a:ext cx="889920" cy="40320"/>
+            </p14:xfrm>
+          </p:contentPart>
+        </mc:Choice>
+        <mc:Fallback xmlns="">
+          <p:pic>
+            <p:nvPicPr>
+              <p:cNvPr id="7" name="잉크 6"/>
+              <p:cNvPicPr/>
+              <p:nvPr/>
+            </p:nvPicPr>
+            <p:blipFill>
+              <a:blip r:embed="rId10"/>
+              <a:stretch>
+                <a:fillRect/>
+              </a:stretch>
+            </p:blipFill>
+            <p:spPr>
+              <a:xfrm>
+                <a:off x="3390408" y="3146784"/>
+                <a:ext cx="986040" cy="232200"/>
+              </a:xfrm>
+              <a:prstGeom prst="rect">
+                <a:avLst/>
+              </a:prstGeom>
+            </p:spPr>
+          </p:pic>
+        </mc:Fallback>
+      </mc:AlternateContent>
     </p:spTree>
   </p:cSld>
   <p:clrMapOvr>
@@ -8166,6 +9887,201 @@
           </a:p>
         </p:txBody>
       </p:sp>
+      <mc:AlternateContent xmlns:mc="http://schemas.openxmlformats.org/markup-compatibility/2006" xmlns:p14="http://schemas.microsoft.com/office/powerpoint/2010/main">
+        <mc:Choice Requires="p14">
+          <p:contentPart p14:bwMode="auto" r:id="rId4">
+            <p14:nvContentPartPr>
+              <p14:cNvPr id="2" name="잉크 1"/>
+              <p14:cNvContentPartPr/>
+              <p14:nvPr/>
+            </p14:nvContentPartPr>
+            <p14:xfrm>
+              <a:off x="719208" y="4645104"/>
+              <a:ext cx="597960" cy="16560"/>
+            </p14:xfrm>
+          </p:contentPart>
+        </mc:Choice>
+        <mc:Fallback xmlns="">
+          <p:pic>
+            <p:nvPicPr>
+              <p:cNvPr id="2" name="잉크 1"/>
+              <p:cNvPicPr/>
+              <p:nvPr/>
+            </p:nvPicPr>
+            <p:blipFill>
+              <a:blip r:embed="rId5"/>
+              <a:stretch>
+                <a:fillRect/>
+              </a:stretch>
+            </p:blipFill>
+            <p:spPr>
+              <a:xfrm>
+                <a:off x="671328" y="4548984"/>
+                <a:ext cx="693720" cy="208800"/>
+              </a:xfrm>
+              <a:prstGeom prst="rect">
+                <a:avLst/>
+              </a:prstGeom>
+            </p:spPr>
+          </p:pic>
+        </mc:Fallback>
+      </mc:AlternateContent>
+      <mc:AlternateContent xmlns:mc="http://schemas.openxmlformats.org/markup-compatibility/2006" xmlns:p14="http://schemas.microsoft.com/office/powerpoint/2010/main">
+        <mc:Choice Requires="p14">
+          <p:contentPart p14:bwMode="auto" r:id="rId6">
+            <p14:nvContentPartPr>
+              <p14:cNvPr id="6" name="잉크 5"/>
+              <p14:cNvContentPartPr/>
+              <p14:nvPr/>
+            </p14:nvContentPartPr>
+            <p14:xfrm>
+              <a:off x="1414728" y="4961904"/>
+              <a:ext cx="841320" cy="29520"/>
+            </p14:xfrm>
+          </p:contentPart>
+        </mc:Choice>
+        <mc:Fallback xmlns="">
+          <p:pic>
+            <p:nvPicPr>
+              <p:cNvPr id="6" name="잉크 5"/>
+              <p:cNvPicPr/>
+              <p:nvPr/>
+            </p:nvPicPr>
+            <p:blipFill>
+              <a:blip r:embed="rId7"/>
+              <a:stretch>
+                <a:fillRect/>
+              </a:stretch>
+            </p:blipFill>
+            <p:spPr>
+              <a:xfrm>
+                <a:off x="1366488" y="4865784"/>
+                <a:ext cx="937440" cy="221760"/>
+              </a:xfrm>
+              <a:prstGeom prst="rect">
+                <a:avLst/>
+              </a:prstGeom>
+            </p:spPr>
+          </p:pic>
+        </mc:Fallback>
+      </mc:AlternateContent>
+      <mc:AlternateContent xmlns:mc="http://schemas.openxmlformats.org/markup-compatibility/2006" xmlns:p14="http://schemas.microsoft.com/office/powerpoint/2010/main">
+        <mc:Choice Requires="p14">
+          <p:contentPart p14:bwMode="auto" r:id="rId8">
+            <p14:nvContentPartPr>
+              <p14:cNvPr id="9" name="잉크 8"/>
+              <p14:cNvContentPartPr/>
+              <p14:nvPr/>
+            </p14:nvContentPartPr>
+            <p14:xfrm>
+              <a:off x="1462968" y="5278704"/>
+              <a:ext cx="585720" cy="28800"/>
+            </p14:xfrm>
+          </p:contentPart>
+        </mc:Choice>
+        <mc:Fallback xmlns="">
+          <p:pic>
+            <p:nvPicPr>
+              <p:cNvPr id="9" name="잉크 8"/>
+              <p:cNvPicPr/>
+              <p:nvPr/>
+            </p:nvPicPr>
+            <p:blipFill>
+              <a:blip r:embed="rId9"/>
+              <a:stretch>
+                <a:fillRect/>
+              </a:stretch>
+            </p:blipFill>
+            <p:spPr>
+              <a:xfrm>
+                <a:off x="1415088" y="5182944"/>
+                <a:ext cx="681480" cy="220680"/>
+              </a:xfrm>
+              <a:prstGeom prst="rect">
+                <a:avLst/>
+              </a:prstGeom>
+            </p:spPr>
+          </p:pic>
+        </mc:Fallback>
+      </mc:AlternateContent>
+      <mc:AlternateContent xmlns:mc="http://schemas.openxmlformats.org/markup-compatibility/2006" xmlns:p14="http://schemas.microsoft.com/office/powerpoint/2010/main">
+        <mc:Choice Requires="p14">
+          <p:contentPart p14:bwMode="auto" r:id="rId10">
+            <p14:nvContentPartPr>
+              <p14:cNvPr id="10" name="잉크 9"/>
+              <p14:cNvContentPartPr/>
+              <p14:nvPr/>
+            </p14:nvContentPartPr>
+            <p14:xfrm>
+              <a:off x="1244088" y="5791344"/>
+              <a:ext cx="451080" cy="24480"/>
+            </p14:xfrm>
+          </p:contentPart>
+        </mc:Choice>
+        <mc:Fallback xmlns="">
+          <p:pic>
+            <p:nvPicPr>
+              <p:cNvPr id="10" name="잉크 9"/>
+              <p:cNvPicPr/>
+              <p:nvPr/>
+            </p:nvPicPr>
+            <p:blipFill>
+              <a:blip r:embed="rId11"/>
+              <a:stretch>
+                <a:fillRect/>
+              </a:stretch>
+            </p:blipFill>
+            <p:spPr>
+              <a:xfrm>
+                <a:off x="1195848" y="5695224"/>
+                <a:ext cx="547200" cy="216720"/>
+              </a:xfrm>
+              <a:prstGeom prst="rect">
+                <a:avLst/>
+              </a:prstGeom>
+            </p:spPr>
+          </p:pic>
+        </mc:Fallback>
+      </mc:AlternateContent>
+      <mc:AlternateContent xmlns:mc="http://schemas.openxmlformats.org/markup-compatibility/2006" xmlns:p14="http://schemas.microsoft.com/office/powerpoint/2010/main">
+        <mc:Choice Requires="p14">
+          <p:contentPart p14:bwMode="auto" r:id="rId12">
+            <p14:nvContentPartPr>
+              <p14:cNvPr id="11" name="잉크 10"/>
+              <p14:cNvContentPartPr/>
+              <p14:nvPr/>
+            </p14:nvContentPartPr>
+            <p14:xfrm>
+              <a:off x="1072728" y="6254664"/>
+              <a:ext cx="1024200" cy="720"/>
+            </p14:xfrm>
+          </p:contentPart>
+        </mc:Choice>
+        <mc:Fallback xmlns="">
+          <p:pic>
+            <p:nvPicPr>
+              <p:cNvPr id="11" name="잉크 10"/>
+              <p:cNvPicPr/>
+              <p:nvPr/>
+            </p:nvPicPr>
+            <p:blipFill>
+              <a:blip r:embed="rId13"/>
+              <a:stretch>
+                <a:fillRect/>
+              </a:stretch>
+            </p:blipFill>
+            <p:spPr>
+              <a:xfrm>
+                <a:off x="1024848" y="6158544"/>
+                <a:ext cx="1120320" cy="192600"/>
+              </a:xfrm>
+              <a:prstGeom prst="rect">
+                <a:avLst/>
+              </a:prstGeom>
+            </p:spPr>
+          </p:pic>
+        </mc:Fallback>
+      </mc:AlternateContent>
     </p:spTree>
   </p:cSld>
   <p:clrMapOvr>
@@ -8435,6 +10351,84 @@
           </a:p>
         </p:txBody>
       </p:sp>
+      <mc:AlternateContent xmlns:mc="http://schemas.openxmlformats.org/markup-compatibility/2006" xmlns:p14="http://schemas.microsoft.com/office/powerpoint/2010/main">
+        <mc:Choice Requires="p14">
+          <p:contentPart p14:bwMode="auto" r:id="rId3">
+            <p14:nvContentPartPr>
+              <p14:cNvPr id="6" name="잉크 5"/>
+              <p14:cNvContentPartPr/>
+              <p14:nvPr/>
+            </p14:nvContentPartPr>
+            <p14:xfrm>
+              <a:off x="4584168" y="3486624"/>
+              <a:ext cx="451440" cy="14760"/>
+            </p14:xfrm>
+          </p:contentPart>
+        </mc:Choice>
+        <mc:Fallback xmlns="">
+          <p:pic>
+            <p:nvPicPr>
+              <p:cNvPr id="6" name="잉크 5"/>
+              <p:cNvPicPr/>
+              <p:nvPr/>
+            </p:nvPicPr>
+            <p:blipFill>
+              <a:blip r:embed="rId4"/>
+              <a:stretch>
+                <a:fillRect/>
+              </a:stretch>
+            </p:blipFill>
+            <p:spPr>
+              <a:xfrm>
+                <a:off x="4536288" y="3390504"/>
+                <a:ext cx="547200" cy="206640"/>
+              </a:xfrm>
+              <a:prstGeom prst="rect">
+                <a:avLst/>
+              </a:prstGeom>
+            </p:spPr>
+          </p:pic>
+        </mc:Fallback>
+      </mc:AlternateContent>
+      <mc:AlternateContent xmlns:mc="http://schemas.openxmlformats.org/markup-compatibility/2006" xmlns:p14="http://schemas.microsoft.com/office/powerpoint/2010/main">
+        <mc:Choice Requires="p14">
+          <p:contentPart p14:bwMode="auto" r:id="rId5">
+            <p14:nvContentPartPr>
+              <p14:cNvPr id="7" name="잉크 6"/>
+              <p14:cNvContentPartPr/>
+              <p14:nvPr/>
+            </p14:nvContentPartPr>
+            <p14:xfrm>
+              <a:off x="6693408" y="3364944"/>
+              <a:ext cx="158400" cy="360"/>
+            </p14:xfrm>
+          </p:contentPart>
+        </mc:Choice>
+        <mc:Fallback xmlns="">
+          <p:pic>
+            <p:nvPicPr>
+              <p:cNvPr id="7" name="잉크 6"/>
+              <p:cNvPicPr/>
+              <p:nvPr/>
+            </p:nvPicPr>
+            <p:blipFill>
+              <a:blip r:embed="rId6"/>
+              <a:stretch>
+                <a:fillRect/>
+              </a:stretch>
+            </p:blipFill>
+            <p:spPr>
+              <a:xfrm>
+                <a:off x="6645528" y="3268824"/>
+                <a:ext cx="254520" cy="192600"/>
+              </a:xfrm>
+              <a:prstGeom prst="rect">
+                <a:avLst/>
+              </a:prstGeom>
+            </p:spPr>
+          </p:pic>
+        </mc:Fallback>
+      </mc:AlternateContent>
     </p:spTree>
   </p:cSld>
   <p:clrMapOvr>
@@ -20654,11 +22648,7 @@
             <a:pPr eaLnBrk="1" hangingPunct="1"/>
             <a:r>
               <a:rPr lang="en-US" altLang="ko-KR" dirty="0" smtClean="0"/>
-              <a:t>Java SE (Standard Edition</a:t>
-            </a:r>
-            <a:r>
-              <a:rPr lang="en-US" altLang="ko-KR" dirty="0" smtClean="0"/>
-              <a:t>)</a:t>
+              <a:t>Java SE (Standard Edition)</a:t>
             </a:r>
           </a:p>
           <a:p>
@@ -20695,7 +22685,6 @@
               <a:rPr lang="en-US" altLang="ko-KR" dirty="0" smtClean="0"/>
               <a:t>Java EE (Enterprise Edition)  </a:t>
             </a:r>
-            <a:endParaRPr lang="en-US" altLang="ko-KR" dirty="0" smtClean="0"/>
           </a:p>
           <a:p>
             <a:pPr lvl="1" eaLnBrk="1" hangingPunct="1"/>
@@ -20713,11 +22702,7 @@
             <a:pPr eaLnBrk="1" hangingPunct="1"/>
             <a:r>
               <a:rPr lang="en-US" altLang="ko-KR" dirty="0" smtClean="0"/>
-              <a:t>Java ME (Micro Edition</a:t>
-            </a:r>
-            <a:r>
-              <a:rPr lang="en-US" altLang="ko-KR" dirty="0" smtClean="0"/>
-              <a:t>)</a:t>
+              <a:t>Java ME (Micro Edition)</a:t>
             </a:r>
           </a:p>
           <a:p>
@@ -20730,7 +22715,6 @@
               <a:rPr lang="ko-KR" altLang="en-US" dirty="0" smtClean="0"/>
               <a:t> 장치나 내장형 장치에서 실행되는 애플리케이션 지원 플랫폼</a:t>
             </a:r>
-            <a:endParaRPr lang="ko-KR" altLang="en-US" dirty="0" smtClean="0"/>
           </a:p>
         </p:txBody>
       </p:sp>
@@ -21133,11 +23117,7 @@
             </a:r>
             <a:r>
               <a:rPr lang="en-US" altLang="ko-KR" dirty="0" smtClean="0"/>
-              <a:t>(Applet</a:t>
-            </a:r>
-            <a:r>
-              <a:rPr lang="en-US" altLang="ko-KR" dirty="0" smtClean="0"/>
-              <a:t>)</a:t>
+              <a:t>(Applet)</a:t>
             </a:r>
           </a:p>
           <a:p>
@@ -21160,11 +23140,7 @@
             </a:r>
             <a:r>
               <a:rPr lang="en-US" altLang="ko-KR" dirty="0" smtClean="0"/>
-              <a:t>(Servlet</a:t>
-            </a:r>
-            <a:r>
-              <a:rPr lang="en-US" altLang="ko-KR" dirty="0" smtClean="0"/>
-              <a:t>)</a:t>
+              <a:t>(Servlet)</a:t>
             </a:r>
           </a:p>
           <a:p>
@@ -21187,11 +23163,7 @@
             </a:r>
             <a:r>
               <a:rPr lang="en-US" altLang="ko-KR" dirty="0" smtClean="0"/>
-              <a:t> Page</a:t>
-            </a:r>
-            <a:r>
-              <a:rPr lang="en-US" altLang="ko-KR" dirty="0" smtClean="0"/>
-              <a:t>)</a:t>
+              <a:t> Page)</a:t>
             </a:r>
           </a:p>
           <a:p>
@@ -21204,7 +23176,6 @@
               <a:rPr lang="ko-KR" altLang="en-US" dirty="0" smtClean="0"/>
               <a:t> 동일한 기술이지만 표현하는 방법과 역할이 다름</a:t>
             </a:r>
-            <a:endParaRPr lang="ko-KR" altLang="en-US" dirty="0" smtClean="0"/>
           </a:p>
         </p:txBody>
       </p:sp>
@@ -21237,6 +23208,84 @@
           </a:p>
         </p:txBody>
       </p:sp>
+      <mc:AlternateContent xmlns:mc="http://schemas.openxmlformats.org/markup-compatibility/2006" xmlns:p14="http://schemas.microsoft.com/office/powerpoint/2010/main">
+        <mc:Choice Requires="p14">
+          <p:contentPart p14:bwMode="auto" r:id="rId2">
+            <p14:nvContentPartPr>
+              <p14:cNvPr id="2" name="잉크 1"/>
+              <p14:cNvContentPartPr/>
+              <p14:nvPr/>
+            </p14:nvContentPartPr>
+            <p14:xfrm>
+              <a:off x="890016" y="3030504"/>
+              <a:ext cx="2231640" cy="42480"/>
+            </p14:xfrm>
+          </p:contentPart>
+        </mc:Choice>
+        <mc:Fallback xmlns="">
+          <p:pic>
+            <p:nvPicPr>
+              <p:cNvPr id="2" name="잉크 1"/>
+              <p:cNvPicPr/>
+              <p:nvPr/>
+            </p:nvPicPr>
+            <p:blipFill>
+              <a:blip r:embed="rId3"/>
+              <a:stretch>
+                <a:fillRect/>
+              </a:stretch>
+            </p:blipFill>
+            <p:spPr>
+              <a:xfrm>
+                <a:off x="842136" y="2934744"/>
+                <a:ext cx="2327400" cy="234360"/>
+              </a:xfrm>
+              <a:prstGeom prst="rect">
+                <a:avLst/>
+              </a:prstGeom>
+            </p:spPr>
+          </p:pic>
+        </mc:Fallback>
+      </mc:AlternateContent>
+      <mc:AlternateContent xmlns:mc="http://schemas.openxmlformats.org/markup-compatibility/2006" xmlns:p14="http://schemas.microsoft.com/office/powerpoint/2010/main">
+        <mc:Choice Requires="p14">
+          <p:contentPart p14:bwMode="auto" r:id="rId4">
+            <p14:nvContentPartPr>
+              <p14:cNvPr id="3" name="잉크 2"/>
+              <p14:cNvContentPartPr/>
+              <p14:nvPr/>
+            </p14:nvContentPartPr>
+            <p14:xfrm>
+              <a:off x="853296" y="3924024"/>
+              <a:ext cx="2938320" cy="113400"/>
+            </p14:xfrm>
+          </p:contentPart>
+        </mc:Choice>
+        <mc:Fallback xmlns="">
+          <p:pic>
+            <p:nvPicPr>
+              <p:cNvPr id="3" name="잉크 2"/>
+              <p:cNvPicPr/>
+              <p:nvPr/>
+            </p:nvPicPr>
+            <p:blipFill>
+              <a:blip r:embed="rId5"/>
+              <a:stretch>
+                <a:fillRect/>
+              </a:stretch>
+            </p:blipFill>
+            <p:spPr>
+              <a:xfrm>
+                <a:off x="805416" y="3827904"/>
+                <a:ext cx="3034440" cy="305280"/>
+              </a:xfrm>
+              <a:prstGeom prst="rect">
+                <a:avLst/>
+              </a:prstGeom>
+            </p:spPr>
+          </p:pic>
+        </mc:Fallback>
+      </mc:AlternateContent>
     </p:spTree>
   </p:cSld>
   <p:clrMapOvr>
@@ -21355,11 +23404,7 @@
             <a:pPr lvl="1" eaLnBrk="1" hangingPunct="1"/>
             <a:r>
               <a:rPr lang="ko-KR" altLang="en-US" dirty="0" smtClean="0"/>
-              <a:t>웹 </a:t>
-            </a:r>
-            <a:r>
-              <a:rPr lang="ko-KR" altLang="en-US" dirty="0" smtClean="0"/>
-              <a:t>문서</a:t>
+              <a:t>웹 문서</a:t>
             </a:r>
             <a:r>
               <a:rPr lang="en-US" altLang="ko-KR" dirty="0" smtClean="0"/>
@@ -21386,11 +23431,7 @@
             <a:pPr lvl="1" eaLnBrk="1" hangingPunct="1"/>
             <a:r>
               <a:rPr lang="ko-KR" altLang="en-US" dirty="0" smtClean="0"/>
-              <a:t>웹 </a:t>
-            </a:r>
-            <a:r>
-              <a:rPr lang="ko-KR" altLang="en-US" dirty="0" smtClean="0"/>
-              <a:t>애플리케이션</a:t>
+              <a:t>웹 애플리케이션</a:t>
             </a:r>
             <a:r>
               <a:rPr lang="en-US" altLang="ko-KR" dirty="0" smtClean="0"/>
@@ -21409,11 +23450,7 @@
             <a:pPr lvl="1" eaLnBrk="1" hangingPunct="1"/>
             <a:r>
               <a:rPr lang="ko-KR" altLang="en-US" dirty="0" smtClean="0"/>
-              <a:t>웹 </a:t>
-            </a:r>
-            <a:r>
-              <a:rPr lang="ko-KR" altLang="en-US" dirty="0" smtClean="0"/>
-              <a:t>서비스</a:t>
+              <a:t>웹 서비스</a:t>
             </a:r>
             <a:r>
               <a:rPr lang="en-US" altLang="ko-KR" dirty="0" smtClean="0"/>
@@ -21439,11 +23476,7 @@
             </a:r>
             <a:r>
               <a:rPr lang="ko-KR" altLang="en-US" dirty="0" smtClean="0"/>
-              <a:t>기반 웹 </a:t>
-            </a:r>
-            <a:r>
-              <a:rPr lang="ko-KR" altLang="en-US" dirty="0" smtClean="0"/>
-              <a:t>서비스</a:t>
+              <a:t>기반 웹 서비스</a:t>
             </a:r>
             <a:endParaRPr lang="en-US" altLang="ko-KR" dirty="0" smtClean="0"/>
           </a:p>
@@ -21775,11 +23808,7 @@
             </a:r>
             <a:r>
               <a:rPr lang="ko-KR" altLang="en-US" sz="2000" dirty="0" smtClean="0"/>
-              <a:t>웹 프로그래밍의 </a:t>
-            </a:r>
-            <a:r>
-              <a:rPr lang="ko-KR" altLang="en-US" sz="2000" dirty="0" smtClean="0"/>
-              <a:t>이해 </a:t>
+              <a:t>웹 프로그래밍의 이해 </a:t>
             </a:r>
             <a:r>
               <a:rPr lang="en-US" altLang="ko-KR" sz="2000" dirty="0" smtClean="0"/>
